--- a/ProgramsHandbook/WelcomeOfficerHelper.pptx
+++ b/ProgramsHandbook/WelcomeOfficerHelper.pptx
@@ -7,11 +7,14 @@
   <p:sldIdLst>
     <p:sldId id="337" r:id="rId2"/>
     <p:sldId id="341" r:id="rId3"/>
-    <p:sldId id="344" r:id="rId4"/>
-    <p:sldId id="343" r:id="rId5"/>
-    <p:sldId id="342" r:id="rId6"/>
-    <p:sldId id="338" r:id="rId7"/>
-    <p:sldId id="335" r:id="rId8"/>
+    <p:sldId id="335" r:id="rId4"/>
+    <p:sldId id="344" r:id="rId5"/>
+    <p:sldId id="343" r:id="rId6"/>
+    <p:sldId id="342" r:id="rId7"/>
+    <p:sldId id="338" r:id="rId8"/>
+    <p:sldId id="345" r:id="rId9"/>
+    <p:sldId id="346" r:id="rId10"/>
+    <p:sldId id="348" r:id="rId11"/>
   </p:sldIdLst>
   <p:sldSz cx="12192000" cy="6858000"/>
   <p:notesSz cx="6858000" cy="9144000"/>
@@ -6339,7 +6342,7 @@
           <a:p>
             <a:fld id="{E117E0DC-5939-6843-AF2B-4DE427CCEDEF}" type="datetimeFigureOut">
               <a:rPr lang="en-US" smtClean="0"/>
-              <a:t>2/3/21</a:t>
+              <a:t>5/24/21</a:t>
             </a:fld>
             <a:endParaRPr lang="en-US"/>
           </a:p>
@@ -6537,7 +6540,7 @@
           <a:p>
             <a:fld id="{E117E0DC-5939-6843-AF2B-4DE427CCEDEF}" type="datetimeFigureOut">
               <a:rPr lang="en-US" smtClean="0"/>
-              <a:t>2/3/21</a:t>
+              <a:t>5/24/21</a:t>
             </a:fld>
             <a:endParaRPr lang="en-US"/>
           </a:p>
@@ -6745,7 +6748,7 @@
           <a:p>
             <a:fld id="{E117E0DC-5939-6843-AF2B-4DE427CCEDEF}" type="datetimeFigureOut">
               <a:rPr lang="en-US" smtClean="0"/>
-              <a:t>2/3/21</a:t>
+              <a:t>5/24/21</a:t>
             </a:fld>
             <a:endParaRPr lang="en-US"/>
           </a:p>
@@ -6943,7 +6946,7 @@
           <a:p>
             <a:fld id="{E117E0DC-5939-6843-AF2B-4DE427CCEDEF}" type="datetimeFigureOut">
               <a:rPr lang="en-US" smtClean="0"/>
-              <a:t>2/3/21</a:t>
+              <a:t>5/24/21</a:t>
             </a:fld>
             <a:endParaRPr lang="en-US"/>
           </a:p>
@@ -7218,7 +7221,7 @@
           <a:p>
             <a:fld id="{E117E0DC-5939-6843-AF2B-4DE427CCEDEF}" type="datetimeFigureOut">
               <a:rPr lang="en-US" smtClean="0"/>
-              <a:t>2/3/21</a:t>
+              <a:t>5/24/21</a:t>
             </a:fld>
             <a:endParaRPr lang="en-US"/>
           </a:p>
@@ -7483,7 +7486,7 @@
           <a:p>
             <a:fld id="{E117E0DC-5939-6843-AF2B-4DE427CCEDEF}" type="datetimeFigureOut">
               <a:rPr lang="en-US" smtClean="0"/>
-              <a:t>2/3/21</a:t>
+              <a:t>5/24/21</a:t>
             </a:fld>
             <a:endParaRPr lang="en-US"/>
           </a:p>
@@ -7895,7 +7898,7 @@
           <a:p>
             <a:fld id="{E117E0DC-5939-6843-AF2B-4DE427CCEDEF}" type="datetimeFigureOut">
               <a:rPr lang="en-US" smtClean="0"/>
-              <a:t>2/3/21</a:t>
+              <a:t>5/24/21</a:t>
             </a:fld>
             <a:endParaRPr lang="en-US"/>
           </a:p>
@@ -8036,7 +8039,7 @@
           <a:p>
             <a:fld id="{E117E0DC-5939-6843-AF2B-4DE427CCEDEF}" type="datetimeFigureOut">
               <a:rPr lang="en-US" smtClean="0"/>
-              <a:t>2/3/21</a:t>
+              <a:t>5/24/21</a:t>
             </a:fld>
             <a:endParaRPr lang="en-US"/>
           </a:p>
@@ -8149,7 +8152,7 @@
           <a:p>
             <a:fld id="{E117E0DC-5939-6843-AF2B-4DE427CCEDEF}" type="datetimeFigureOut">
               <a:rPr lang="en-US" smtClean="0"/>
-              <a:t>2/3/21</a:t>
+              <a:t>5/24/21</a:t>
             </a:fld>
             <a:endParaRPr lang="en-US"/>
           </a:p>
@@ -8460,7 +8463,7 @@
           <a:p>
             <a:fld id="{E117E0DC-5939-6843-AF2B-4DE427CCEDEF}" type="datetimeFigureOut">
               <a:rPr lang="en-US" smtClean="0"/>
-              <a:t>2/3/21</a:t>
+              <a:t>5/24/21</a:t>
             </a:fld>
             <a:endParaRPr lang="en-US"/>
           </a:p>
@@ -8748,7 +8751,7 @@
           <a:p>
             <a:fld id="{E117E0DC-5939-6843-AF2B-4DE427CCEDEF}" type="datetimeFigureOut">
               <a:rPr lang="en-US" smtClean="0"/>
-              <a:t>2/3/21</a:t>
+              <a:t>5/24/21</a:t>
             </a:fld>
             <a:endParaRPr lang="en-US"/>
           </a:p>
@@ -8989,7 +8992,7 @@
           <a:p>
             <a:fld id="{E117E0DC-5939-6843-AF2B-4DE427CCEDEF}" type="datetimeFigureOut">
               <a:rPr lang="en-US" smtClean="0"/>
-              <a:t>2/3/21</a:t>
+              <a:t>5/24/21</a:t>
             </a:fld>
             <a:endParaRPr lang="en-US"/>
           </a:p>
@@ -9550,7 +9553,7 @@
         <p:spPr>
           <a:xfrm>
             <a:off x="6458962" y="2593076"/>
-            <a:ext cx="5272121" cy="2923877"/>
+            <a:ext cx="5272121" cy="1569660"/>
           </a:xfrm>
           <a:prstGeom prst="rect">
             <a:avLst/>
@@ -9569,11 +9572,6 @@
               </a:rPr>
               <a:t>Welcome</a:t>
             </a:r>
-          </a:p>
-          <a:p>
-            <a:endParaRPr lang="en-US" sz="8800" dirty="0">
-              <a:latin typeface="Optima" panose="02000503060000020004" pitchFamily="2" charset="0"/>
-            </a:endParaRPr>
           </a:p>
         </p:txBody>
       </p:sp>
@@ -9614,10 +9612,310 @@
           </a:p>
         </p:txBody>
       </p:sp>
+      <p:sp>
+        <p:nvSpPr>
+          <p:cNvPr id="7" name="TextBox 6">
+            <a:extLst>
+              <a:ext uri="{FF2B5EF4-FFF2-40B4-BE49-F238E27FC236}">
+                <a16:creationId xmlns:a16="http://schemas.microsoft.com/office/drawing/2014/main" id="{B8D0DE73-F0ED-7A41-91C5-C0127688A2C3}"/>
+              </a:ext>
+            </a:extLst>
+          </p:cNvPr>
+          <p:cNvSpPr txBox="1"/>
+          <p:nvPr/>
+        </p:nvSpPr>
+        <p:spPr>
+          <a:xfrm>
+            <a:off x="6458962" y="2351782"/>
+            <a:ext cx="5272121" cy="646331"/>
+          </a:xfrm>
+          <a:prstGeom prst="rect">
+            <a:avLst/>
+          </a:prstGeom>
+          <a:noFill/>
+        </p:spPr>
+        <p:txBody>
+          <a:bodyPr wrap="square" rtlCol="0">
+            <a:spAutoFit/>
+          </a:bodyPr>
+          <a:lstStyle/>
+          <a:p>
+            <a:r>
+              <a:rPr lang="en-US" i="1" dirty="0">
+                <a:solidFill>
+                  <a:schemeClr val="accent2">
+                    <a:lumMod val="75000"/>
+                  </a:schemeClr>
+                </a:solidFill>
+                <a:latin typeface="Optima" panose="02000503060000020004" pitchFamily="2" charset="0"/>
+              </a:rPr>
+              <a:t>Any volunteers to be today’s </a:t>
+            </a:r>
+          </a:p>
+          <a:p>
+            <a:endParaRPr lang="en-US" i="1" dirty="0">
+              <a:solidFill>
+                <a:schemeClr val="accent2">
+                  <a:lumMod val="75000"/>
+                </a:schemeClr>
+              </a:solidFill>
+              <a:latin typeface="Optima" panose="02000503060000020004" pitchFamily="2" charset="0"/>
+            </a:endParaRPr>
+          </a:p>
+        </p:txBody>
+      </p:sp>
+      <p:sp>
+        <p:nvSpPr>
+          <p:cNvPr id="8" name="TextBox 7">
+            <a:extLst>
+              <a:ext uri="{FF2B5EF4-FFF2-40B4-BE49-F238E27FC236}">
+                <a16:creationId xmlns:a16="http://schemas.microsoft.com/office/drawing/2014/main" id="{957DA4D4-2D26-D244-981B-05EFD529B1D7}"/>
+              </a:ext>
+            </a:extLst>
+          </p:cNvPr>
+          <p:cNvSpPr txBox="1"/>
+          <p:nvPr/>
+        </p:nvSpPr>
+        <p:spPr>
+          <a:xfrm>
+            <a:off x="6458962" y="3865421"/>
+            <a:ext cx="5272121" cy="646331"/>
+          </a:xfrm>
+          <a:prstGeom prst="rect">
+            <a:avLst/>
+          </a:prstGeom>
+          <a:noFill/>
+        </p:spPr>
+        <p:txBody>
+          <a:bodyPr wrap="square" rtlCol="0">
+            <a:spAutoFit/>
+          </a:bodyPr>
+          <a:lstStyle/>
+          <a:p>
+            <a:r>
+              <a:rPr lang="en-US" i="1" dirty="0">
+                <a:solidFill>
+                  <a:schemeClr val="accent2">
+                    <a:lumMod val="75000"/>
+                  </a:schemeClr>
+                </a:solidFill>
+                <a:latin typeface="Optima" panose="02000503060000020004" pitchFamily="2" charset="0"/>
+              </a:rPr>
+              <a:t>officer? No experience necessary</a:t>
+            </a:r>
+          </a:p>
+          <a:p>
+            <a:endParaRPr lang="en-US" i="1" dirty="0">
+              <a:solidFill>
+                <a:schemeClr val="accent2">
+                  <a:lumMod val="75000"/>
+                </a:schemeClr>
+              </a:solidFill>
+              <a:latin typeface="Optima" panose="02000503060000020004" pitchFamily="2" charset="0"/>
+            </a:endParaRPr>
+          </a:p>
+        </p:txBody>
+      </p:sp>
     </p:spTree>
     <p:extLst>
       <p:ext uri="{BB962C8B-B14F-4D97-AF65-F5344CB8AC3E}">
         <p14:creationId xmlns:p14="http://schemas.microsoft.com/office/powerpoint/2010/main" val="2544962012"/>
+      </p:ext>
+    </p:extLst>
+  </p:cSld>
+  <p:clrMapOvr>
+    <a:masterClrMapping/>
+  </p:clrMapOvr>
+</p:sld>
+</file>
+
+<file path=ppt/slides/slide10.xml><?xml version="1.0" encoding="utf-8"?>
+<p:sld xmlns:a="http://schemas.openxmlformats.org/drawingml/2006/main" xmlns:r="http://schemas.openxmlformats.org/officeDocument/2006/relationships" xmlns:p="http://schemas.openxmlformats.org/presentationml/2006/main">
+  <p:cSld>
+    <p:spTree>
+      <p:nvGrpSpPr>
+        <p:cNvPr id="1" name=""/>
+        <p:cNvGrpSpPr/>
+        <p:nvPr/>
+      </p:nvGrpSpPr>
+      <p:grpSpPr>
+        <a:xfrm>
+          <a:off x="0" y="0"/>
+          <a:ext cx="0" cy="0"/>
+          <a:chOff x="0" y="0"/>
+          <a:chExt cx="0" cy="0"/>
+        </a:xfrm>
+      </p:grpSpPr>
+      <p:pic>
+        <p:nvPicPr>
+          <p:cNvPr id="5" name="Picture 4">
+            <a:extLst>
+              <a:ext uri="{FF2B5EF4-FFF2-40B4-BE49-F238E27FC236}">
+                <a16:creationId xmlns:a16="http://schemas.microsoft.com/office/drawing/2014/main" id="{256CCD31-9C25-F040-9504-CF9C5ECCF7E0}"/>
+              </a:ext>
+            </a:extLst>
+          </p:cNvPr>
+          <p:cNvPicPr/>
+          <p:nvPr/>
+        </p:nvPicPr>
+        <p:blipFill rotWithShape="1">
+          <a:blip r:embed="rId2" cstate="print">
+            <a:extLst>
+              <a:ext uri="{28A0092B-C50C-407E-A947-70E740481C1C}">
+                <a14:useLocalDpi xmlns:a14="http://schemas.microsoft.com/office/drawing/2010/main" val="0"/>
+              </a:ext>
+            </a:extLst>
+          </a:blip>
+          <a:srcRect l="3239" r="1"/>
+          <a:stretch/>
+        </p:blipFill>
+        <p:spPr bwMode="auto">
+          <a:xfrm>
+            <a:off x="1794279" y="2435310"/>
+            <a:ext cx="1650141" cy="1451610"/>
+          </a:xfrm>
+          <a:prstGeom prst="rect">
+            <a:avLst/>
+          </a:prstGeom>
+          <a:ln>
+            <a:noFill/>
+          </a:ln>
+          <a:extLst>
+            <a:ext uri="{53640926-AAD7-44D8-BBD7-CCE9431645EC}">
+              <a14:shadowObscured xmlns:a14="http://schemas.microsoft.com/office/drawing/2010/main"/>
+            </a:ext>
+          </a:extLst>
+        </p:spPr>
+      </p:pic>
+      <p:sp>
+        <p:nvSpPr>
+          <p:cNvPr id="6" name="Rectangle 5">
+            <a:extLst>
+              <a:ext uri="{FF2B5EF4-FFF2-40B4-BE49-F238E27FC236}">
+                <a16:creationId xmlns:a16="http://schemas.microsoft.com/office/drawing/2014/main" id="{7AC521A6-EA53-6249-9417-2379A244B351}"/>
+              </a:ext>
+            </a:extLst>
+          </p:cNvPr>
+          <p:cNvSpPr/>
+          <p:nvPr/>
+        </p:nvSpPr>
+        <p:spPr>
+          <a:xfrm>
+            <a:off x="3444420" y="2317260"/>
+            <a:ext cx="1848583" cy="1569660"/>
+          </a:xfrm>
+          <a:prstGeom prst="rect">
+            <a:avLst/>
+          </a:prstGeom>
+        </p:spPr>
+        <p:txBody>
+          <a:bodyPr wrap="none">
+            <a:spAutoFit/>
+          </a:bodyPr>
+          <a:lstStyle/>
+          <a:p>
+            <a:pPr>
+              <a:spcAft>
+                <a:spcPts val="1200"/>
+              </a:spcAft>
+            </a:pPr>
+            <a:r>
+              <a:rPr lang="en-US" sz="3200" dirty="0">
+                <a:solidFill>
+                  <a:srgbClr val="24292E"/>
+                </a:solidFill>
+                <a:latin typeface="Optima" panose="02000503060000020004" pitchFamily="2" charset="0"/>
+                <a:ea typeface="Times New Roman" panose="02020603050405020304" pitchFamily="18" charset="0"/>
+                <a:cs typeface="Times New Roman" panose="02020603050405020304" pitchFamily="18" charset="0"/>
+              </a:rPr>
+              <a:t>Data </a:t>
+            </a:r>
+            <a:br>
+              <a:rPr lang="en-US" sz="3200" dirty="0">
+                <a:solidFill>
+                  <a:srgbClr val="24292E"/>
+                </a:solidFill>
+                <a:latin typeface="Optima" panose="02000503060000020004" pitchFamily="2" charset="0"/>
+                <a:ea typeface="Times New Roman" panose="02020603050405020304" pitchFamily="18" charset="0"/>
+                <a:cs typeface="Times New Roman" panose="02020603050405020304" pitchFamily="18" charset="0"/>
+              </a:rPr>
+            </a:br>
+            <a:r>
+              <a:rPr lang="en-US" sz="3200" dirty="0">
+                <a:solidFill>
+                  <a:srgbClr val="24292E"/>
+                </a:solidFill>
+                <a:latin typeface="Optima" panose="02000503060000020004" pitchFamily="2" charset="0"/>
+                <a:ea typeface="Times New Roman" panose="02020603050405020304" pitchFamily="18" charset="0"/>
+                <a:cs typeface="Times New Roman" panose="02020603050405020304" pitchFamily="18" charset="0"/>
+              </a:rPr>
+              <a:t>Scientista</a:t>
+            </a:r>
+            <a:br>
+              <a:rPr lang="en-US" sz="3200" dirty="0">
+                <a:solidFill>
+                  <a:srgbClr val="24292E"/>
+                </a:solidFill>
+                <a:latin typeface="Optima" panose="02000503060000020004" pitchFamily="2" charset="0"/>
+                <a:ea typeface="Times New Roman" panose="02020603050405020304" pitchFamily="18" charset="0"/>
+                <a:cs typeface="Times New Roman" panose="02020603050405020304" pitchFamily="18" charset="0"/>
+              </a:rPr>
+            </a:br>
+            <a:r>
+              <a:rPr lang="en-US" sz="3200" dirty="0">
+                <a:solidFill>
+                  <a:srgbClr val="24292E"/>
+                </a:solidFill>
+                <a:latin typeface="Optima" panose="02000503060000020004" pitchFamily="2" charset="0"/>
+                <a:ea typeface="Times New Roman" panose="02020603050405020304" pitchFamily="18" charset="0"/>
+                <a:cs typeface="Times New Roman" panose="02020603050405020304" pitchFamily="18" charset="0"/>
+              </a:rPr>
+              <a:t>Society</a:t>
+            </a:r>
+          </a:p>
+        </p:txBody>
+      </p:sp>
+      <p:sp>
+        <p:nvSpPr>
+          <p:cNvPr id="12" name="TextBox 11">
+            <a:extLst>
+              <a:ext uri="{FF2B5EF4-FFF2-40B4-BE49-F238E27FC236}">
+                <a16:creationId xmlns:a16="http://schemas.microsoft.com/office/drawing/2014/main" id="{C2457959-888A-A749-8A8C-1780D33CCD8F}"/>
+              </a:ext>
+            </a:extLst>
+          </p:cNvPr>
+          <p:cNvSpPr txBox="1"/>
+          <p:nvPr/>
+        </p:nvSpPr>
+        <p:spPr>
+          <a:xfrm>
+            <a:off x="4730516" y="3517761"/>
+            <a:ext cx="1616927" cy="276999"/>
+          </a:xfrm>
+          <a:prstGeom prst="rect">
+            <a:avLst/>
+          </a:prstGeom>
+          <a:noFill/>
+        </p:spPr>
+        <p:txBody>
+          <a:bodyPr wrap="square" rtlCol="0">
+            <a:spAutoFit/>
+          </a:bodyPr>
+          <a:lstStyle/>
+          <a:p>
+            <a:r>
+              <a:rPr lang="en-US" sz="1200" dirty="0">
+                <a:latin typeface="Optima" panose="02000503060000020004" pitchFamily="2" charset="0"/>
+              </a:rPr>
+              <a:t>501(c)(3)</a:t>
+            </a:r>
+          </a:p>
+        </p:txBody>
+      </p:sp>
+    </p:spTree>
+    <p:extLst>
+      <p:ext uri="{BB962C8B-B14F-4D97-AF65-F5344CB8AC3E}">
+        <p14:creationId xmlns:p14="http://schemas.microsoft.com/office/powerpoint/2010/main" val="1264619268"/>
       </p:ext>
     </p:extLst>
   </p:cSld>
@@ -9821,610 +10119,6 @@
 </file>
 
 <file path=ppt/slides/slide3.xml><?xml version="1.0" encoding="utf-8"?>
-<p:sld xmlns:a="http://schemas.openxmlformats.org/drawingml/2006/main" xmlns:r="http://schemas.openxmlformats.org/officeDocument/2006/relationships" xmlns:p="http://schemas.openxmlformats.org/presentationml/2006/main">
-  <p:cSld>
-    <p:spTree>
-      <p:nvGrpSpPr>
-        <p:cNvPr id="1" name=""/>
-        <p:cNvGrpSpPr/>
-        <p:nvPr/>
-      </p:nvGrpSpPr>
-      <p:grpSpPr>
-        <a:xfrm>
-          <a:off x="0" y="0"/>
-          <a:ext cx="0" cy="0"/>
-          <a:chOff x="0" y="0"/>
-          <a:chExt cx="0" cy="0"/>
-        </a:xfrm>
-      </p:grpSpPr>
-      <p:sp>
-        <p:nvSpPr>
-          <p:cNvPr id="2" name="Title 1">
-            <a:extLst>
-              <a:ext uri="{FF2B5EF4-FFF2-40B4-BE49-F238E27FC236}">
-                <a16:creationId xmlns:a16="http://schemas.microsoft.com/office/drawing/2014/main" id="{C1D5FAE5-8D22-C149-8537-975518419D62}"/>
-              </a:ext>
-            </a:extLst>
-          </p:cNvPr>
-          <p:cNvSpPr>
-            <a:spLocks noGrp="1"/>
-          </p:cNvSpPr>
-          <p:nvPr>
-            <p:ph type="title"/>
-          </p:nvPr>
-        </p:nvSpPr>
-        <p:spPr/>
-        <p:txBody>
-          <a:bodyPr/>
-          <a:lstStyle/>
-          <a:p>
-            <a:r>
-              <a:rPr lang="en-US" dirty="0">
-                <a:latin typeface="Optima" panose="02000503060000020004" pitchFamily="2" charset="0"/>
-              </a:rPr>
-              <a:t>The </a:t>
-            </a:r>
-            <a:r>
-              <a:rPr lang="en-US" i="1" dirty="0">
-                <a:latin typeface="Optima" panose="02000503060000020004" pitchFamily="2" charset="0"/>
-              </a:rPr>
-              <a:t>8 Things</a:t>
-            </a:r>
-            <a:r>
-              <a:rPr lang="en-US" dirty="0">
-                <a:latin typeface="Optima" panose="02000503060000020004" pitchFamily="2" charset="0"/>
-              </a:rPr>
-              <a:t> Update Exercise</a:t>
-            </a:r>
-          </a:p>
-        </p:txBody>
-      </p:sp>
-      <p:graphicFrame>
-        <p:nvGraphicFramePr>
-          <p:cNvPr id="4" name="Content Placeholder 3">
-            <a:extLst>
-              <a:ext uri="{FF2B5EF4-FFF2-40B4-BE49-F238E27FC236}">
-                <a16:creationId xmlns:a16="http://schemas.microsoft.com/office/drawing/2014/main" id="{B50FF5B0-9B10-0949-9BB3-39C1974FBF45}"/>
-              </a:ext>
-            </a:extLst>
-          </p:cNvPr>
-          <p:cNvGraphicFramePr>
-            <a:graphicFrameLocks noGrp="1"/>
-          </p:cNvGraphicFramePr>
-          <p:nvPr>
-            <p:ph idx="1"/>
-            <p:extLst>
-              <p:ext uri="{D42A27DB-BD31-4B8C-83A1-F6EECF244321}">
-                <p14:modId xmlns:p14="http://schemas.microsoft.com/office/powerpoint/2010/main" val="315571523"/>
-              </p:ext>
-            </p:extLst>
-          </p:nvPr>
-        </p:nvGraphicFramePr>
-        <p:xfrm>
-          <a:off x="1775460" y="1908809"/>
-          <a:ext cx="3516630" cy="3913823"/>
-        </p:xfrm>
-        <a:graphic>
-          <a:graphicData uri="http://schemas.openxmlformats.org/drawingml/2006/diagram">
-            <dgm:relIds xmlns:dgm="http://schemas.openxmlformats.org/drawingml/2006/diagram" xmlns:r="http://schemas.openxmlformats.org/officeDocument/2006/relationships" r:dm="rId2" r:lo="rId3" r:qs="rId4" r:cs="rId5"/>
-          </a:graphicData>
-        </a:graphic>
-      </p:graphicFrame>
-      <p:graphicFrame>
-        <p:nvGraphicFramePr>
-          <p:cNvPr id="6" name="Content Placeholder 3">
-            <a:extLst>
-              <a:ext uri="{FF2B5EF4-FFF2-40B4-BE49-F238E27FC236}">
-                <a16:creationId xmlns:a16="http://schemas.microsoft.com/office/drawing/2014/main" id="{E7B8D126-8F88-7649-851A-1057FA096639}"/>
-              </a:ext>
-            </a:extLst>
-          </p:cNvPr>
-          <p:cNvGraphicFramePr>
-            <a:graphicFrameLocks/>
-          </p:cNvGraphicFramePr>
-          <p:nvPr>
-            <p:extLst>
-              <p:ext uri="{D42A27DB-BD31-4B8C-83A1-F6EECF244321}">
-                <p14:modId xmlns:p14="http://schemas.microsoft.com/office/powerpoint/2010/main" val="805238703"/>
-              </p:ext>
-            </p:extLst>
-          </p:nvPr>
-        </p:nvGraphicFramePr>
-        <p:xfrm>
-          <a:off x="6305550" y="1908808"/>
-          <a:ext cx="3516630" cy="3913823"/>
-        </p:xfrm>
-        <a:graphic>
-          <a:graphicData uri="http://schemas.openxmlformats.org/drawingml/2006/diagram">
-            <dgm:relIds xmlns:dgm="http://schemas.openxmlformats.org/drawingml/2006/diagram" xmlns:r="http://schemas.openxmlformats.org/officeDocument/2006/relationships" r:dm="rId7" r:lo="rId8" r:qs="rId9" r:cs="rId10"/>
-          </a:graphicData>
-        </a:graphic>
-      </p:graphicFrame>
-    </p:spTree>
-    <p:extLst>
-      <p:ext uri="{BB962C8B-B14F-4D97-AF65-F5344CB8AC3E}">
-        <p14:creationId xmlns:p14="http://schemas.microsoft.com/office/powerpoint/2010/main" val="1387854925"/>
-      </p:ext>
-    </p:extLst>
-  </p:cSld>
-  <p:clrMapOvr>
-    <a:masterClrMapping/>
-  </p:clrMapOvr>
-</p:sld>
-</file>
-
-<file path=ppt/slides/slide4.xml><?xml version="1.0" encoding="utf-8"?>
-<p:sld xmlns:a="http://schemas.openxmlformats.org/drawingml/2006/main" xmlns:r="http://schemas.openxmlformats.org/officeDocument/2006/relationships" xmlns:p="http://schemas.openxmlformats.org/presentationml/2006/main">
-  <p:cSld>
-    <p:bg>
-      <p:bgRef idx="1001">
-        <a:schemeClr val="bg1"/>
-      </p:bgRef>
-    </p:bg>
-    <p:spTree>
-      <p:nvGrpSpPr>
-        <p:cNvPr id="1" name=""/>
-        <p:cNvGrpSpPr/>
-        <p:nvPr/>
-      </p:nvGrpSpPr>
-      <p:grpSpPr>
-        <a:xfrm>
-          <a:off x="0" y="0"/>
-          <a:ext cx="0" cy="0"/>
-          <a:chOff x="0" y="0"/>
-          <a:chExt cx="0" cy="0"/>
-        </a:xfrm>
-      </p:grpSpPr>
-      <p:sp>
-        <p:nvSpPr>
-          <p:cNvPr id="2" name="Title 1">
-            <a:extLst>
-              <a:ext uri="{FF2B5EF4-FFF2-40B4-BE49-F238E27FC236}">
-                <a16:creationId xmlns:a16="http://schemas.microsoft.com/office/drawing/2014/main" id="{A32FC399-8C30-F548-BAC5-7BFC8C71472A}"/>
-              </a:ext>
-            </a:extLst>
-          </p:cNvPr>
-          <p:cNvSpPr>
-            <a:spLocks noGrp="1"/>
-          </p:cNvSpPr>
-          <p:nvPr>
-            <p:ph type="title"/>
-          </p:nvPr>
-        </p:nvSpPr>
-        <p:spPr/>
-        <p:txBody>
-          <a:bodyPr/>
-          <a:lstStyle/>
-          <a:p>
-            <a:r>
-              <a:rPr lang="en-US" dirty="0">
-                <a:latin typeface="Optima" panose="02000503060000020004" pitchFamily="2" charset="0"/>
-              </a:rPr>
-              <a:t>Update Exercise… In Any Order</a:t>
-            </a:r>
-          </a:p>
-        </p:txBody>
-      </p:sp>
-      <p:sp>
-        <p:nvSpPr>
-          <p:cNvPr id="3" name="Content Placeholder 2">
-            <a:extLst>
-              <a:ext uri="{FF2B5EF4-FFF2-40B4-BE49-F238E27FC236}">
-                <a16:creationId xmlns:a16="http://schemas.microsoft.com/office/drawing/2014/main" id="{8C2614F7-B3DC-464F-ABFE-6B5412143663}"/>
-              </a:ext>
-            </a:extLst>
-          </p:cNvPr>
-          <p:cNvSpPr>
-            <a:spLocks noGrp="1"/>
-          </p:cNvSpPr>
-          <p:nvPr>
-            <p:ph idx="1"/>
-          </p:nvPr>
-        </p:nvSpPr>
-        <p:spPr>
-          <a:xfrm>
-            <a:off x="974835" y="1690688"/>
-            <a:ext cx="10515600" cy="4351338"/>
-          </a:xfrm>
-        </p:spPr>
-        <p:txBody>
-          <a:bodyPr>
-            <a:normAutofit lnSpcReduction="10000"/>
-          </a:bodyPr>
-          <a:lstStyle/>
-          <a:p>
-            <a:pPr marL="0" indent="0">
-              <a:buNone/>
-            </a:pPr>
-            <a:r>
-              <a:rPr lang="en-US" sz="2000" dirty="0">
-                <a:latin typeface="Optima" panose="02000503060000020004" pitchFamily="2" charset="0"/>
-              </a:rPr>
-              <a:t>LAST MONTH</a:t>
-            </a:r>
-          </a:p>
-          <a:p>
-            <a:r>
-              <a:rPr lang="en-US" sz="2000" dirty="0">
-                <a:latin typeface="Optima" panose="02000503060000020004" pitchFamily="2" charset="0"/>
-              </a:rPr>
-              <a:t>Best thing that happened personally in the last month</a:t>
-            </a:r>
-          </a:p>
-          <a:p>
-            <a:r>
-              <a:rPr lang="en-US" sz="2000" dirty="0">
-                <a:latin typeface="Optima" panose="02000503060000020004" pitchFamily="2" charset="0"/>
-              </a:rPr>
-              <a:t>Worst thing that happened personally in the last month</a:t>
-            </a:r>
-          </a:p>
-          <a:p>
-            <a:r>
-              <a:rPr lang="en-US" sz="2000" dirty="0">
-                <a:latin typeface="Optima" panose="02000503060000020004" pitchFamily="2" charset="0"/>
-              </a:rPr>
-              <a:t>Best thing that happened professionally in the last month</a:t>
-            </a:r>
-          </a:p>
-          <a:p>
-            <a:r>
-              <a:rPr lang="en-US" sz="2000" dirty="0">
-                <a:latin typeface="Optima" panose="02000503060000020004" pitchFamily="2" charset="0"/>
-              </a:rPr>
-              <a:t>Worst thing that happened professionally in the last month</a:t>
-            </a:r>
-          </a:p>
-          <a:p>
-            <a:endParaRPr lang="en-US" sz="2000" dirty="0">
-              <a:latin typeface="Optima" panose="02000503060000020004" pitchFamily="2" charset="0"/>
-            </a:endParaRPr>
-          </a:p>
-          <a:p>
-            <a:pPr marL="0" indent="0">
-              <a:buNone/>
-            </a:pPr>
-            <a:r>
-              <a:rPr lang="en-US" sz="2000" dirty="0">
-                <a:latin typeface="Optima" panose="02000503060000020004" pitchFamily="2" charset="0"/>
-              </a:rPr>
-              <a:t>NEXT MONTH</a:t>
-            </a:r>
-          </a:p>
-          <a:p>
-            <a:r>
-              <a:rPr lang="en-US" sz="2000" dirty="0">
-                <a:latin typeface="Optima" panose="02000503060000020004" pitchFamily="2" charset="0"/>
-              </a:rPr>
-              <a:t>Best thing that you are looking forward to personally in the last month</a:t>
-            </a:r>
-          </a:p>
-          <a:p>
-            <a:r>
-              <a:rPr lang="en-US" sz="2000" dirty="0">
-                <a:latin typeface="Optima" panose="02000503060000020004" pitchFamily="2" charset="0"/>
-              </a:rPr>
-              <a:t>Worst thing that you are dreading personally in the last month</a:t>
-            </a:r>
-          </a:p>
-          <a:p>
-            <a:r>
-              <a:rPr lang="en-US" sz="2000" dirty="0">
-                <a:latin typeface="Optima" panose="02000503060000020004" pitchFamily="2" charset="0"/>
-              </a:rPr>
-              <a:t>Best thing that looking forward to professionally in the last month</a:t>
-            </a:r>
-          </a:p>
-          <a:p>
-            <a:r>
-              <a:rPr lang="en-US" sz="2000" dirty="0">
-                <a:latin typeface="Optima" panose="02000503060000020004" pitchFamily="2" charset="0"/>
-              </a:rPr>
-              <a:t>Worst thing that you are dreading happened professionally in the last month</a:t>
-            </a:r>
-          </a:p>
-          <a:p>
-            <a:endParaRPr lang="en-US" sz="2000" dirty="0">
-              <a:latin typeface="Optima" panose="02000503060000020004" pitchFamily="2" charset="0"/>
-            </a:endParaRPr>
-          </a:p>
-        </p:txBody>
-      </p:sp>
-    </p:spTree>
-    <p:extLst>
-      <p:ext uri="{BB962C8B-B14F-4D97-AF65-F5344CB8AC3E}">
-        <p14:creationId xmlns:p14="http://schemas.microsoft.com/office/powerpoint/2010/main" val="752081825"/>
-      </p:ext>
-    </p:extLst>
-  </p:cSld>
-  <p:clrMapOvr>
-    <a:overrideClrMapping bg1="lt1" tx1="dk1" bg2="lt2" tx2="dk2" accent1="accent1" accent2="accent2" accent3="accent3" accent4="accent4" accent5="accent5" accent6="accent6" hlink="hlink" folHlink="folHlink"/>
-  </p:clrMapOvr>
-</p:sld>
-</file>
-
-<file path=ppt/slides/slide5.xml><?xml version="1.0" encoding="utf-8"?>
-<p:sld xmlns:a="http://schemas.openxmlformats.org/drawingml/2006/main" xmlns:r="http://schemas.openxmlformats.org/officeDocument/2006/relationships" xmlns:p="http://schemas.openxmlformats.org/presentationml/2006/main">
-  <p:cSld>
-    <p:spTree>
-      <p:nvGrpSpPr>
-        <p:cNvPr id="1" name=""/>
-        <p:cNvGrpSpPr/>
-        <p:nvPr/>
-      </p:nvGrpSpPr>
-      <p:grpSpPr>
-        <a:xfrm>
-          <a:off x="0" y="0"/>
-          <a:ext cx="0" cy="0"/>
-          <a:chOff x="0" y="0"/>
-          <a:chExt cx="0" cy="0"/>
-        </a:xfrm>
-      </p:grpSpPr>
-      <p:sp>
-        <p:nvSpPr>
-          <p:cNvPr id="2" name="Title 1">
-            <a:extLst>
-              <a:ext uri="{FF2B5EF4-FFF2-40B4-BE49-F238E27FC236}">
-                <a16:creationId xmlns:a16="http://schemas.microsoft.com/office/drawing/2014/main" id="{4BB88CDA-0CA5-AC46-8386-91DB96D24DAF}"/>
-              </a:ext>
-            </a:extLst>
-          </p:cNvPr>
-          <p:cNvSpPr>
-            <a:spLocks noGrp="1"/>
-          </p:cNvSpPr>
-          <p:nvPr>
-            <p:ph type="title"/>
-          </p:nvPr>
-        </p:nvSpPr>
-        <p:spPr/>
-        <p:txBody>
-          <a:bodyPr/>
-          <a:lstStyle/>
-          <a:p>
-            <a:r>
-              <a:rPr lang="en-US" dirty="0">
-                <a:latin typeface="Optima" panose="02000503060000020004" pitchFamily="2" charset="0"/>
-              </a:rPr>
-              <a:t>Agenda</a:t>
-            </a:r>
-          </a:p>
-        </p:txBody>
-      </p:sp>
-      <p:sp>
-        <p:nvSpPr>
-          <p:cNvPr id="3" name="Content Placeholder 2">
-            <a:extLst>
-              <a:ext uri="{FF2B5EF4-FFF2-40B4-BE49-F238E27FC236}">
-                <a16:creationId xmlns:a16="http://schemas.microsoft.com/office/drawing/2014/main" id="{EB3B69C1-35B8-4E44-A50B-64F397D4DF5C}"/>
-              </a:ext>
-            </a:extLst>
-          </p:cNvPr>
-          <p:cNvSpPr>
-            <a:spLocks noGrp="1"/>
-          </p:cNvSpPr>
-          <p:nvPr>
-            <p:ph idx="1"/>
-          </p:nvPr>
-        </p:nvSpPr>
-        <p:spPr/>
-        <p:txBody>
-          <a:bodyPr/>
-          <a:lstStyle/>
-          <a:p>
-            <a:r>
-              <a:rPr lang="en-US" dirty="0">
-                <a:latin typeface="Optima" panose="02000503060000020004" pitchFamily="2" charset="0"/>
-              </a:rPr>
-              <a:t>Personal update exercise</a:t>
-            </a:r>
-          </a:p>
-          <a:p>
-            <a:r>
-              <a:rPr lang="en-US" dirty="0">
-                <a:latin typeface="Optima" panose="02000503060000020004" pitchFamily="2" charset="0"/>
-              </a:rPr>
-              <a:t>Officer's introduction and reports</a:t>
-            </a:r>
-          </a:p>
-          <a:p>
-            <a:r>
-              <a:rPr lang="en-US" dirty="0">
-                <a:latin typeface="Optima" panose="02000503060000020004" pitchFamily="2" charset="0"/>
-              </a:rPr>
-              <a:t>Group updates</a:t>
-            </a:r>
-          </a:p>
-        </p:txBody>
-      </p:sp>
-    </p:spTree>
-    <p:extLst>
-      <p:ext uri="{BB962C8B-B14F-4D97-AF65-F5344CB8AC3E}">
-        <p14:creationId xmlns:p14="http://schemas.microsoft.com/office/powerpoint/2010/main" val="2101140130"/>
-      </p:ext>
-    </p:extLst>
-  </p:cSld>
-  <p:clrMapOvr>
-    <a:masterClrMapping/>
-  </p:clrMapOvr>
-</p:sld>
-</file>
-
-<file path=ppt/slides/slide6.xml><?xml version="1.0" encoding="utf-8"?>
-<p:sld xmlns:a="http://schemas.openxmlformats.org/drawingml/2006/main" xmlns:r="http://schemas.openxmlformats.org/officeDocument/2006/relationships" xmlns:p="http://schemas.openxmlformats.org/presentationml/2006/main">
-  <p:cSld>
-    <p:spTree>
-      <p:nvGrpSpPr>
-        <p:cNvPr id="1" name=""/>
-        <p:cNvGrpSpPr/>
-        <p:nvPr/>
-      </p:nvGrpSpPr>
-      <p:grpSpPr>
-        <a:xfrm>
-          <a:off x="0" y="0"/>
-          <a:ext cx="0" cy="0"/>
-          <a:chOff x="0" y="0"/>
-          <a:chExt cx="0" cy="0"/>
-        </a:xfrm>
-      </p:grpSpPr>
-      <p:sp>
-        <p:nvSpPr>
-          <p:cNvPr id="2" name="Title 1">
-            <a:extLst>
-              <a:ext uri="{FF2B5EF4-FFF2-40B4-BE49-F238E27FC236}">
-                <a16:creationId xmlns:a16="http://schemas.microsoft.com/office/drawing/2014/main" id="{822C4190-DAB6-0A47-87C5-806996757E4F}"/>
-              </a:ext>
-            </a:extLst>
-          </p:cNvPr>
-          <p:cNvSpPr>
-            <a:spLocks noGrp="1"/>
-          </p:cNvSpPr>
-          <p:nvPr>
-            <p:ph type="title"/>
-          </p:nvPr>
-        </p:nvSpPr>
-        <p:spPr/>
-        <p:txBody>
-          <a:bodyPr/>
-          <a:lstStyle/>
-          <a:p>
-            <a:r>
-              <a:rPr lang="en-US" dirty="0">
-                <a:latin typeface="Optima" panose="02000503060000020004" pitchFamily="2" charset="0"/>
-              </a:rPr>
-              <a:t>Officers</a:t>
-            </a:r>
-          </a:p>
-        </p:txBody>
-      </p:sp>
-      <p:sp>
-        <p:nvSpPr>
-          <p:cNvPr id="3" name="Content Placeholder 2">
-            <a:extLst>
-              <a:ext uri="{FF2B5EF4-FFF2-40B4-BE49-F238E27FC236}">
-                <a16:creationId xmlns:a16="http://schemas.microsoft.com/office/drawing/2014/main" id="{74060FC4-FA33-0246-B7A6-27752C3FE3A8}"/>
-              </a:ext>
-            </a:extLst>
-          </p:cNvPr>
-          <p:cNvSpPr>
-            <a:spLocks noGrp="1"/>
-          </p:cNvSpPr>
-          <p:nvPr>
-            <p:ph sz="half" idx="1"/>
-          </p:nvPr>
-        </p:nvSpPr>
-        <p:spPr>
-          <a:xfrm>
-            <a:off x="838199" y="1825625"/>
-            <a:ext cx="7598229" cy="4351338"/>
-          </a:xfrm>
-        </p:spPr>
-        <p:txBody>
-          <a:bodyPr/>
-          <a:lstStyle/>
-          <a:p>
-            <a:r>
-              <a:rPr lang="en-US" dirty="0">
-                <a:latin typeface="Optima" panose="02000503060000020004" pitchFamily="2" charset="0"/>
-              </a:rPr>
-              <a:t>Anna Kirkland Smith, President</a:t>
-            </a:r>
-          </a:p>
-          <a:p>
-            <a:r>
-              <a:rPr lang="en-US" dirty="0" err="1">
-                <a:latin typeface="Optima" panose="02000503060000020004" pitchFamily="2" charset="0"/>
-              </a:rPr>
-              <a:t>Jaronda</a:t>
-            </a:r>
-            <a:r>
-              <a:rPr lang="en-US" dirty="0">
-                <a:latin typeface="Optima" panose="02000503060000020004" pitchFamily="2" charset="0"/>
-              </a:rPr>
-              <a:t> Ingram, Vice President</a:t>
-            </a:r>
-          </a:p>
-          <a:p>
-            <a:r>
-              <a:rPr lang="en-US" dirty="0">
-                <a:latin typeface="Optima" panose="02000503060000020004" pitchFamily="2" charset="0"/>
-              </a:rPr>
-              <a:t>Janel </a:t>
-            </a:r>
-            <a:r>
-              <a:rPr lang="en-US" dirty="0" err="1">
-                <a:latin typeface="Optima" panose="02000503060000020004" pitchFamily="2" charset="0"/>
-              </a:rPr>
-              <a:t>Kinlaw</a:t>
-            </a:r>
-            <a:r>
-              <a:rPr lang="en-US" dirty="0">
-                <a:latin typeface="Optima" panose="02000503060000020004" pitchFamily="2" charset="0"/>
-              </a:rPr>
-              <a:t>, Treasurer</a:t>
-            </a:r>
-          </a:p>
-          <a:p>
-            <a:r>
-              <a:rPr lang="en-US" dirty="0">
-                <a:latin typeface="Optima" panose="02000503060000020004" pitchFamily="2" charset="0"/>
-              </a:rPr>
-              <a:t>Maria </a:t>
-            </a:r>
-            <a:r>
-              <a:rPr lang="en-US" dirty="0" err="1">
-                <a:latin typeface="Optima" panose="02000503060000020004" pitchFamily="2" charset="0"/>
-              </a:rPr>
-              <a:t>Matkovska</a:t>
-            </a:r>
-            <a:r>
-              <a:rPr lang="en-US" dirty="0">
-                <a:latin typeface="Optima" panose="02000503060000020004" pitchFamily="2" charset="0"/>
-              </a:rPr>
-              <a:t>, Secretary</a:t>
-            </a:r>
-          </a:p>
-          <a:p>
-            <a:r>
-              <a:rPr lang="en-US" dirty="0">
-                <a:latin typeface="Optima" panose="02000503060000020004" pitchFamily="2" charset="0"/>
-              </a:rPr>
-              <a:t>Shannon Kreps, Director of Moments</a:t>
-            </a:r>
-          </a:p>
-          <a:p>
-            <a:r>
-              <a:rPr lang="en-US" dirty="0">
-                <a:latin typeface="Optima" panose="02000503060000020004" pitchFamily="2" charset="0"/>
-              </a:rPr>
-              <a:t>Julia Kuznetsova, Director of Programs</a:t>
-            </a:r>
-          </a:p>
-          <a:p>
-            <a:endParaRPr lang="en-US" dirty="0">
-              <a:latin typeface="Optima" panose="02000503060000020004" pitchFamily="2" charset="0"/>
-            </a:endParaRPr>
-          </a:p>
-          <a:p>
-            <a:endParaRPr lang="en-US" dirty="0">
-              <a:latin typeface="Optima" panose="02000503060000020004" pitchFamily="2" charset="0"/>
-            </a:endParaRPr>
-          </a:p>
-        </p:txBody>
-      </p:sp>
-    </p:spTree>
-    <p:extLst>
-      <p:ext uri="{BB962C8B-B14F-4D97-AF65-F5344CB8AC3E}">
-        <p14:creationId xmlns:p14="http://schemas.microsoft.com/office/powerpoint/2010/main" val="3895708010"/>
-      </p:ext>
-    </p:extLst>
-  </p:cSld>
-  <p:clrMapOvr>
-    <a:masterClrMapping/>
-  </p:clrMapOvr>
-</p:sld>
-</file>
-
-<file path=ppt/slides/slide7.xml><?xml version="1.0" encoding="utf-8"?>
 <p:sld xmlns:a="http://schemas.openxmlformats.org/drawingml/2006/main" xmlns:r="http://schemas.openxmlformats.org/officeDocument/2006/relationships" xmlns:p="http://schemas.openxmlformats.org/presentationml/2006/main">
   <p:cSld>
     <p:spTree>
@@ -10536,7 +10230,7 @@
               </a:rPr>
             </a:br>
             <a:r>
-              <a:rPr lang="en-US" sz="4800" dirty="0" err="1">
+              <a:rPr lang="en-US" sz="4800" dirty="0">
                 <a:solidFill>
                   <a:srgbClr val="24292E"/>
                 </a:solidFill>
@@ -10727,6 +10421,973 @@
     <p:extLst>
       <p:ext uri="{BB962C8B-B14F-4D97-AF65-F5344CB8AC3E}">
         <p14:creationId xmlns:p14="http://schemas.microsoft.com/office/powerpoint/2010/main" val="4220899971"/>
+      </p:ext>
+    </p:extLst>
+  </p:cSld>
+  <p:clrMapOvr>
+    <a:masterClrMapping/>
+  </p:clrMapOvr>
+</p:sld>
+</file>
+
+<file path=ppt/slides/slide4.xml><?xml version="1.0" encoding="utf-8"?>
+<p:sld xmlns:a="http://schemas.openxmlformats.org/drawingml/2006/main" xmlns:r="http://schemas.openxmlformats.org/officeDocument/2006/relationships" xmlns:p="http://schemas.openxmlformats.org/presentationml/2006/main">
+  <p:cSld>
+    <p:spTree>
+      <p:nvGrpSpPr>
+        <p:cNvPr id="1" name=""/>
+        <p:cNvGrpSpPr/>
+        <p:nvPr/>
+      </p:nvGrpSpPr>
+      <p:grpSpPr>
+        <a:xfrm>
+          <a:off x="0" y="0"/>
+          <a:ext cx="0" cy="0"/>
+          <a:chOff x="0" y="0"/>
+          <a:chExt cx="0" cy="0"/>
+        </a:xfrm>
+      </p:grpSpPr>
+      <p:sp>
+        <p:nvSpPr>
+          <p:cNvPr id="2" name="Title 1">
+            <a:extLst>
+              <a:ext uri="{FF2B5EF4-FFF2-40B4-BE49-F238E27FC236}">
+                <a16:creationId xmlns:a16="http://schemas.microsoft.com/office/drawing/2014/main" id="{C1D5FAE5-8D22-C149-8537-975518419D62}"/>
+              </a:ext>
+            </a:extLst>
+          </p:cNvPr>
+          <p:cNvSpPr>
+            <a:spLocks noGrp="1"/>
+          </p:cNvSpPr>
+          <p:nvPr>
+            <p:ph type="title"/>
+          </p:nvPr>
+        </p:nvSpPr>
+        <p:spPr/>
+        <p:txBody>
+          <a:bodyPr/>
+          <a:lstStyle/>
+          <a:p>
+            <a:r>
+              <a:rPr lang="en-US" dirty="0">
+                <a:latin typeface="Optima" panose="02000503060000020004" pitchFamily="2" charset="0"/>
+              </a:rPr>
+              <a:t>The </a:t>
+            </a:r>
+            <a:r>
+              <a:rPr lang="en-US" i="1" dirty="0">
+                <a:latin typeface="Optima" panose="02000503060000020004" pitchFamily="2" charset="0"/>
+              </a:rPr>
+              <a:t>8 Things</a:t>
+            </a:r>
+            <a:r>
+              <a:rPr lang="en-US" dirty="0">
+                <a:latin typeface="Optima" panose="02000503060000020004" pitchFamily="2" charset="0"/>
+              </a:rPr>
+              <a:t> Update Exercise</a:t>
+            </a:r>
+          </a:p>
+        </p:txBody>
+      </p:sp>
+      <p:graphicFrame>
+        <p:nvGraphicFramePr>
+          <p:cNvPr id="4" name="Content Placeholder 3">
+            <a:extLst>
+              <a:ext uri="{FF2B5EF4-FFF2-40B4-BE49-F238E27FC236}">
+                <a16:creationId xmlns:a16="http://schemas.microsoft.com/office/drawing/2014/main" id="{B50FF5B0-9B10-0949-9BB3-39C1974FBF45}"/>
+              </a:ext>
+            </a:extLst>
+          </p:cNvPr>
+          <p:cNvGraphicFramePr>
+            <a:graphicFrameLocks noGrp="1"/>
+          </p:cNvGraphicFramePr>
+          <p:nvPr>
+            <p:ph idx="1"/>
+            <p:extLst>
+              <p:ext uri="{D42A27DB-BD31-4B8C-83A1-F6EECF244321}">
+                <p14:modId xmlns:p14="http://schemas.microsoft.com/office/powerpoint/2010/main" val="315571523"/>
+              </p:ext>
+            </p:extLst>
+          </p:nvPr>
+        </p:nvGraphicFramePr>
+        <p:xfrm>
+          <a:off x="1775460" y="1908809"/>
+          <a:ext cx="3516630" cy="3913823"/>
+        </p:xfrm>
+        <a:graphic>
+          <a:graphicData uri="http://schemas.openxmlformats.org/drawingml/2006/diagram">
+            <dgm:relIds xmlns:dgm="http://schemas.openxmlformats.org/drawingml/2006/diagram" xmlns:r="http://schemas.openxmlformats.org/officeDocument/2006/relationships" r:dm="rId2" r:lo="rId3" r:qs="rId4" r:cs="rId5"/>
+          </a:graphicData>
+        </a:graphic>
+      </p:graphicFrame>
+      <p:graphicFrame>
+        <p:nvGraphicFramePr>
+          <p:cNvPr id="6" name="Content Placeholder 3">
+            <a:extLst>
+              <a:ext uri="{FF2B5EF4-FFF2-40B4-BE49-F238E27FC236}">
+                <a16:creationId xmlns:a16="http://schemas.microsoft.com/office/drawing/2014/main" id="{E7B8D126-8F88-7649-851A-1057FA096639}"/>
+              </a:ext>
+            </a:extLst>
+          </p:cNvPr>
+          <p:cNvGraphicFramePr>
+            <a:graphicFrameLocks/>
+          </p:cNvGraphicFramePr>
+          <p:nvPr>
+            <p:extLst>
+              <p:ext uri="{D42A27DB-BD31-4B8C-83A1-F6EECF244321}">
+                <p14:modId xmlns:p14="http://schemas.microsoft.com/office/powerpoint/2010/main" val="805238703"/>
+              </p:ext>
+            </p:extLst>
+          </p:nvPr>
+        </p:nvGraphicFramePr>
+        <p:xfrm>
+          <a:off x="6305550" y="1908808"/>
+          <a:ext cx="3516630" cy="3913823"/>
+        </p:xfrm>
+        <a:graphic>
+          <a:graphicData uri="http://schemas.openxmlformats.org/drawingml/2006/diagram">
+            <dgm:relIds xmlns:dgm="http://schemas.openxmlformats.org/drawingml/2006/diagram" xmlns:r="http://schemas.openxmlformats.org/officeDocument/2006/relationships" r:dm="rId7" r:lo="rId8" r:qs="rId9" r:cs="rId10"/>
+          </a:graphicData>
+        </a:graphic>
+      </p:graphicFrame>
+    </p:spTree>
+    <p:extLst>
+      <p:ext uri="{BB962C8B-B14F-4D97-AF65-F5344CB8AC3E}">
+        <p14:creationId xmlns:p14="http://schemas.microsoft.com/office/powerpoint/2010/main" val="1387854925"/>
+      </p:ext>
+    </p:extLst>
+  </p:cSld>
+  <p:clrMapOvr>
+    <a:masterClrMapping/>
+  </p:clrMapOvr>
+</p:sld>
+</file>
+
+<file path=ppt/slides/slide5.xml><?xml version="1.0" encoding="utf-8"?>
+<p:sld xmlns:a="http://schemas.openxmlformats.org/drawingml/2006/main" xmlns:r="http://schemas.openxmlformats.org/officeDocument/2006/relationships" xmlns:p="http://schemas.openxmlformats.org/presentationml/2006/main">
+  <p:cSld>
+    <p:bg>
+      <p:bgRef idx="1001">
+        <a:schemeClr val="bg1"/>
+      </p:bgRef>
+    </p:bg>
+    <p:spTree>
+      <p:nvGrpSpPr>
+        <p:cNvPr id="1" name=""/>
+        <p:cNvGrpSpPr/>
+        <p:nvPr/>
+      </p:nvGrpSpPr>
+      <p:grpSpPr>
+        <a:xfrm>
+          <a:off x="0" y="0"/>
+          <a:ext cx="0" cy="0"/>
+          <a:chOff x="0" y="0"/>
+          <a:chExt cx="0" cy="0"/>
+        </a:xfrm>
+      </p:grpSpPr>
+      <p:sp>
+        <p:nvSpPr>
+          <p:cNvPr id="2" name="Title 1">
+            <a:extLst>
+              <a:ext uri="{FF2B5EF4-FFF2-40B4-BE49-F238E27FC236}">
+                <a16:creationId xmlns:a16="http://schemas.microsoft.com/office/drawing/2014/main" id="{A32FC399-8C30-F548-BAC5-7BFC8C71472A}"/>
+              </a:ext>
+            </a:extLst>
+          </p:cNvPr>
+          <p:cNvSpPr>
+            <a:spLocks noGrp="1"/>
+          </p:cNvSpPr>
+          <p:nvPr>
+            <p:ph type="title"/>
+          </p:nvPr>
+        </p:nvSpPr>
+        <p:spPr/>
+        <p:txBody>
+          <a:bodyPr/>
+          <a:lstStyle/>
+          <a:p>
+            <a:r>
+              <a:rPr lang="en-US" dirty="0">
+                <a:latin typeface="Optima" panose="02000503060000020004" pitchFamily="2" charset="0"/>
+              </a:rPr>
+              <a:t>Update Exercise… In Any Order</a:t>
+            </a:r>
+          </a:p>
+        </p:txBody>
+      </p:sp>
+      <p:sp>
+        <p:nvSpPr>
+          <p:cNvPr id="3" name="Content Placeholder 2">
+            <a:extLst>
+              <a:ext uri="{FF2B5EF4-FFF2-40B4-BE49-F238E27FC236}">
+                <a16:creationId xmlns:a16="http://schemas.microsoft.com/office/drawing/2014/main" id="{8C2614F7-B3DC-464F-ABFE-6B5412143663}"/>
+              </a:ext>
+            </a:extLst>
+          </p:cNvPr>
+          <p:cNvSpPr>
+            <a:spLocks noGrp="1"/>
+          </p:cNvSpPr>
+          <p:nvPr>
+            <p:ph idx="1"/>
+          </p:nvPr>
+        </p:nvSpPr>
+        <p:spPr>
+          <a:xfrm>
+            <a:off x="974835" y="1690688"/>
+            <a:ext cx="10515600" cy="4351338"/>
+          </a:xfrm>
+        </p:spPr>
+        <p:txBody>
+          <a:bodyPr>
+            <a:normAutofit lnSpcReduction="10000"/>
+          </a:bodyPr>
+          <a:lstStyle/>
+          <a:p>
+            <a:pPr marL="0" indent="0">
+              <a:buNone/>
+            </a:pPr>
+            <a:r>
+              <a:rPr lang="en-US" sz="2000" dirty="0">
+                <a:latin typeface="Optima" panose="02000503060000020004" pitchFamily="2" charset="0"/>
+              </a:rPr>
+              <a:t>LAST MONTH</a:t>
+            </a:r>
+          </a:p>
+          <a:p>
+            <a:r>
+              <a:rPr lang="en-US" sz="2000" dirty="0">
+                <a:latin typeface="Optima" panose="02000503060000020004" pitchFamily="2" charset="0"/>
+              </a:rPr>
+              <a:t>Best thing that happened personally in the last month</a:t>
+            </a:r>
+          </a:p>
+          <a:p>
+            <a:r>
+              <a:rPr lang="en-US" sz="2000" dirty="0">
+                <a:latin typeface="Optima" panose="02000503060000020004" pitchFamily="2" charset="0"/>
+              </a:rPr>
+              <a:t>Worst thing that happened personally in the last month</a:t>
+            </a:r>
+          </a:p>
+          <a:p>
+            <a:r>
+              <a:rPr lang="en-US" sz="2000" dirty="0">
+                <a:latin typeface="Optima" panose="02000503060000020004" pitchFamily="2" charset="0"/>
+              </a:rPr>
+              <a:t>Best thing that happened professionally in the last month</a:t>
+            </a:r>
+          </a:p>
+          <a:p>
+            <a:r>
+              <a:rPr lang="en-US" sz="2000" dirty="0">
+                <a:latin typeface="Optima" panose="02000503060000020004" pitchFamily="2" charset="0"/>
+              </a:rPr>
+              <a:t>Worst thing that happened professionally in the last month</a:t>
+            </a:r>
+          </a:p>
+          <a:p>
+            <a:endParaRPr lang="en-US" sz="2000" dirty="0">
+              <a:latin typeface="Optima" panose="02000503060000020004" pitchFamily="2" charset="0"/>
+            </a:endParaRPr>
+          </a:p>
+          <a:p>
+            <a:pPr marL="0" indent="0">
+              <a:buNone/>
+            </a:pPr>
+            <a:r>
+              <a:rPr lang="en-US" sz="2000" dirty="0">
+                <a:latin typeface="Optima" panose="02000503060000020004" pitchFamily="2" charset="0"/>
+              </a:rPr>
+              <a:t>NEXT MONTH</a:t>
+            </a:r>
+          </a:p>
+          <a:p>
+            <a:r>
+              <a:rPr lang="en-US" sz="2000" dirty="0">
+                <a:latin typeface="Optima" panose="02000503060000020004" pitchFamily="2" charset="0"/>
+              </a:rPr>
+              <a:t>Best thing that you are looking forward to personally in the last month</a:t>
+            </a:r>
+          </a:p>
+          <a:p>
+            <a:r>
+              <a:rPr lang="en-US" sz="2000" dirty="0">
+                <a:latin typeface="Optima" panose="02000503060000020004" pitchFamily="2" charset="0"/>
+              </a:rPr>
+              <a:t>Worst thing that you are dreading personally in the last month</a:t>
+            </a:r>
+          </a:p>
+          <a:p>
+            <a:r>
+              <a:rPr lang="en-US" sz="2000" dirty="0">
+                <a:latin typeface="Optima" panose="02000503060000020004" pitchFamily="2" charset="0"/>
+              </a:rPr>
+              <a:t>Best thing that looking forward to professionally in the last month</a:t>
+            </a:r>
+          </a:p>
+          <a:p>
+            <a:r>
+              <a:rPr lang="en-US" sz="2000" dirty="0">
+                <a:latin typeface="Optima" panose="02000503060000020004" pitchFamily="2" charset="0"/>
+              </a:rPr>
+              <a:t>Worst thing that you are dreading happened professionally in the last month</a:t>
+            </a:r>
+          </a:p>
+          <a:p>
+            <a:endParaRPr lang="en-US" sz="2000" dirty="0">
+              <a:latin typeface="Optima" panose="02000503060000020004" pitchFamily="2" charset="0"/>
+            </a:endParaRPr>
+          </a:p>
+        </p:txBody>
+      </p:sp>
+    </p:spTree>
+    <p:extLst>
+      <p:ext uri="{BB962C8B-B14F-4D97-AF65-F5344CB8AC3E}">
+        <p14:creationId xmlns:p14="http://schemas.microsoft.com/office/powerpoint/2010/main" val="752081825"/>
+      </p:ext>
+    </p:extLst>
+  </p:cSld>
+  <p:clrMapOvr>
+    <a:overrideClrMapping bg1="lt1" tx1="dk1" bg2="lt2" tx2="dk2" accent1="accent1" accent2="accent2" accent3="accent3" accent4="accent4" accent5="accent5" accent6="accent6" hlink="hlink" folHlink="folHlink"/>
+  </p:clrMapOvr>
+</p:sld>
+</file>
+
+<file path=ppt/slides/slide6.xml><?xml version="1.0" encoding="utf-8"?>
+<p:sld xmlns:a="http://schemas.openxmlformats.org/drawingml/2006/main" xmlns:r="http://schemas.openxmlformats.org/officeDocument/2006/relationships" xmlns:p="http://schemas.openxmlformats.org/presentationml/2006/main">
+  <p:cSld>
+    <p:spTree>
+      <p:nvGrpSpPr>
+        <p:cNvPr id="1" name=""/>
+        <p:cNvGrpSpPr/>
+        <p:nvPr/>
+      </p:nvGrpSpPr>
+      <p:grpSpPr>
+        <a:xfrm>
+          <a:off x="0" y="0"/>
+          <a:ext cx="0" cy="0"/>
+          <a:chOff x="0" y="0"/>
+          <a:chExt cx="0" cy="0"/>
+        </a:xfrm>
+      </p:grpSpPr>
+      <p:sp>
+        <p:nvSpPr>
+          <p:cNvPr id="2" name="Title 1">
+            <a:extLst>
+              <a:ext uri="{FF2B5EF4-FFF2-40B4-BE49-F238E27FC236}">
+                <a16:creationId xmlns:a16="http://schemas.microsoft.com/office/drawing/2014/main" id="{4BB88CDA-0CA5-AC46-8386-91DB96D24DAF}"/>
+              </a:ext>
+            </a:extLst>
+          </p:cNvPr>
+          <p:cNvSpPr>
+            <a:spLocks noGrp="1"/>
+          </p:cNvSpPr>
+          <p:nvPr>
+            <p:ph type="title"/>
+          </p:nvPr>
+        </p:nvSpPr>
+        <p:spPr/>
+        <p:txBody>
+          <a:bodyPr/>
+          <a:lstStyle/>
+          <a:p>
+            <a:r>
+              <a:rPr lang="en-US" dirty="0">
+                <a:latin typeface="Optima" panose="02000503060000020004" pitchFamily="2" charset="0"/>
+              </a:rPr>
+              <a:t>Agenda</a:t>
+            </a:r>
+          </a:p>
+        </p:txBody>
+      </p:sp>
+      <p:sp>
+        <p:nvSpPr>
+          <p:cNvPr id="3" name="Content Placeholder 2">
+            <a:extLst>
+              <a:ext uri="{FF2B5EF4-FFF2-40B4-BE49-F238E27FC236}">
+                <a16:creationId xmlns:a16="http://schemas.microsoft.com/office/drawing/2014/main" id="{EB3B69C1-35B8-4E44-A50B-64F397D4DF5C}"/>
+              </a:ext>
+            </a:extLst>
+          </p:cNvPr>
+          <p:cNvSpPr>
+            <a:spLocks noGrp="1"/>
+          </p:cNvSpPr>
+          <p:nvPr>
+            <p:ph idx="1"/>
+          </p:nvPr>
+        </p:nvSpPr>
+        <p:spPr/>
+        <p:txBody>
+          <a:bodyPr/>
+          <a:lstStyle/>
+          <a:p>
+            <a:r>
+              <a:rPr lang="en-US" dirty="0">
+                <a:latin typeface="Optima" panose="02000503060000020004" pitchFamily="2" charset="0"/>
+              </a:rPr>
+              <a:t>Personal update exercise</a:t>
+            </a:r>
+          </a:p>
+          <a:p>
+            <a:r>
+              <a:rPr lang="en-US" dirty="0">
+                <a:latin typeface="Optima" panose="02000503060000020004" pitchFamily="2" charset="0"/>
+              </a:rPr>
+              <a:t>Featured speaker or discussion</a:t>
+            </a:r>
+          </a:p>
+          <a:p>
+            <a:r>
+              <a:rPr lang="en-US" dirty="0">
+                <a:latin typeface="Optima" panose="02000503060000020004" pitchFamily="2" charset="0"/>
+              </a:rPr>
+              <a:t>Officer's introduction and reports</a:t>
+            </a:r>
+          </a:p>
+          <a:p>
+            <a:r>
+              <a:rPr lang="en-US" dirty="0">
+                <a:latin typeface="Optima" panose="02000503060000020004" pitchFamily="2" charset="0"/>
+              </a:rPr>
+              <a:t>Group updates</a:t>
+            </a:r>
+          </a:p>
+        </p:txBody>
+      </p:sp>
+    </p:spTree>
+    <p:extLst>
+      <p:ext uri="{BB962C8B-B14F-4D97-AF65-F5344CB8AC3E}">
+        <p14:creationId xmlns:p14="http://schemas.microsoft.com/office/powerpoint/2010/main" val="2101140130"/>
+      </p:ext>
+    </p:extLst>
+  </p:cSld>
+  <p:clrMapOvr>
+    <a:masterClrMapping/>
+  </p:clrMapOvr>
+</p:sld>
+</file>
+
+<file path=ppt/slides/slide7.xml><?xml version="1.0" encoding="utf-8"?>
+<p:sld xmlns:a="http://schemas.openxmlformats.org/drawingml/2006/main" xmlns:r="http://schemas.openxmlformats.org/officeDocument/2006/relationships" xmlns:p="http://schemas.openxmlformats.org/presentationml/2006/main">
+  <p:cSld>
+    <p:spTree>
+      <p:nvGrpSpPr>
+        <p:cNvPr id="1" name=""/>
+        <p:cNvGrpSpPr/>
+        <p:nvPr/>
+      </p:nvGrpSpPr>
+      <p:grpSpPr>
+        <a:xfrm>
+          <a:off x="0" y="0"/>
+          <a:ext cx="0" cy="0"/>
+          <a:chOff x="0" y="0"/>
+          <a:chExt cx="0" cy="0"/>
+        </a:xfrm>
+      </p:grpSpPr>
+      <p:sp>
+        <p:nvSpPr>
+          <p:cNvPr id="2" name="Title 1">
+            <a:extLst>
+              <a:ext uri="{FF2B5EF4-FFF2-40B4-BE49-F238E27FC236}">
+                <a16:creationId xmlns:a16="http://schemas.microsoft.com/office/drawing/2014/main" id="{822C4190-DAB6-0A47-87C5-806996757E4F}"/>
+              </a:ext>
+            </a:extLst>
+          </p:cNvPr>
+          <p:cNvSpPr>
+            <a:spLocks noGrp="1"/>
+          </p:cNvSpPr>
+          <p:nvPr>
+            <p:ph type="title"/>
+          </p:nvPr>
+        </p:nvSpPr>
+        <p:spPr/>
+        <p:txBody>
+          <a:bodyPr/>
+          <a:lstStyle/>
+          <a:p>
+            <a:r>
+              <a:rPr lang="en-US" dirty="0">
+                <a:latin typeface="Optima" panose="02000503060000020004" pitchFamily="2" charset="0"/>
+              </a:rPr>
+              <a:t>Officers</a:t>
+            </a:r>
+          </a:p>
+        </p:txBody>
+      </p:sp>
+      <p:sp>
+        <p:nvSpPr>
+          <p:cNvPr id="3" name="Content Placeholder 2">
+            <a:extLst>
+              <a:ext uri="{FF2B5EF4-FFF2-40B4-BE49-F238E27FC236}">
+                <a16:creationId xmlns:a16="http://schemas.microsoft.com/office/drawing/2014/main" id="{74060FC4-FA33-0246-B7A6-27752C3FE3A8}"/>
+              </a:ext>
+            </a:extLst>
+          </p:cNvPr>
+          <p:cNvSpPr>
+            <a:spLocks noGrp="1"/>
+          </p:cNvSpPr>
+          <p:nvPr>
+            <p:ph sz="half" idx="1"/>
+          </p:nvPr>
+        </p:nvSpPr>
+        <p:spPr>
+          <a:xfrm>
+            <a:off x="838199" y="1825625"/>
+            <a:ext cx="7598229" cy="4351338"/>
+          </a:xfrm>
+        </p:spPr>
+        <p:txBody>
+          <a:bodyPr/>
+          <a:lstStyle/>
+          <a:p>
+            <a:r>
+              <a:rPr lang="en-US" dirty="0">
+                <a:latin typeface="Optima" panose="02000503060000020004" pitchFamily="2" charset="0"/>
+              </a:rPr>
+              <a:t>Anna Kirkland Smith, President</a:t>
+            </a:r>
+          </a:p>
+          <a:p>
+            <a:r>
+              <a:rPr lang="en-US" dirty="0" err="1">
+                <a:latin typeface="Optima" panose="02000503060000020004" pitchFamily="2" charset="0"/>
+              </a:rPr>
+              <a:t>Jaronda</a:t>
+            </a:r>
+            <a:r>
+              <a:rPr lang="en-US" dirty="0">
+                <a:latin typeface="Optima" panose="02000503060000020004" pitchFamily="2" charset="0"/>
+              </a:rPr>
+              <a:t> Ingram, Vice President</a:t>
+            </a:r>
+          </a:p>
+          <a:p>
+            <a:r>
+              <a:rPr lang="en-US" dirty="0">
+                <a:latin typeface="Optima" panose="02000503060000020004" pitchFamily="2" charset="0"/>
+              </a:rPr>
+              <a:t>Janel </a:t>
+            </a:r>
+            <a:r>
+              <a:rPr lang="en-US" dirty="0" err="1">
+                <a:latin typeface="Optima" panose="02000503060000020004" pitchFamily="2" charset="0"/>
+              </a:rPr>
+              <a:t>Kinlaw</a:t>
+            </a:r>
+            <a:r>
+              <a:rPr lang="en-US" dirty="0">
+                <a:latin typeface="Optima" panose="02000503060000020004" pitchFamily="2" charset="0"/>
+              </a:rPr>
+              <a:t>, Treasurer</a:t>
+            </a:r>
+          </a:p>
+          <a:p>
+            <a:r>
+              <a:rPr lang="en-US" dirty="0">
+                <a:latin typeface="Optima" panose="02000503060000020004" pitchFamily="2" charset="0"/>
+              </a:rPr>
+              <a:t>Maria </a:t>
+            </a:r>
+            <a:r>
+              <a:rPr lang="en-US" dirty="0" err="1">
+                <a:latin typeface="Optima" panose="02000503060000020004" pitchFamily="2" charset="0"/>
+              </a:rPr>
+              <a:t>Matkovska</a:t>
+            </a:r>
+            <a:r>
+              <a:rPr lang="en-US" dirty="0">
+                <a:latin typeface="Optima" panose="02000503060000020004" pitchFamily="2" charset="0"/>
+              </a:rPr>
+              <a:t>, Secretary</a:t>
+            </a:r>
+          </a:p>
+          <a:p>
+            <a:r>
+              <a:rPr lang="en-US" dirty="0">
+                <a:latin typeface="Optima" panose="02000503060000020004" pitchFamily="2" charset="0"/>
+              </a:rPr>
+              <a:t>Shannon Kreps, Director of Moments</a:t>
+            </a:r>
+          </a:p>
+          <a:p>
+            <a:r>
+              <a:rPr lang="en-US" dirty="0">
+                <a:latin typeface="Optima" panose="02000503060000020004" pitchFamily="2" charset="0"/>
+              </a:rPr>
+              <a:t>Julia Kuznetsova, Director of Programs</a:t>
+            </a:r>
+          </a:p>
+          <a:p>
+            <a:endParaRPr lang="en-US" dirty="0">
+              <a:latin typeface="Optima" panose="02000503060000020004" pitchFamily="2" charset="0"/>
+            </a:endParaRPr>
+          </a:p>
+          <a:p>
+            <a:endParaRPr lang="en-US" dirty="0">
+              <a:latin typeface="Optima" panose="02000503060000020004" pitchFamily="2" charset="0"/>
+            </a:endParaRPr>
+          </a:p>
+        </p:txBody>
+      </p:sp>
+    </p:spTree>
+    <p:extLst>
+      <p:ext uri="{BB962C8B-B14F-4D97-AF65-F5344CB8AC3E}">
+        <p14:creationId xmlns:p14="http://schemas.microsoft.com/office/powerpoint/2010/main" val="3895708010"/>
+      </p:ext>
+    </p:extLst>
+  </p:cSld>
+  <p:clrMapOvr>
+    <a:masterClrMapping/>
+  </p:clrMapOvr>
+</p:sld>
+</file>
+
+<file path=ppt/slides/slide8.xml><?xml version="1.0" encoding="utf-8"?>
+<p:sld xmlns:a="http://schemas.openxmlformats.org/drawingml/2006/main" xmlns:r="http://schemas.openxmlformats.org/officeDocument/2006/relationships" xmlns:p="http://schemas.openxmlformats.org/presentationml/2006/main">
+  <p:cSld>
+    <p:spTree>
+      <p:nvGrpSpPr>
+        <p:cNvPr id="1" name=""/>
+        <p:cNvGrpSpPr/>
+        <p:nvPr/>
+      </p:nvGrpSpPr>
+      <p:grpSpPr>
+        <a:xfrm>
+          <a:off x="0" y="0"/>
+          <a:ext cx="0" cy="0"/>
+          <a:chOff x="0" y="0"/>
+          <a:chExt cx="0" cy="0"/>
+        </a:xfrm>
+      </p:grpSpPr>
+      <p:pic>
+        <p:nvPicPr>
+          <p:cNvPr id="11" name="Picture 10">
+            <a:extLst>
+              <a:ext uri="{FF2B5EF4-FFF2-40B4-BE49-F238E27FC236}">
+                <a16:creationId xmlns:a16="http://schemas.microsoft.com/office/drawing/2014/main" id="{827D9479-3FC6-5A4B-9E8B-5A6BAC994943}"/>
+              </a:ext>
+            </a:extLst>
+          </p:cNvPr>
+          <p:cNvPicPr>
+            <a:picLocks noChangeAspect="1"/>
+          </p:cNvPicPr>
+          <p:nvPr/>
+        </p:nvPicPr>
+        <p:blipFill>
+          <a:blip r:embed="rId2"/>
+          <a:stretch>
+            <a:fillRect/>
+          </a:stretch>
+        </p:blipFill>
+        <p:spPr>
+          <a:xfrm>
+            <a:off x="3191013" y="1972416"/>
+            <a:ext cx="4867137" cy="2358690"/>
+          </a:xfrm>
+          <a:prstGeom prst="rect">
+            <a:avLst/>
+          </a:prstGeom>
+        </p:spPr>
+      </p:pic>
+      <p:sp>
+        <p:nvSpPr>
+          <p:cNvPr id="12" name="Rectangle 11">
+            <a:extLst>
+              <a:ext uri="{FF2B5EF4-FFF2-40B4-BE49-F238E27FC236}">
+                <a16:creationId xmlns:a16="http://schemas.microsoft.com/office/drawing/2014/main" id="{B476C22E-DFCA-544D-8243-6121CA9B51F5}"/>
+              </a:ext>
+            </a:extLst>
+          </p:cNvPr>
+          <p:cNvSpPr/>
+          <p:nvPr/>
+        </p:nvSpPr>
+        <p:spPr>
+          <a:xfrm>
+            <a:off x="1" y="4331106"/>
+            <a:ext cx="12192000" cy="769441"/>
+          </a:xfrm>
+          <a:prstGeom prst="rect">
+            <a:avLst/>
+          </a:prstGeom>
+        </p:spPr>
+        <p:txBody>
+          <a:bodyPr wrap="square">
+            <a:spAutoFit/>
+          </a:bodyPr>
+          <a:lstStyle/>
+          <a:p>
+            <a:pPr algn="ctr">
+              <a:spcAft>
+                <a:spcPts val="1200"/>
+              </a:spcAft>
+            </a:pPr>
+            <a:r>
+              <a:rPr lang="en-US" sz="4400" b="1" dirty="0">
+                <a:solidFill>
+                  <a:schemeClr val="accent2">
+                    <a:lumMod val="75000"/>
+                  </a:schemeClr>
+                </a:solidFill>
+                <a:latin typeface="Optima" panose="02000503060000020004" pitchFamily="2" charset="0"/>
+                <a:ea typeface="Times New Roman" panose="02020603050405020304" pitchFamily="18" charset="0"/>
+                <a:cs typeface="Times New Roman" panose="02020603050405020304" pitchFamily="18" charset="0"/>
+              </a:rPr>
+              <a:t>Join us or start a chapter near you </a:t>
+            </a:r>
+            <a:r>
+              <a:rPr lang="en-US" sz="4400" b="1" dirty="0">
+                <a:solidFill>
+                  <a:schemeClr val="accent2">
+                    <a:lumMod val="60000"/>
+                    <a:lumOff val="40000"/>
+                  </a:schemeClr>
+                </a:solidFill>
+                <a:latin typeface="Optima" panose="02000503060000020004" pitchFamily="2" charset="0"/>
+                <a:ea typeface="Times New Roman" panose="02020603050405020304" pitchFamily="18" charset="0"/>
+                <a:cs typeface="Times New Roman" panose="02020603050405020304" pitchFamily="18" charset="0"/>
+              </a:rPr>
+              <a:t>for free</a:t>
+            </a:r>
+          </a:p>
+        </p:txBody>
+      </p:sp>
+      <p:sp>
+        <p:nvSpPr>
+          <p:cNvPr id="13" name="Rectangle 12">
+            <a:extLst>
+              <a:ext uri="{FF2B5EF4-FFF2-40B4-BE49-F238E27FC236}">
+                <a16:creationId xmlns:a16="http://schemas.microsoft.com/office/drawing/2014/main" id="{55312F76-39C7-534E-ACD8-3099CE454E34}"/>
+              </a:ext>
+            </a:extLst>
+          </p:cNvPr>
+          <p:cNvSpPr/>
+          <p:nvPr/>
+        </p:nvSpPr>
+        <p:spPr>
+          <a:xfrm>
+            <a:off x="0" y="1280399"/>
+            <a:ext cx="12192000" cy="769441"/>
+          </a:xfrm>
+          <a:prstGeom prst="rect">
+            <a:avLst/>
+          </a:prstGeom>
+        </p:spPr>
+        <p:txBody>
+          <a:bodyPr wrap="square">
+            <a:spAutoFit/>
+          </a:bodyPr>
+          <a:lstStyle/>
+          <a:p>
+            <a:pPr algn="ctr">
+              <a:spcAft>
+                <a:spcPts val="1200"/>
+              </a:spcAft>
+            </a:pPr>
+            <a:r>
+              <a:rPr lang="en-US" sz="4400" b="1" dirty="0">
+                <a:solidFill>
+                  <a:schemeClr val="accent2">
+                    <a:lumMod val="75000"/>
+                  </a:schemeClr>
+                </a:solidFill>
+                <a:latin typeface="Optima" panose="02000503060000020004" pitchFamily="2" charset="0"/>
+                <a:ea typeface="Times New Roman" panose="02020603050405020304" pitchFamily="18" charset="0"/>
+                <a:cs typeface="Times New Roman" panose="02020603050405020304" pitchFamily="18" charset="0"/>
+              </a:rPr>
+              <a:t>Create a world full of data by women with us</a:t>
+            </a:r>
+          </a:p>
+        </p:txBody>
+      </p:sp>
+    </p:spTree>
+    <p:extLst>
+      <p:ext uri="{BB962C8B-B14F-4D97-AF65-F5344CB8AC3E}">
+        <p14:creationId xmlns:p14="http://schemas.microsoft.com/office/powerpoint/2010/main" val="2966965463"/>
+      </p:ext>
+    </p:extLst>
+  </p:cSld>
+  <p:clrMapOvr>
+    <a:masterClrMapping/>
+  </p:clrMapOvr>
+</p:sld>
+</file>
+
+<file path=ppt/slides/slide9.xml><?xml version="1.0" encoding="utf-8"?>
+<p:sld xmlns:a="http://schemas.openxmlformats.org/drawingml/2006/main" xmlns:r="http://schemas.openxmlformats.org/officeDocument/2006/relationships" xmlns:p="http://schemas.openxmlformats.org/presentationml/2006/main">
+  <p:cSld>
+    <p:spTree>
+      <p:nvGrpSpPr>
+        <p:cNvPr id="1" name=""/>
+        <p:cNvGrpSpPr/>
+        <p:nvPr/>
+      </p:nvGrpSpPr>
+      <p:grpSpPr>
+        <a:xfrm>
+          <a:off x="0" y="0"/>
+          <a:ext cx="0" cy="0"/>
+          <a:chOff x="0" y="0"/>
+          <a:chExt cx="0" cy="0"/>
+        </a:xfrm>
+      </p:grpSpPr>
+      <p:sp>
+        <p:nvSpPr>
+          <p:cNvPr id="6" name="Rectangle 5">
+            <a:extLst>
+              <a:ext uri="{FF2B5EF4-FFF2-40B4-BE49-F238E27FC236}">
+                <a16:creationId xmlns:a16="http://schemas.microsoft.com/office/drawing/2014/main" id="{7AC521A6-EA53-6249-9417-2379A244B351}"/>
+              </a:ext>
+            </a:extLst>
+          </p:cNvPr>
+          <p:cNvSpPr/>
+          <p:nvPr/>
+        </p:nvSpPr>
+        <p:spPr>
+          <a:xfrm>
+            <a:off x="6410726" y="837225"/>
+            <a:ext cx="5182829" cy="4524315"/>
+          </a:xfrm>
+          <a:prstGeom prst="rect">
+            <a:avLst/>
+          </a:prstGeom>
+        </p:spPr>
+        <p:txBody>
+          <a:bodyPr wrap="none">
+            <a:spAutoFit/>
+          </a:bodyPr>
+          <a:lstStyle/>
+          <a:p>
+            <a:pPr>
+              <a:spcAft>
+                <a:spcPts val="1200"/>
+              </a:spcAft>
+            </a:pPr>
+            <a:r>
+              <a:rPr lang="en-US" sz="9600" dirty="0">
+                <a:solidFill>
+                  <a:srgbClr val="24292E"/>
+                </a:solidFill>
+                <a:latin typeface="Optima" panose="02000503060000020004" pitchFamily="2" charset="0"/>
+                <a:ea typeface="Times New Roman" panose="02020603050405020304" pitchFamily="18" charset="0"/>
+                <a:cs typeface="Times New Roman" panose="02020603050405020304" pitchFamily="18" charset="0"/>
+              </a:rPr>
+              <a:t>Data </a:t>
+            </a:r>
+            <a:br>
+              <a:rPr lang="en-US" sz="9600" dirty="0">
+                <a:solidFill>
+                  <a:srgbClr val="24292E"/>
+                </a:solidFill>
+                <a:latin typeface="Optima" panose="02000503060000020004" pitchFamily="2" charset="0"/>
+                <a:ea typeface="Times New Roman" panose="02020603050405020304" pitchFamily="18" charset="0"/>
+                <a:cs typeface="Times New Roman" panose="02020603050405020304" pitchFamily="18" charset="0"/>
+              </a:rPr>
+            </a:br>
+            <a:r>
+              <a:rPr lang="en-US" sz="9600" dirty="0">
+                <a:solidFill>
+                  <a:srgbClr val="24292E"/>
+                </a:solidFill>
+                <a:latin typeface="Optima" panose="02000503060000020004" pitchFamily="2" charset="0"/>
+                <a:ea typeface="Times New Roman" panose="02020603050405020304" pitchFamily="18" charset="0"/>
+                <a:cs typeface="Times New Roman" panose="02020603050405020304" pitchFamily="18" charset="0"/>
+              </a:rPr>
+              <a:t>Scientista</a:t>
+            </a:r>
+            <a:br>
+              <a:rPr lang="en-US" sz="9600" dirty="0">
+                <a:solidFill>
+                  <a:srgbClr val="24292E"/>
+                </a:solidFill>
+                <a:latin typeface="Optima" panose="02000503060000020004" pitchFamily="2" charset="0"/>
+                <a:ea typeface="Times New Roman" panose="02020603050405020304" pitchFamily="18" charset="0"/>
+                <a:cs typeface="Times New Roman" panose="02020603050405020304" pitchFamily="18" charset="0"/>
+              </a:rPr>
+            </a:br>
+            <a:r>
+              <a:rPr lang="en-US" sz="9600" dirty="0">
+                <a:solidFill>
+                  <a:srgbClr val="24292E"/>
+                </a:solidFill>
+                <a:latin typeface="Optima" panose="02000503060000020004" pitchFamily="2" charset="0"/>
+                <a:ea typeface="Times New Roman" panose="02020603050405020304" pitchFamily="18" charset="0"/>
+                <a:cs typeface="Times New Roman" panose="02020603050405020304" pitchFamily="18" charset="0"/>
+              </a:rPr>
+              <a:t>Society</a:t>
+            </a:r>
+          </a:p>
+        </p:txBody>
+      </p:sp>
+      <p:sp>
+        <p:nvSpPr>
+          <p:cNvPr id="12" name="TextBox 11">
+            <a:extLst>
+              <a:ext uri="{FF2B5EF4-FFF2-40B4-BE49-F238E27FC236}">
+                <a16:creationId xmlns:a16="http://schemas.microsoft.com/office/drawing/2014/main" id="{C2457959-888A-A749-8A8C-1780D33CCD8F}"/>
+              </a:ext>
+            </a:extLst>
+          </p:cNvPr>
+          <p:cNvSpPr txBox="1"/>
+          <p:nvPr/>
+        </p:nvSpPr>
+        <p:spPr>
+          <a:xfrm>
+            <a:off x="6496231" y="5220599"/>
+            <a:ext cx="2030549" cy="461665"/>
+          </a:xfrm>
+          <a:prstGeom prst="rect">
+            <a:avLst/>
+          </a:prstGeom>
+          <a:noFill/>
+        </p:spPr>
+        <p:txBody>
+          <a:bodyPr wrap="square" rtlCol="0">
+            <a:spAutoFit/>
+          </a:bodyPr>
+          <a:lstStyle/>
+          <a:p>
+            <a:r>
+              <a:rPr lang="en-US" sz="2400" dirty="0">
+                <a:latin typeface="Optima" panose="02000503060000020004" pitchFamily="2" charset="0"/>
+              </a:rPr>
+              <a:t>a 501(c)(3)</a:t>
+            </a:r>
+          </a:p>
+        </p:txBody>
+      </p:sp>
+      <p:pic>
+        <p:nvPicPr>
+          <p:cNvPr id="3" name="Picture 2">
+            <a:extLst>
+              <a:ext uri="{FF2B5EF4-FFF2-40B4-BE49-F238E27FC236}">
+                <a16:creationId xmlns:a16="http://schemas.microsoft.com/office/drawing/2014/main" id="{F34D16AC-3DA5-BA47-AF5D-4971C69EB498}"/>
+              </a:ext>
+            </a:extLst>
+          </p:cNvPr>
+          <p:cNvPicPr>
+            <a:picLocks noChangeAspect="1"/>
+          </p:cNvPicPr>
+          <p:nvPr/>
+        </p:nvPicPr>
+        <p:blipFill>
+          <a:blip r:embed="rId2"/>
+          <a:stretch>
+            <a:fillRect/>
+          </a:stretch>
+        </p:blipFill>
+        <p:spPr>
+          <a:xfrm>
+            <a:off x="982980" y="837225"/>
+            <a:ext cx="5427746" cy="5346404"/>
+          </a:xfrm>
+          <a:prstGeom prst="rect">
+            <a:avLst/>
+          </a:prstGeom>
+        </p:spPr>
+      </p:pic>
+    </p:spTree>
+    <p:extLst>
+      <p:ext uri="{BB962C8B-B14F-4D97-AF65-F5344CB8AC3E}">
+        <p14:creationId xmlns:p14="http://schemas.microsoft.com/office/powerpoint/2010/main" val="3516300674"/>
       </p:ext>
     </p:extLst>
   </p:cSld>

--- a/ProgramsHandbook/WelcomeOfficerHelper.pptx
+++ b/ProgramsHandbook/WelcomeOfficerHelper.pptx
@@ -10,11 +10,15 @@
     <p:sldId id="335" r:id="rId4"/>
     <p:sldId id="344" r:id="rId5"/>
     <p:sldId id="343" r:id="rId6"/>
-    <p:sldId id="342" r:id="rId7"/>
-    <p:sldId id="338" r:id="rId8"/>
-    <p:sldId id="345" r:id="rId9"/>
-    <p:sldId id="346" r:id="rId10"/>
-    <p:sldId id="348" r:id="rId11"/>
+    <p:sldId id="351" r:id="rId7"/>
+    <p:sldId id="342" r:id="rId8"/>
+    <p:sldId id="350" r:id="rId9"/>
+    <p:sldId id="256" r:id="rId10"/>
+    <p:sldId id="338" r:id="rId11"/>
+    <p:sldId id="345" r:id="rId12"/>
+    <p:sldId id="346" r:id="rId13"/>
+    <p:sldId id="348" r:id="rId14"/>
+    <p:sldId id="349" r:id="rId15"/>
   </p:sldIdLst>
   <p:sldSz cx="12192000" cy="6858000"/>
   <p:notesSz cx="6858000" cy="9144000"/>
@@ -6342,7 +6346,7 @@
           <a:p>
             <a:fld id="{E117E0DC-5939-6843-AF2B-4DE427CCEDEF}" type="datetimeFigureOut">
               <a:rPr lang="en-US" smtClean="0"/>
-              <a:t>5/24/21</a:t>
+              <a:t>6/21/21</a:t>
             </a:fld>
             <a:endParaRPr lang="en-US"/>
           </a:p>
@@ -6540,7 +6544,7 @@
           <a:p>
             <a:fld id="{E117E0DC-5939-6843-AF2B-4DE427CCEDEF}" type="datetimeFigureOut">
               <a:rPr lang="en-US" smtClean="0"/>
-              <a:t>5/24/21</a:t>
+              <a:t>6/21/21</a:t>
             </a:fld>
             <a:endParaRPr lang="en-US"/>
           </a:p>
@@ -6748,7 +6752,7 @@
           <a:p>
             <a:fld id="{E117E0DC-5939-6843-AF2B-4DE427CCEDEF}" type="datetimeFigureOut">
               <a:rPr lang="en-US" smtClean="0"/>
-              <a:t>5/24/21</a:t>
+              <a:t>6/21/21</a:t>
             </a:fld>
             <a:endParaRPr lang="en-US"/>
           </a:p>
@@ -6946,7 +6950,7 @@
           <a:p>
             <a:fld id="{E117E0DC-5939-6843-AF2B-4DE427CCEDEF}" type="datetimeFigureOut">
               <a:rPr lang="en-US" smtClean="0"/>
-              <a:t>5/24/21</a:t>
+              <a:t>6/21/21</a:t>
             </a:fld>
             <a:endParaRPr lang="en-US"/>
           </a:p>
@@ -7221,7 +7225,7 @@
           <a:p>
             <a:fld id="{E117E0DC-5939-6843-AF2B-4DE427CCEDEF}" type="datetimeFigureOut">
               <a:rPr lang="en-US" smtClean="0"/>
-              <a:t>5/24/21</a:t>
+              <a:t>6/21/21</a:t>
             </a:fld>
             <a:endParaRPr lang="en-US"/>
           </a:p>
@@ -7486,7 +7490,7 @@
           <a:p>
             <a:fld id="{E117E0DC-5939-6843-AF2B-4DE427CCEDEF}" type="datetimeFigureOut">
               <a:rPr lang="en-US" smtClean="0"/>
-              <a:t>5/24/21</a:t>
+              <a:t>6/21/21</a:t>
             </a:fld>
             <a:endParaRPr lang="en-US"/>
           </a:p>
@@ -7898,7 +7902,7 @@
           <a:p>
             <a:fld id="{E117E0DC-5939-6843-AF2B-4DE427CCEDEF}" type="datetimeFigureOut">
               <a:rPr lang="en-US" smtClean="0"/>
-              <a:t>5/24/21</a:t>
+              <a:t>6/21/21</a:t>
             </a:fld>
             <a:endParaRPr lang="en-US"/>
           </a:p>
@@ -8039,7 +8043,7 @@
           <a:p>
             <a:fld id="{E117E0DC-5939-6843-AF2B-4DE427CCEDEF}" type="datetimeFigureOut">
               <a:rPr lang="en-US" smtClean="0"/>
-              <a:t>5/24/21</a:t>
+              <a:t>6/21/21</a:t>
             </a:fld>
             <a:endParaRPr lang="en-US"/>
           </a:p>
@@ -8152,7 +8156,7 @@
           <a:p>
             <a:fld id="{E117E0DC-5939-6843-AF2B-4DE427CCEDEF}" type="datetimeFigureOut">
               <a:rPr lang="en-US" smtClean="0"/>
-              <a:t>5/24/21</a:t>
+              <a:t>6/21/21</a:t>
             </a:fld>
             <a:endParaRPr lang="en-US"/>
           </a:p>
@@ -8463,7 +8467,7 @@
           <a:p>
             <a:fld id="{E117E0DC-5939-6843-AF2B-4DE427CCEDEF}" type="datetimeFigureOut">
               <a:rPr lang="en-US" smtClean="0"/>
-              <a:t>5/24/21</a:t>
+              <a:t>6/21/21</a:t>
             </a:fld>
             <a:endParaRPr lang="en-US"/>
           </a:p>
@@ -8751,7 +8755,7 @@
           <a:p>
             <a:fld id="{E117E0DC-5939-6843-AF2B-4DE427CCEDEF}" type="datetimeFigureOut">
               <a:rPr lang="en-US" smtClean="0"/>
-              <a:t>5/24/21</a:t>
+              <a:t>6/21/21</a:t>
             </a:fld>
             <a:endParaRPr lang="en-US"/>
           </a:p>
@@ -8992,7 +8996,7 @@
           <a:p>
             <a:fld id="{E117E0DC-5939-6843-AF2B-4DE427CCEDEF}" type="datetimeFigureOut">
               <a:rPr lang="en-US" smtClean="0"/>
-              <a:t>5/24/21</a:t>
+              <a:t>6/21/21</a:t>
             </a:fld>
             <a:endParaRPr lang="en-US"/>
           </a:p>
@@ -9746,6 +9750,536 @@
           <a:chExt cx="0" cy="0"/>
         </a:xfrm>
       </p:grpSpPr>
+      <p:sp>
+        <p:nvSpPr>
+          <p:cNvPr id="2" name="Title 1">
+            <a:extLst>
+              <a:ext uri="{FF2B5EF4-FFF2-40B4-BE49-F238E27FC236}">
+                <a16:creationId xmlns:a16="http://schemas.microsoft.com/office/drawing/2014/main" id="{822C4190-DAB6-0A47-87C5-806996757E4F}"/>
+              </a:ext>
+            </a:extLst>
+          </p:cNvPr>
+          <p:cNvSpPr>
+            <a:spLocks noGrp="1"/>
+          </p:cNvSpPr>
+          <p:nvPr>
+            <p:ph type="title"/>
+          </p:nvPr>
+        </p:nvSpPr>
+        <p:spPr/>
+        <p:txBody>
+          <a:bodyPr/>
+          <a:lstStyle/>
+          <a:p>
+            <a:r>
+              <a:rPr lang="en-US" dirty="0">
+                <a:latin typeface="Optima" panose="02000503060000020004" pitchFamily="2" charset="0"/>
+              </a:rPr>
+              <a:t>Officers</a:t>
+            </a:r>
+          </a:p>
+        </p:txBody>
+      </p:sp>
+      <p:sp>
+        <p:nvSpPr>
+          <p:cNvPr id="3" name="Content Placeholder 2">
+            <a:extLst>
+              <a:ext uri="{FF2B5EF4-FFF2-40B4-BE49-F238E27FC236}">
+                <a16:creationId xmlns:a16="http://schemas.microsoft.com/office/drawing/2014/main" id="{74060FC4-FA33-0246-B7A6-27752C3FE3A8}"/>
+              </a:ext>
+            </a:extLst>
+          </p:cNvPr>
+          <p:cNvSpPr>
+            <a:spLocks noGrp="1"/>
+          </p:cNvSpPr>
+          <p:nvPr>
+            <p:ph sz="half" idx="1"/>
+          </p:nvPr>
+        </p:nvSpPr>
+        <p:spPr>
+          <a:xfrm>
+            <a:off x="838199" y="1825625"/>
+            <a:ext cx="7598229" cy="4351338"/>
+          </a:xfrm>
+        </p:spPr>
+        <p:txBody>
+          <a:bodyPr/>
+          <a:lstStyle/>
+          <a:p>
+            <a:r>
+              <a:rPr lang="en-US" dirty="0">
+                <a:latin typeface="Optima" panose="02000503060000020004" pitchFamily="2" charset="0"/>
+              </a:rPr>
+              <a:t>Anna Kirkland Smith, President</a:t>
+            </a:r>
+          </a:p>
+          <a:p>
+            <a:r>
+              <a:rPr lang="en-US" dirty="0" err="1">
+                <a:latin typeface="Optima" panose="02000503060000020004" pitchFamily="2" charset="0"/>
+              </a:rPr>
+              <a:t>Jaronda</a:t>
+            </a:r>
+            <a:r>
+              <a:rPr lang="en-US" dirty="0">
+                <a:latin typeface="Optima" panose="02000503060000020004" pitchFamily="2" charset="0"/>
+              </a:rPr>
+              <a:t> Ingram, Vice President</a:t>
+            </a:r>
+          </a:p>
+          <a:p>
+            <a:r>
+              <a:rPr lang="en-US" dirty="0">
+                <a:latin typeface="Optima" panose="02000503060000020004" pitchFamily="2" charset="0"/>
+              </a:rPr>
+              <a:t>Janel </a:t>
+            </a:r>
+            <a:r>
+              <a:rPr lang="en-US" dirty="0" err="1">
+                <a:latin typeface="Optima" panose="02000503060000020004" pitchFamily="2" charset="0"/>
+              </a:rPr>
+              <a:t>Kinlaw</a:t>
+            </a:r>
+            <a:r>
+              <a:rPr lang="en-US" dirty="0">
+                <a:latin typeface="Optima" panose="02000503060000020004" pitchFamily="2" charset="0"/>
+              </a:rPr>
+              <a:t>, Treasurer</a:t>
+            </a:r>
+          </a:p>
+          <a:p>
+            <a:r>
+              <a:rPr lang="en-US" dirty="0">
+                <a:latin typeface="Optima" panose="02000503060000020004" pitchFamily="2" charset="0"/>
+              </a:rPr>
+              <a:t>Maria </a:t>
+            </a:r>
+            <a:r>
+              <a:rPr lang="en-US" dirty="0" err="1">
+                <a:latin typeface="Optima" panose="02000503060000020004" pitchFamily="2" charset="0"/>
+              </a:rPr>
+              <a:t>Matkovska</a:t>
+            </a:r>
+            <a:r>
+              <a:rPr lang="en-US" dirty="0">
+                <a:latin typeface="Optima" panose="02000503060000020004" pitchFamily="2" charset="0"/>
+              </a:rPr>
+              <a:t>, Secretary</a:t>
+            </a:r>
+          </a:p>
+          <a:p>
+            <a:r>
+              <a:rPr lang="en-US" dirty="0">
+                <a:latin typeface="Optima" panose="02000503060000020004" pitchFamily="2" charset="0"/>
+              </a:rPr>
+              <a:t>Shannon Kreps, Director of Moments</a:t>
+            </a:r>
+          </a:p>
+          <a:p>
+            <a:r>
+              <a:rPr lang="en-US" dirty="0">
+                <a:latin typeface="Optima" panose="02000503060000020004" pitchFamily="2" charset="0"/>
+              </a:rPr>
+              <a:t>Julia Kuznetsova, Director of Programs</a:t>
+            </a:r>
+          </a:p>
+          <a:p>
+            <a:endParaRPr lang="en-US" dirty="0">
+              <a:latin typeface="Optima" panose="02000503060000020004" pitchFamily="2" charset="0"/>
+            </a:endParaRPr>
+          </a:p>
+          <a:p>
+            <a:endParaRPr lang="en-US" dirty="0">
+              <a:latin typeface="Optima" panose="02000503060000020004" pitchFamily="2" charset="0"/>
+            </a:endParaRPr>
+          </a:p>
+        </p:txBody>
+      </p:sp>
+    </p:spTree>
+    <p:extLst>
+      <p:ext uri="{BB962C8B-B14F-4D97-AF65-F5344CB8AC3E}">
+        <p14:creationId xmlns:p14="http://schemas.microsoft.com/office/powerpoint/2010/main" val="3895708010"/>
+      </p:ext>
+    </p:extLst>
+  </p:cSld>
+  <p:clrMapOvr>
+    <a:masterClrMapping/>
+  </p:clrMapOvr>
+</p:sld>
+</file>
+
+<file path=ppt/slides/slide11.xml><?xml version="1.0" encoding="utf-8"?>
+<p:sld xmlns:a="http://schemas.openxmlformats.org/drawingml/2006/main" xmlns:r="http://schemas.openxmlformats.org/officeDocument/2006/relationships" xmlns:p="http://schemas.openxmlformats.org/presentationml/2006/main">
+  <p:cSld>
+    <p:spTree>
+      <p:nvGrpSpPr>
+        <p:cNvPr id="1" name=""/>
+        <p:cNvGrpSpPr/>
+        <p:nvPr/>
+      </p:nvGrpSpPr>
+      <p:grpSpPr>
+        <a:xfrm>
+          <a:off x="0" y="0"/>
+          <a:ext cx="0" cy="0"/>
+          <a:chOff x="0" y="0"/>
+          <a:chExt cx="0" cy="0"/>
+        </a:xfrm>
+      </p:grpSpPr>
+      <p:pic>
+        <p:nvPicPr>
+          <p:cNvPr id="11" name="Picture 10">
+            <a:extLst>
+              <a:ext uri="{FF2B5EF4-FFF2-40B4-BE49-F238E27FC236}">
+                <a16:creationId xmlns:a16="http://schemas.microsoft.com/office/drawing/2014/main" id="{827D9479-3FC6-5A4B-9E8B-5A6BAC994943}"/>
+              </a:ext>
+            </a:extLst>
+          </p:cNvPr>
+          <p:cNvPicPr>
+            <a:picLocks noChangeAspect="1"/>
+          </p:cNvPicPr>
+          <p:nvPr/>
+        </p:nvPicPr>
+        <p:blipFill>
+          <a:blip r:embed="rId2"/>
+          <a:stretch>
+            <a:fillRect/>
+          </a:stretch>
+        </p:blipFill>
+        <p:spPr>
+          <a:xfrm>
+            <a:off x="3191013" y="1972416"/>
+            <a:ext cx="4867137" cy="2358690"/>
+          </a:xfrm>
+          <a:prstGeom prst="rect">
+            <a:avLst/>
+          </a:prstGeom>
+        </p:spPr>
+      </p:pic>
+      <p:sp>
+        <p:nvSpPr>
+          <p:cNvPr id="12" name="Rectangle 11">
+            <a:extLst>
+              <a:ext uri="{FF2B5EF4-FFF2-40B4-BE49-F238E27FC236}">
+                <a16:creationId xmlns:a16="http://schemas.microsoft.com/office/drawing/2014/main" id="{B476C22E-DFCA-544D-8243-6121CA9B51F5}"/>
+              </a:ext>
+            </a:extLst>
+          </p:cNvPr>
+          <p:cNvSpPr/>
+          <p:nvPr/>
+        </p:nvSpPr>
+        <p:spPr>
+          <a:xfrm>
+            <a:off x="1" y="4331106"/>
+            <a:ext cx="12192000" cy="769441"/>
+          </a:xfrm>
+          <a:prstGeom prst="rect">
+            <a:avLst/>
+          </a:prstGeom>
+        </p:spPr>
+        <p:txBody>
+          <a:bodyPr wrap="square">
+            <a:spAutoFit/>
+          </a:bodyPr>
+          <a:lstStyle/>
+          <a:p>
+            <a:pPr algn="ctr">
+              <a:spcAft>
+                <a:spcPts val="1200"/>
+              </a:spcAft>
+            </a:pPr>
+            <a:r>
+              <a:rPr lang="en-US" sz="4400" b="1" dirty="0">
+                <a:solidFill>
+                  <a:schemeClr val="accent2">
+                    <a:lumMod val="75000"/>
+                  </a:schemeClr>
+                </a:solidFill>
+                <a:latin typeface="Optima" panose="02000503060000020004" pitchFamily="2" charset="0"/>
+                <a:ea typeface="Times New Roman" panose="02020603050405020304" pitchFamily="18" charset="0"/>
+                <a:cs typeface="Times New Roman" panose="02020603050405020304" pitchFamily="18" charset="0"/>
+              </a:rPr>
+              <a:t>Join us or start a chapter near you </a:t>
+            </a:r>
+            <a:r>
+              <a:rPr lang="en-US" sz="4400" b="1" dirty="0">
+                <a:solidFill>
+                  <a:schemeClr val="accent2">
+                    <a:lumMod val="60000"/>
+                    <a:lumOff val="40000"/>
+                  </a:schemeClr>
+                </a:solidFill>
+                <a:latin typeface="Optima" panose="02000503060000020004" pitchFamily="2" charset="0"/>
+                <a:ea typeface="Times New Roman" panose="02020603050405020304" pitchFamily="18" charset="0"/>
+                <a:cs typeface="Times New Roman" panose="02020603050405020304" pitchFamily="18" charset="0"/>
+              </a:rPr>
+              <a:t>for free</a:t>
+            </a:r>
+          </a:p>
+        </p:txBody>
+      </p:sp>
+      <p:sp>
+        <p:nvSpPr>
+          <p:cNvPr id="13" name="Rectangle 12">
+            <a:extLst>
+              <a:ext uri="{FF2B5EF4-FFF2-40B4-BE49-F238E27FC236}">
+                <a16:creationId xmlns:a16="http://schemas.microsoft.com/office/drawing/2014/main" id="{55312F76-39C7-534E-ACD8-3099CE454E34}"/>
+              </a:ext>
+            </a:extLst>
+          </p:cNvPr>
+          <p:cNvSpPr/>
+          <p:nvPr/>
+        </p:nvSpPr>
+        <p:spPr>
+          <a:xfrm>
+            <a:off x="0" y="1280399"/>
+            <a:ext cx="12192000" cy="769441"/>
+          </a:xfrm>
+          <a:prstGeom prst="rect">
+            <a:avLst/>
+          </a:prstGeom>
+        </p:spPr>
+        <p:txBody>
+          <a:bodyPr wrap="square">
+            <a:spAutoFit/>
+          </a:bodyPr>
+          <a:lstStyle/>
+          <a:p>
+            <a:pPr algn="ctr">
+              <a:spcAft>
+                <a:spcPts val="1200"/>
+              </a:spcAft>
+            </a:pPr>
+            <a:r>
+              <a:rPr lang="en-US" sz="4400" b="1" dirty="0">
+                <a:solidFill>
+                  <a:schemeClr val="accent2">
+                    <a:lumMod val="75000"/>
+                  </a:schemeClr>
+                </a:solidFill>
+                <a:latin typeface="Optima" panose="02000503060000020004" pitchFamily="2" charset="0"/>
+                <a:ea typeface="Times New Roman" panose="02020603050405020304" pitchFamily="18" charset="0"/>
+                <a:cs typeface="Times New Roman" panose="02020603050405020304" pitchFamily="18" charset="0"/>
+              </a:rPr>
+              <a:t>Create a world full of data by women with us</a:t>
+            </a:r>
+          </a:p>
+        </p:txBody>
+      </p:sp>
+    </p:spTree>
+    <p:extLst>
+      <p:ext uri="{BB962C8B-B14F-4D97-AF65-F5344CB8AC3E}">
+        <p14:creationId xmlns:p14="http://schemas.microsoft.com/office/powerpoint/2010/main" val="2966965463"/>
+      </p:ext>
+    </p:extLst>
+  </p:cSld>
+  <p:clrMapOvr>
+    <a:masterClrMapping/>
+  </p:clrMapOvr>
+</p:sld>
+</file>
+
+<file path=ppt/slides/slide12.xml><?xml version="1.0" encoding="utf-8"?>
+<p:sld xmlns:a="http://schemas.openxmlformats.org/drawingml/2006/main" xmlns:r="http://schemas.openxmlformats.org/officeDocument/2006/relationships" xmlns:p="http://schemas.openxmlformats.org/presentationml/2006/main">
+  <p:cSld>
+    <p:spTree>
+      <p:nvGrpSpPr>
+        <p:cNvPr id="1" name=""/>
+        <p:cNvGrpSpPr/>
+        <p:nvPr/>
+      </p:nvGrpSpPr>
+      <p:grpSpPr>
+        <a:xfrm>
+          <a:off x="0" y="0"/>
+          <a:ext cx="0" cy="0"/>
+          <a:chOff x="0" y="0"/>
+          <a:chExt cx="0" cy="0"/>
+        </a:xfrm>
+      </p:grpSpPr>
+      <p:sp>
+        <p:nvSpPr>
+          <p:cNvPr id="6" name="Rectangle 5">
+            <a:extLst>
+              <a:ext uri="{FF2B5EF4-FFF2-40B4-BE49-F238E27FC236}">
+                <a16:creationId xmlns:a16="http://schemas.microsoft.com/office/drawing/2014/main" id="{7AC521A6-EA53-6249-9417-2379A244B351}"/>
+              </a:ext>
+            </a:extLst>
+          </p:cNvPr>
+          <p:cNvSpPr/>
+          <p:nvPr/>
+        </p:nvSpPr>
+        <p:spPr>
+          <a:xfrm>
+            <a:off x="6410726" y="837225"/>
+            <a:ext cx="5182829" cy="4524315"/>
+          </a:xfrm>
+          <a:prstGeom prst="rect">
+            <a:avLst/>
+          </a:prstGeom>
+        </p:spPr>
+        <p:txBody>
+          <a:bodyPr wrap="none">
+            <a:spAutoFit/>
+          </a:bodyPr>
+          <a:lstStyle/>
+          <a:p>
+            <a:pPr>
+              <a:spcAft>
+                <a:spcPts val="1200"/>
+              </a:spcAft>
+            </a:pPr>
+            <a:r>
+              <a:rPr lang="en-US" sz="9600" dirty="0">
+                <a:solidFill>
+                  <a:srgbClr val="24292E"/>
+                </a:solidFill>
+                <a:latin typeface="Optima" panose="02000503060000020004" pitchFamily="2" charset="0"/>
+                <a:ea typeface="Times New Roman" panose="02020603050405020304" pitchFamily="18" charset="0"/>
+                <a:cs typeface="Times New Roman" panose="02020603050405020304" pitchFamily="18" charset="0"/>
+              </a:rPr>
+              <a:t>Data </a:t>
+            </a:r>
+            <a:br>
+              <a:rPr lang="en-US" sz="9600" dirty="0">
+                <a:solidFill>
+                  <a:srgbClr val="24292E"/>
+                </a:solidFill>
+                <a:latin typeface="Optima" panose="02000503060000020004" pitchFamily="2" charset="0"/>
+                <a:ea typeface="Times New Roman" panose="02020603050405020304" pitchFamily="18" charset="0"/>
+                <a:cs typeface="Times New Roman" panose="02020603050405020304" pitchFamily="18" charset="0"/>
+              </a:rPr>
+            </a:br>
+            <a:r>
+              <a:rPr lang="en-US" sz="9600" dirty="0">
+                <a:solidFill>
+                  <a:srgbClr val="24292E"/>
+                </a:solidFill>
+                <a:latin typeface="Optima" panose="02000503060000020004" pitchFamily="2" charset="0"/>
+                <a:ea typeface="Times New Roman" panose="02020603050405020304" pitchFamily="18" charset="0"/>
+                <a:cs typeface="Times New Roman" panose="02020603050405020304" pitchFamily="18" charset="0"/>
+              </a:rPr>
+              <a:t>Scientista</a:t>
+            </a:r>
+            <a:br>
+              <a:rPr lang="en-US" sz="9600" dirty="0">
+                <a:solidFill>
+                  <a:srgbClr val="24292E"/>
+                </a:solidFill>
+                <a:latin typeface="Optima" panose="02000503060000020004" pitchFamily="2" charset="0"/>
+                <a:ea typeface="Times New Roman" panose="02020603050405020304" pitchFamily="18" charset="0"/>
+                <a:cs typeface="Times New Roman" panose="02020603050405020304" pitchFamily="18" charset="0"/>
+              </a:rPr>
+            </a:br>
+            <a:r>
+              <a:rPr lang="en-US" sz="9600" dirty="0">
+                <a:solidFill>
+                  <a:srgbClr val="24292E"/>
+                </a:solidFill>
+                <a:latin typeface="Optima" panose="02000503060000020004" pitchFamily="2" charset="0"/>
+                <a:ea typeface="Times New Roman" panose="02020603050405020304" pitchFamily="18" charset="0"/>
+                <a:cs typeface="Times New Roman" panose="02020603050405020304" pitchFamily="18" charset="0"/>
+              </a:rPr>
+              <a:t>Society</a:t>
+            </a:r>
+          </a:p>
+        </p:txBody>
+      </p:sp>
+      <p:sp>
+        <p:nvSpPr>
+          <p:cNvPr id="12" name="TextBox 11">
+            <a:extLst>
+              <a:ext uri="{FF2B5EF4-FFF2-40B4-BE49-F238E27FC236}">
+                <a16:creationId xmlns:a16="http://schemas.microsoft.com/office/drawing/2014/main" id="{C2457959-888A-A749-8A8C-1780D33CCD8F}"/>
+              </a:ext>
+            </a:extLst>
+          </p:cNvPr>
+          <p:cNvSpPr txBox="1"/>
+          <p:nvPr/>
+        </p:nvSpPr>
+        <p:spPr>
+          <a:xfrm>
+            <a:off x="6496231" y="5220599"/>
+            <a:ext cx="2030549" cy="461665"/>
+          </a:xfrm>
+          <a:prstGeom prst="rect">
+            <a:avLst/>
+          </a:prstGeom>
+          <a:noFill/>
+        </p:spPr>
+        <p:txBody>
+          <a:bodyPr wrap="square" rtlCol="0">
+            <a:spAutoFit/>
+          </a:bodyPr>
+          <a:lstStyle/>
+          <a:p>
+            <a:r>
+              <a:rPr lang="en-US" sz="2400" dirty="0">
+                <a:latin typeface="Optima" panose="02000503060000020004" pitchFamily="2" charset="0"/>
+              </a:rPr>
+              <a:t>a 501(c)(3)</a:t>
+            </a:r>
+          </a:p>
+        </p:txBody>
+      </p:sp>
+      <p:pic>
+        <p:nvPicPr>
+          <p:cNvPr id="3" name="Picture 2">
+            <a:extLst>
+              <a:ext uri="{FF2B5EF4-FFF2-40B4-BE49-F238E27FC236}">
+                <a16:creationId xmlns:a16="http://schemas.microsoft.com/office/drawing/2014/main" id="{F34D16AC-3DA5-BA47-AF5D-4971C69EB498}"/>
+              </a:ext>
+            </a:extLst>
+          </p:cNvPr>
+          <p:cNvPicPr>
+            <a:picLocks noChangeAspect="1"/>
+          </p:cNvPicPr>
+          <p:nvPr/>
+        </p:nvPicPr>
+        <p:blipFill>
+          <a:blip r:embed="rId2"/>
+          <a:stretch>
+            <a:fillRect/>
+          </a:stretch>
+        </p:blipFill>
+        <p:spPr>
+          <a:xfrm>
+            <a:off x="982980" y="837225"/>
+            <a:ext cx="5427746" cy="5346404"/>
+          </a:xfrm>
+          <a:prstGeom prst="rect">
+            <a:avLst/>
+          </a:prstGeom>
+        </p:spPr>
+      </p:pic>
+    </p:spTree>
+    <p:extLst>
+      <p:ext uri="{BB962C8B-B14F-4D97-AF65-F5344CB8AC3E}">
+        <p14:creationId xmlns:p14="http://schemas.microsoft.com/office/powerpoint/2010/main" val="3516300674"/>
+      </p:ext>
+    </p:extLst>
+  </p:cSld>
+  <p:clrMapOvr>
+    <a:masterClrMapping/>
+  </p:clrMapOvr>
+</p:sld>
+</file>
+
+<file path=ppt/slides/slide13.xml><?xml version="1.0" encoding="utf-8"?>
+<p:sld xmlns:a="http://schemas.openxmlformats.org/drawingml/2006/main" xmlns:r="http://schemas.openxmlformats.org/officeDocument/2006/relationships" xmlns:p="http://schemas.openxmlformats.org/presentationml/2006/main">
+  <p:cSld>
+    <p:spTree>
+      <p:nvGrpSpPr>
+        <p:cNvPr id="1" name=""/>
+        <p:cNvGrpSpPr/>
+        <p:nvPr/>
+      </p:nvGrpSpPr>
+      <p:grpSpPr>
+        <a:xfrm>
+          <a:off x="0" y="0"/>
+          <a:ext cx="0" cy="0"/>
+          <a:chOff x="0" y="0"/>
+          <a:chExt cx="0" cy="0"/>
+        </a:xfrm>
+      </p:grpSpPr>
       <p:pic>
         <p:nvPicPr>
           <p:cNvPr id="5" name="Picture 4">
@@ -9925,6 +10459,1048 @@
 </p:sld>
 </file>
 
+<file path=ppt/slides/slide14.xml><?xml version="1.0" encoding="utf-8"?>
+<p:sld xmlns:a="http://schemas.openxmlformats.org/drawingml/2006/main" xmlns:r="http://schemas.openxmlformats.org/officeDocument/2006/relationships" xmlns:p="http://schemas.openxmlformats.org/presentationml/2006/main">
+  <p:cSld>
+    <p:spTree>
+      <p:nvGrpSpPr>
+        <p:cNvPr id="1" name=""/>
+        <p:cNvGrpSpPr/>
+        <p:nvPr/>
+      </p:nvGrpSpPr>
+      <p:grpSpPr>
+        <a:xfrm>
+          <a:off x="0" y="0"/>
+          <a:ext cx="0" cy="0"/>
+          <a:chOff x="0" y="0"/>
+          <a:chExt cx="0" cy="0"/>
+        </a:xfrm>
+      </p:grpSpPr>
+      <p:sp>
+        <p:nvSpPr>
+          <p:cNvPr id="2" name="Title 1">
+            <a:extLst>
+              <a:ext uri="{FF2B5EF4-FFF2-40B4-BE49-F238E27FC236}">
+                <a16:creationId xmlns:a16="http://schemas.microsoft.com/office/drawing/2014/main" id="{60438F0C-4050-3F42-98A6-3360C7EA2230}"/>
+              </a:ext>
+            </a:extLst>
+          </p:cNvPr>
+          <p:cNvSpPr>
+            <a:spLocks noGrp="1"/>
+          </p:cNvSpPr>
+          <p:nvPr>
+            <p:ph type="title"/>
+          </p:nvPr>
+        </p:nvSpPr>
+        <p:spPr/>
+        <p:txBody>
+          <a:bodyPr/>
+          <a:lstStyle/>
+          <a:p>
+            <a:endParaRPr lang="en-US"/>
+          </a:p>
+        </p:txBody>
+      </p:sp>
+      <p:graphicFrame>
+        <p:nvGraphicFramePr>
+          <p:cNvPr id="4" name="Content Placeholder 3">
+            <a:extLst>
+              <a:ext uri="{FF2B5EF4-FFF2-40B4-BE49-F238E27FC236}">
+                <a16:creationId xmlns:a16="http://schemas.microsoft.com/office/drawing/2014/main" id="{F46AF409-7D06-E149-B5B7-0242F58ABA82}"/>
+              </a:ext>
+            </a:extLst>
+          </p:cNvPr>
+          <p:cNvGraphicFramePr>
+            <a:graphicFrameLocks noGrp="1"/>
+          </p:cNvGraphicFramePr>
+          <p:nvPr>
+            <p:ph idx="1"/>
+          </p:nvPr>
+        </p:nvGraphicFramePr>
+        <p:xfrm>
+          <a:off x="952166" y="2949734"/>
+          <a:ext cx="10287667" cy="2103120"/>
+        </p:xfrm>
+        <a:graphic>
+          <a:graphicData uri="http://schemas.openxmlformats.org/drawingml/2006/table">
+            <a:tbl>
+              <a:tblPr/>
+              <a:tblGrid>
+                <a:gridCol w="7829188">
+                  <a:extLst>
+                    <a:ext uri="{9D8B030D-6E8A-4147-A177-3AD203B41FA5}">
+                      <a16:colId xmlns:a16="http://schemas.microsoft.com/office/drawing/2014/main" val="1073665372"/>
+                    </a:ext>
+                  </a:extLst>
+                </a:gridCol>
+                <a:gridCol w="819493">
+                  <a:extLst>
+                    <a:ext uri="{9D8B030D-6E8A-4147-A177-3AD203B41FA5}">
+                      <a16:colId xmlns:a16="http://schemas.microsoft.com/office/drawing/2014/main" val="841286404"/>
+                    </a:ext>
+                  </a:extLst>
+                </a:gridCol>
+                <a:gridCol w="819493">
+                  <a:extLst>
+                    <a:ext uri="{9D8B030D-6E8A-4147-A177-3AD203B41FA5}">
+                      <a16:colId xmlns:a16="http://schemas.microsoft.com/office/drawing/2014/main" val="398180226"/>
+                    </a:ext>
+                  </a:extLst>
+                </a:gridCol>
+                <a:gridCol w="819493">
+                  <a:extLst>
+                    <a:ext uri="{9D8B030D-6E8A-4147-A177-3AD203B41FA5}">
+                      <a16:colId xmlns:a16="http://schemas.microsoft.com/office/drawing/2014/main" val="2599126593"/>
+                    </a:ext>
+                  </a:extLst>
+                </a:gridCol>
+              </a:tblGrid>
+              <a:tr h="0">
+                <a:tc>
+                  <a:txBody>
+                    <a:bodyPr/>
+                    <a:lstStyle/>
+                    <a:p>
+                      <a:endParaRPr lang="en-US"/>
+                    </a:p>
+                  </a:txBody>
+                  <a:tcPr marL="0" marR="0" marT="0" marB="0">
+                    <a:lnL>
+                      <a:noFill/>
+                    </a:lnL>
+                    <a:lnR>
+                      <a:noFill/>
+                    </a:lnR>
+                    <a:lnT>
+                      <a:noFill/>
+                    </a:lnT>
+                    <a:lnB>
+                      <a:noFill/>
+                    </a:lnB>
+                  </a:tcPr>
+                </a:tc>
+                <a:tc>
+                  <a:txBody>
+                    <a:bodyPr/>
+                    <a:lstStyle/>
+                    <a:p>
+                      <a:endParaRPr lang="en-US"/>
+                    </a:p>
+                  </a:txBody>
+                  <a:tcPr>
+                    <a:lnL>
+                      <a:noFill/>
+                    </a:lnL>
+                  </a:tcPr>
+                </a:tc>
+                <a:tc>
+                  <a:txBody>
+                    <a:bodyPr/>
+                    <a:lstStyle/>
+                    <a:p>
+                      <a:endParaRPr lang="en-US"/>
+                    </a:p>
+                  </a:txBody>
+                  <a:tcPr/>
+                </a:tc>
+                <a:tc>
+                  <a:txBody>
+                    <a:bodyPr/>
+                    <a:lstStyle/>
+                    <a:p>
+                      <a:endParaRPr lang="en-US"/>
+                    </a:p>
+                  </a:txBody>
+                  <a:tcPr/>
+                </a:tc>
+                <a:extLst>
+                  <a:ext uri="{0D108BD9-81ED-4DB2-BD59-A6C34878D82A}">
+                    <a16:rowId xmlns:a16="http://schemas.microsoft.com/office/drawing/2014/main" val="375675776"/>
+                  </a:ext>
+                </a:extLst>
+              </a:tr>
+              <a:tr h="0">
+                <a:tc>
+                  <a:txBody>
+                    <a:bodyPr/>
+                    <a:lstStyle/>
+                    <a:p>
+                      <a:pPr algn="l" fontAlgn="t"/>
+                      <a:r>
+                        <a:rPr lang="en-US" b="1">
+                          <a:solidFill>
+                            <a:srgbClr val="202124"/>
+                          </a:solidFill>
+                          <a:effectLst/>
+                          <a:latin typeface="Roboto" panose="02000000000000000000" pitchFamily="2" charset="0"/>
+                        </a:rPr>
+                        <a:t>Data Scientista Society</a:t>
+                      </a:r>
+                      <a:endParaRPr lang="en-US" b="1">
+                        <a:solidFill>
+                          <a:srgbClr val="5F6368"/>
+                        </a:solidFill>
+                        <a:effectLst/>
+                        <a:latin typeface="Roboto" panose="02000000000000000000" pitchFamily="2" charset="0"/>
+                      </a:endParaRPr>
+                    </a:p>
+                  </a:txBody>
+                  <a:tcPr marL="0" marR="0" marT="0" marB="0">
+                    <a:lnL>
+                      <a:noFill/>
+                    </a:lnL>
+                    <a:lnR>
+                      <a:noFill/>
+                    </a:lnR>
+                    <a:lnT>
+                      <a:noFill/>
+                    </a:lnT>
+                    <a:lnB>
+                      <a:noFill/>
+                    </a:lnB>
+                  </a:tcPr>
+                </a:tc>
+                <a:tc>
+                  <a:txBody>
+                    <a:bodyPr/>
+                    <a:lstStyle/>
+                    <a:p>
+                      <a:pPr algn="r" fontAlgn="t"/>
+                      <a:r>
+                        <a:rPr lang="en-US">
+                          <a:solidFill>
+                            <a:srgbClr val="5F6368"/>
+                          </a:solidFill>
+                          <a:effectLst/>
+                          <a:latin typeface="Roboto" panose="02000000000000000000" pitchFamily="2" charset="0"/>
+                        </a:rPr>
+                        <a:t>4:54 PM (0 minutes ago)</a:t>
+                      </a:r>
+                      <a:endParaRPr lang="en-US">
+                        <a:solidFill>
+                          <a:srgbClr val="222222"/>
+                        </a:solidFill>
+                        <a:effectLst/>
+                        <a:latin typeface="Roboto" panose="02000000000000000000" pitchFamily="2" charset="0"/>
+                      </a:endParaRPr>
+                    </a:p>
+                  </a:txBody>
+                  <a:tcPr marL="0" marR="0" marT="0" marB="0">
+                    <a:lnL>
+                      <a:noFill/>
+                    </a:lnL>
+                    <a:lnR>
+                      <a:noFill/>
+                    </a:lnR>
+                    <a:lnB>
+                      <a:noFill/>
+                    </a:lnB>
+                  </a:tcPr>
+                </a:tc>
+                <a:tc>
+                  <a:txBody>
+                    <a:bodyPr/>
+                    <a:lstStyle/>
+                    <a:p>
+                      <a:pPr algn="r" fontAlgn="t"/>
+                      <a:endParaRPr lang="en-US">
+                        <a:solidFill>
+                          <a:srgbClr val="222222"/>
+                        </a:solidFill>
+                        <a:effectLst/>
+                        <a:latin typeface="Roboto" panose="02000000000000000000" pitchFamily="2" charset="0"/>
+                      </a:endParaRPr>
+                    </a:p>
+                  </a:txBody>
+                  <a:tcPr marL="0" marR="0" marT="0" marB="0">
+                    <a:lnL>
+                      <a:noFill/>
+                    </a:lnL>
+                    <a:lnR>
+                      <a:noFill/>
+                    </a:lnR>
+                    <a:lnB>
+                      <a:noFill/>
+                    </a:lnB>
+                  </a:tcPr>
+                </a:tc>
+                <a:tc rowSpan="2">
+                  <a:txBody>
+                    <a:bodyPr/>
+                    <a:lstStyle/>
+                    <a:p>
+                      <a:pPr algn="ctr" fontAlgn="t"/>
+                      <a:endParaRPr lang="en-US" b="0">
+                        <a:solidFill>
+                          <a:srgbClr val="444444"/>
+                        </a:solidFill>
+                        <a:effectLst/>
+                        <a:latin typeface="Roboto" panose="02000000000000000000" pitchFamily="2" charset="0"/>
+                      </a:endParaRPr>
+                    </a:p>
+                  </a:txBody>
+                  <a:tcPr marL="0" marR="0" marT="0" marB="0">
+                    <a:lnL>
+                      <a:noFill/>
+                    </a:lnL>
+                    <a:lnR>
+                      <a:noFill/>
+                    </a:lnR>
+                    <a:lnB>
+                      <a:noFill/>
+                    </a:lnB>
+                  </a:tcPr>
+                </a:tc>
+                <a:extLst>
+                  <a:ext uri="{0D108BD9-81ED-4DB2-BD59-A6C34878D82A}">
+                    <a16:rowId xmlns:a16="http://schemas.microsoft.com/office/drawing/2014/main" val="1873644190"/>
+                  </a:ext>
+                </a:extLst>
+              </a:tr>
+              <a:tr h="0">
+                <a:tc gridSpan="3">
+                  <a:txBody>
+                    <a:bodyPr/>
+                    <a:lstStyle/>
+                    <a:p>
+                      <a:endParaRPr lang="en-US"/>
+                    </a:p>
+                  </a:txBody>
+                  <a:tcPr marL="0" marR="0" marT="0" marB="0" anchor="ctr">
+                    <a:lnL>
+                      <a:noFill/>
+                    </a:lnL>
+                    <a:lnR>
+                      <a:noFill/>
+                    </a:lnR>
+                    <a:lnT>
+                      <a:noFill/>
+                    </a:lnT>
+                    <a:lnB>
+                      <a:noFill/>
+                    </a:lnB>
+                  </a:tcPr>
+                </a:tc>
+                <a:tc hMerge="1">
+                  <a:txBody>
+                    <a:bodyPr/>
+                    <a:lstStyle/>
+                    <a:p>
+                      <a:endParaRPr lang="en-US"/>
+                    </a:p>
+                  </a:txBody>
+                  <a:tcPr/>
+                </a:tc>
+                <a:tc hMerge="1">
+                  <a:txBody>
+                    <a:bodyPr/>
+                    <a:lstStyle/>
+                    <a:p>
+                      <a:endParaRPr lang="en-US"/>
+                    </a:p>
+                  </a:txBody>
+                  <a:tcPr/>
+                </a:tc>
+                <a:tc vMerge="1">
+                  <a:txBody>
+                    <a:bodyPr/>
+                    <a:lstStyle/>
+                    <a:p>
+                      <a:endParaRPr lang="en-US"/>
+                    </a:p>
+                  </a:txBody>
+                  <a:tcPr/>
+                </a:tc>
+                <a:extLst>
+                  <a:ext uri="{0D108BD9-81ED-4DB2-BD59-A6C34878D82A}">
+                    <a16:rowId xmlns:a16="http://schemas.microsoft.com/office/drawing/2014/main" val="1769726033"/>
+                  </a:ext>
+                </a:extLst>
+              </a:tr>
+              <a:tr h="0">
+                <a:tc>
+                  <a:txBody>
+                    <a:bodyPr/>
+                    <a:lstStyle/>
+                    <a:p>
+                      <a:r>
+                        <a:rPr lang="en-US">
+                          <a:solidFill>
+                            <a:srgbClr val="5F6368"/>
+                          </a:solidFill>
+                          <a:effectLst/>
+                          <a:latin typeface="Roboto" panose="02000000000000000000" pitchFamily="2" charset="0"/>
+                        </a:rPr>
+                        <a:t>to Colleen, me</a:t>
+                      </a:r>
+                      <a:endParaRPr lang="en-US">
+                        <a:effectLst/>
+                        <a:latin typeface="Roboto" panose="02000000000000000000" pitchFamily="2" charset="0"/>
+                      </a:endParaRPr>
+                    </a:p>
+                  </a:txBody>
+                  <a:tcPr marL="0" marR="0" marT="0" marB="0" anchor="ctr">
+                    <a:lnL>
+                      <a:noFill/>
+                    </a:lnL>
+                    <a:lnR>
+                      <a:noFill/>
+                    </a:lnR>
+                    <a:lnT>
+                      <a:noFill/>
+                    </a:lnT>
+                    <a:lnB>
+                      <a:noFill/>
+                    </a:lnB>
+                  </a:tcPr>
+                </a:tc>
+                <a:tc>
+                  <a:txBody>
+                    <a:bodyPr/>
+                    <a:lstStyle/>
+                    <a:p>
+                      <a:endParaRPr lang="en-US"/>
+                    </a:p>
+                  </a:txBody>
+                  <a:tcPr>
+                    <a:lnL>
+                      <a:noFill/>
+                    </a:lnL>
+                    <a:lnT>
+                      <a:noFill/>
+                    </a:lnT>
+                  </a:tcPr>
+                </a:tc>
+                <a:tc>
+                  <a:txBody>
+                    <a:bodyPr/>
+                    <a:lstStyle/>
+                    <a:p>
+                      <a:endParaRPr lang="en-US"/>
+                    </a:p>
+                  </a:txBody>
+                  <a:tcPr>
+                    <a:lnT>
+                      <a:noFill/>
+                    </a:lnT>
+                  </a:tcPr>
+                </a:tc>
+                <a:tc>
+                  <a:txBody>
+                    <a:bodyPr/>
+                    <a:lstStyle/>
+                    <a:p>
+                      <a:endParaRPr lang="en-US" dirty="0"/>
+                    </a:p>
+                  </a:txBody>
+                  <a:tcPr>
+                    <a:lnT>
+                      <a:noFill/>
+                    </a:lnT>
+                  </a:tcPr>
+                </a:tc>
+                <a:extLst>
+                  <a:ext uri="{0D108BD9-81ED-4DB2-BD59-A6C34878D82A}">
+                    <a16:rowId xmlns:a16="http://schemas.microsoft.com/office/drawing/2014/main" val="2042841127"/>
+                  </a:ext>
+                </a:extLst>
+              </a:tr>
+            </a:tbl>
+          </a:graphicData>
+        </a:graphic>
+      </p:graphicFrame>
+      <p:sp>
+        <p:nvSpPr>
+          <p:cNvPr id="5" name="AutoShape 1">
+            <a:extLst>
+              <a:ext uri="{FF2B5EF4-FFF2-40B4-BE49-F238E27FC236}">
+                <a16:creationId xmlns:a16="http://schemas.microsoft.com/office/drawing/2014/main" id="{7D8FA940-F053-5749-9061-120851EF1013}"/>
+              </a:ext>
+            </a:extLst>
+          </p:cNvPr>
+          <p:cNvSpPr>
+            <a:spLocks noChangeAspect="1" noChangeArrowheads="1"/>
+          </p:cNvSpPr>
+          <p:nvPr/>
+        </p:nvSpPr>
+        <p:spPr bwMode="auto">
+          <a:xfrm>
+            <a:off x="952500" y="2949575"/>
+            <a:ext cx="304800" cy="304800"/>
+          </a:xfrm>
+          <a:prstGeom prst="rect">
+            <a:avLst/>
+          </a:prstGeom>
+          <a:noFill/>
+          <a:extLst>
+            <a:ext uri="{909E8E84-426E-40DD-AFC4-6F175D3DCCD1}">
+              <a14:hiddenFill xmlns:a14="http://schemas.microsoft.com/office/drawing/2010/main">
+                <a:solidFill>
+                  <a:srgbClr val="FFFFFF"/>
+                </a:solidFill>
+              </a14:hiddenFill>
+            </a:ext>
+          </a:extLst>
+        </p:spPr>
+        <p:txBody>
+          <a:bodyPr vert="horz" wrap="square" lIns="91440" tIns="45720" rIns="91440" bIns="45720" numCol="1" anchor="t" anchorCtr="0" compatLnSpc="1">
+            <a:prstTxWarp prst="textNoShape">
+              <a:avLst/>
+            </a:prstTxWarp>
+          </a:bodyPr>
+          <a:lstStyle/>
+          <a:p>
+            <a:endParaRPr lang="en-US"/>
+          </a:p>
+        </p:txBody>
+      </p:sp>
+      <p:sp>
+        <p:nvSpPr>
+          <p:cNvPr id="6" name="AutoShape 2">
+            <a:extLst>
+              <a:ext uri="{FF2B5EF4-FFF2-40B4-BE49-F238E27FC236}">
+                <a16:creationId xmlns:a16="http://schemas.microsoft.com/office/drawing/2014/main" id="{E30AF97B-0A39-9747-92C7-F0ED07DC3372}"/>
+              </a:ext>
+            </a:extLst>
+          </p:cNvPr>
+          <p:cNvSpPr>
+            <a:spLocks noChangeAspect="1" noChangeArrowheads="1"/>
+          </p:cNvSpPr>
+          <p:nvPr/>
+        </p:nvSpPr>
+        <p:spPr bwMode="auto">
+          <a:xfrm>
+            <a:off x="952500" y="2949575"/>
+            <a:ext cx="304800" cy="304800"/>
+          </a:xfrm>
+          <a:prstGeom prst="rect">
+            <a:avLst/>
+          </a:prstGeom>
+          <a:noFill/>
+          <a:extLst>
+            <a:ext uri="{909E8E84-426E-40DD-AFC4-6F175D3DCCD1}">
+              <a14:hiddenFill xmlns:a14="http://schemas.microsoft.com/office/drawing/2010/main">
+                <a:solidFill>
+                  <a:srgbClr val="FFFFFF"/>
+                </a:solidFill>
+              </a14:hiddenFill>
+            </a:ext>
+          </a:extLst>
+        </p:spPr>
+        <p:txBody>
+          <a:bodyPr vert="horz" wrap="square" lIns="91440" tIns="45720" rIns="91440" bIns="45720" numCol="1" anchor="t" anchorCtr="0" compatLnSpc="1">
+            <a:prstTxWarp prst="textNoShape">
+              <a:avLst/>
+            </a:prstTxWarp>
+          </a:bodyPr>
+          <a:lstStyle/>
+          <a:p>
+            <a:endParaRPr lang="en-US"/>
+          </a:p>
+        </p:txBody>
+      </p:sp>
+      <p:sp>
+        <p:nvSpPr>
+          <p:cNvPr id="7" name="AutoShape 3">
+            <a:extLst>
+              <a:ext uri="{FF2B5EF4-FFF2-40B4-BE49-F238E27FC236}">
+                <a16:creationId xmlns:a16="http://schemas.microsoft.com/office/drawing/2014/main" id="{31090098-1AFC-2F4A-9AD2-DCB82ED11E0C}"/>
+              </a:ext>
+            </a:extLst>
+          </p:cNvPr>
+          <p:cNvSpPr>
+            <a:spLocks noChangeAspect="1" noChangeArrowheads="1"/>
+          </p:cNvSpPr>
+          <p:nvPr/>
+        </p:nvSpPr>
+        <p:spPr bwMode="auto">
+          <a:xfrm>
+            <a:off x="952500" y="2949575"/>
+            <a:ext cx="304800" cy="304800"/>
+          </a:xfrm>
+          <a:prstGeom prst="rect">
+            <a:avLst/>
+          </a:prstGeom>
+          <a:noFill/>
+          <a:extLst>
+            <a:ext uri="{909E8E84-426E-40DD-AFC4-6F175D3DCCD1}">
+              <a14:hiddenFill xmlns:a14="http://schemas.microsoft.com/office/drawing/2010/main">
+                <a:solidFill>
+                  <a:srgbClr val="FFFFFF"/>
+                </a:solidFill>
+              </a14:hiddenFill>
+            </a:ext>
+          </a:extLst>
+        </p:spPr>
+        <p:txBody>
+          <a:bodyPr vert="horz" wrap="square" lIns="91440" tIns="45720" rIns="91440" bIns="45720" numCol="1" anchor="t" anchorCtr="0" compatLnSpc="1">
+            <a:prstTxWarp prst="textNoShape">
+              <a:avLst/>
+            </a:prstTxWarp>
+          </a:bodyPr>
+          <a:lstStyle/>
+          <a:p>
+            <a:endParaRPr lang="en-US"/>
+          </a:p>
+        </p:txBody>
+      </p:sp>
+      <p:sp>
+        <p:nvSpPr>
+          <p:cNvPr id="8" name="AutoShape 4">
+            <a:extLst>
+              <a:ext uri="{FF2B5EF4-FFF2-40B4-BE49-F238E27FC236}">
+                <a16:creationId xmlns:a16="http://schemas.microsoft.com/office/drawing/2014/main" id="{8F5BF5DA-0368-2242-8D8C-6F21EF227DCC}"/>
+              </a:ext>
+            </a:extLst>
+          </p:cNvPr>
+          <p:cNvSpPr>
+            <a:spLocks noChangeAspect="1" noChangeArrowheads="1"/>
+          </p:cNvSpPr>
+          <p:nvPr/>
+        </p:nvSpPr>
+        <p:spPr bwMode="auto">
+          <a:xfrm>
+            <a:off x="952500" y="2949575"/>
+            <a:ext cx="304800" cy="304800"/>
+          </a:xfrm>
+          <a:prstGeom prst="rect">
+            <a:avLst/>
+          </a:prstGeom>
+          <a:noFill/>
+          <a:extLst>
+            <a:ext uri="{909E8E84-426E-40DD-AFC4-6F175D3DCCD1}">
+              <a14:hiddenFill xmlns:a14="http://schemas.microsoft.com/office/drawing/2010/main">
+                <a:solidFill>
+                  <a:srgbClr val="FFFFFF"/>
+                </a:solidFill>
+              </a14:hiddenFill>
+            </a:ext>
+          </a:extLst>
+        </p:spPr>
+        <p:txBody>
+          <a:bodyPr vert="horz" wrap="square" lIns="91440" tIns="45720" rIns="91440" bIns="45720" numCol="1" anchor="t" anchorCtr="0" compatLnSpc="1">
+            <a:prstTxWarp prst="textNoShape">
+              <a:avLst/>
+            </a:prstTxWarp>
+          </a:bodyPr>
+          <a:lstStyle/>
+          <a:p>
+            <a:endParaRPr lang="en-US"/>
+          </a:p>
+        </p:txBody>
+      </p:sp>
+      <p:sp>
+        <p:nvSpPr>
+          <p:cNvPr id="9" name="Rectangle 5">
+            <a:extLst>
+              <a:ext uri="{FF2B5EF4-FFF2-40B4-BE49-F238E27FC236}">
+                <a16:creationId xmlns:a16="http://schemas.microsoft.com/office/drawing/2014/main" id="{335E8F56-22A0-DB48-AA92-B7A4735051F9}"/>
+              </a:ext>
+            </a:extLst>
+          </p:cNvPr>
+          <p:cNvSpPr>
+            <a:spLocks noChangeArrowheads="1"/>
+          </p:cNvSpPr>
+          <p:nvPr/>
+        </p:nvSpPr>
+        <p:spPr bwMode="auto">
+          <a:xfrm>
+            <a:off x="952500" y="2949575"/>
+            <a:ext cx="12192000" cy="0"/>
+          </a:xfrm>
+          <a:prstGeom prst="rect">
+            <a:avLst/>
+          </a:prstGeom>
+          <a:solidFill>
+            <a:srgbClr val="FFFFFF"/>
+          </a:solidFill>
+          <a:ln>
+            <a:noFill/>
+          </a:ln>
+          <a:effectLst/>
+          <a:extLst>
+            <a:ext uri="{91240B29-F687-4F45-9708-019B960494DF}">
+              <a14:hiddenLine xmlns:a14="http://schemas.microsoft.com/office/drawing/2010/main" w="9525">
+                <a:solidFill>
+                  <a:schemeClr val="tx1"/>
+                </a:solidFill>
+                <a:miter lim="800000"/>
+                <a:headEnd/>
+                <a:tailEnd/>
+              </a14:hiddenLine>
+            </a:ext>
+            <a:ext uri="{AF507438-7753-43E0-B8FC-AC1667EBCBE1}">
+              <a14:hiddenEffects xmlns:a14="http://schemas.microsoft.com/office/drawing/2010/main">
+                <a:effectLst>
+                  <a:outerShdw dist="35921" dir="2700000" algn="ctr" rotWithShape="0">
+                    <a:schemeClr val="bg2"/>
+                  </a:outerShdw>
+                </a:effectLst>
+              </a14:hiddenEffects>
+            </a:ext>
+          </a:extLst>
+        </p:spPr>
+        <p:txBody>
+          <a:bodyPr vert="horz" wrap="none" lIns="91440" tIns="45720" rIns="91440" bIns="45720" numCol="1" anchor="ctr" anchorCtr="0" compatLnSpc="1">
+            <a:prstTxWarp prst="textNoShape">
+              <a:avLst/>
+            </a:prstTxWarp>
+            <a:spAutoFit/>
+          </a:bodyPr>
+          <a:lstStyle/>
+          <a:p>
+            <a:pPr marL="0" marR="0" lvl="0" indent="0" algn="l" defTabSz="914400" rtl="0" eaLnBrk="0" fontAlgn="base" latinLnBrk="0" hangingPunct="0">
+              <a:lnSpc>
+                <a:spcPct val="100000"/>
+              </a:lnSpc>
+              <a:spcBef>
+                <a:spcPct val="0"/>
+              </a:spcBef>
+              <a:spcAft>
+                <a:spcPct val="0"/>
+              </a:spcAft>
+              <a:buClrTx/>
+              <a:buSzTx/>
+              <a:buFontTx/>
+              <a:buNone/>
+              <a:tabLst/>
+            </a:pPr>
+            <a:r>
+              <a:rPr kumimoji="0" lang="en-US" altLang="en-US" sz="1800" b="0" i="0" u="none" strike="noStrike" cap="none" normalizeH="0" baseline="0" dirty="0">
+                <a:ln>
+                  <a:noFill/>
+                </a:ln>
+                <a:solidFill>
+                  <a:srgbClr val="222222"/>
+                </a:solidFill>
+                <a:effectLst/>
+                <a:latin typeface="Arial" panose="020B0604020202020204" pitchFamily="34" charset="0"/>
+              </a:rPr>
+              <a:t>Kelly,</a:t>
+            </a:r>
+          </a:p>
+          <a:p>
+            <a:pPr marL="0" marR="0" lvl="0" indent="0" algn="l" defTabSz="914400" rtl="0" eaLnBrk="0" fontAlgn="base" latinLnBrk="0" hangingPunct="0">
+              <a:lnSpc>
+                <a:spcPct val="100000"/>
+              </a:lnSpc>
+              <a:spcBef>
+                <a:spcPct val="0"/>
+              </a:spcBef>
+              <a:spcAft>
+                <a:spcPct val="0"/>
+              </a:spcAft>
+              <a:buClrTx/>
+              <a:buSzTx/>
+              <a:buFontTx/>
+              <a:buNone/>
+              <a:tabLst/>
+            </a:pPr>
+            <a:br>
+              <a:rPr kumimoji="0" lang="en-US" altLang="en-US" sz="1800" b="0" i="0" u="none" strike="noStrike" cap="none" normalizeH="0" baseline="0" dirty="0">
+                <a:ln>
+                  <a:noFill/>
+                </a:ln>
+                <a:solidFill>
+                  <a:srgbClr val="222222"/>
+                </a:solidFill>
+                <a:effectLst/>
+                <a:latin typeface="Arial" panose="020B0604020202020204" pitchFamily="34" charset="0"/>
+              </a:rPr>
+            </a:br>
+            <a:endParaRPr kumimoji="0" lang="en-US" altLang="en-US" sz="1800" b="0" i="0" u="none" strike="noStrike" cap="none" normalizeH="0" baseline="0" dirty="0">
+              <a:ln>
+                <a:noFill/>
+              </a:ln>
+              <a:solidFill>
+                <a:srgbClr val="222222"/>
+              </a:solidFill>
+              <a:effectLst/>
+              <a:latin typeface="Arial" panose="020B0604020202020204" pitchFamily="34" charset="0"/>
+            </a:endParaRPr>
+          </a:p>
+          <a:p>
+            <a:pPr marL="0" marR="0" lvl="0" indent="0" algn="l" defTabSz="914400" rtl="0" eaLnBrk="0" fontAlgn="base" latinLnBrk="0" hangingPunct="0">
+              <a:lnSpc>
+                <a:spcPct val="100000"/>
+              </a:lnSpc>
+              <a:spcBef>
+                <a:spcPct val="0"/>
+              </a:spcBef>
+              <a:spcAft>
+                <a:spcPct val="0"/>
+              </a:spcAft>
+              <a:buClrTx/>
+              <a:buSzTx/>
+              <a:buFontTx/>
+              <a:buNone/>
+              <a:tabLst/>
+            </a:pPr>
+            <a:r>
+              <a:rPr kumimoji="0" lang="en-US" altLang="en-US" sz="1800" b="0" i="0" u="none" strike="noStrike" cap="none" normalizeH="0" baseline="0" dirty="0">
+                <a:ln>
+                  <a:noFill/>
+                </a:ln>
+                <a:solidFill>
+                  <a:srgbClr val="222222"/>
+                </a:solidFill>
+                <a:effectLst/>
+                <a:latin typeface="Arial" panose="020B0604020202020204" pitchFamily="34" charset="0"/>
+              </a:rPr>
+              <a:t>Thank you so much for your talk last night! You really exceeded our expectations. There were many phrases you had assembled (some professional, some your own, some quoted), like "...someone's opinion written in code.." and, your collection of these is a treasure trove. Of course someone was saying, "I wish we had recorded this..." but, counterintuitively, I am glad we did not, in the hopes that you will be doing this kind of talk somewhere else, and you will latch harder on what was worth repeating a 2nd time. </a:t>
+            </a:r>
+          </a:p>
+          <a:p>
+            <a:pPr marL="0" marR="0" lvl="0" indent="0" algn="l" defTabSz="914400" rtl="0" eaLnBrk="0" fontAlgn="base" latinLnBrk="0" hangingPunct="0">
+              <a:lnSpc>
+                <a:spcPct val="100000"/>
+              </a:lnSpc>
+              <a:spcBef>
+                <a:spcPct val="0"/>
+              </a:spcBef>
+              <a:spcAft>
+                <a:spcPct val="0"/>
+              </a:spcAft>
+              <a:buClrTx/>
+              <a:buSzTx/>
+              <a:buFontTx/>
+              <a:buNone/>
+              <a:tabLst/>
+            </a:pPr>
+            <a:br>
+              <a:rPr kumimoji="0" lang="en-US" altLang="en-US" sz="1800" b="0" i="0" u="none" strike="noStrike" cap="none" normalizeH="0" baseline="0" dirty="0">
+                <a:ln>
+                  <a:noFill/>
+                </a:ln>
+                <a:solidFill>
+                  <a:srgbClr val="222222"/>
+                </a:solidFill>
+                <a:effectLst/>
+                <a:latin typeface="Arial" panose="020B0604020202020204" pitchFamily="34" charset="0"/>
+              </a:rPr>
+            </a:br>
+            <a:endParaRPr kumimoji="0" lang="en-US" altLang="en-US" sz="1800" b="0" i="0" u="none" strike="noStrike" cap="none" normalizeH="0" baseline="0" dirty="0">
+              <a:ln>
+                <a:noFill/>
+              </a:ln>
+              <a:solidFill>
+                <a:srgbClr val="222222"/>
+              </a:solidFill>
+              <a:effectLst/>
+              <a:latin typeface="Arial" panose="020B0604020202020204" pitchFamily="34" charset="0"/>
+            </a:endParaRPr>
+          </a:p>
+          <a:p>
+            <a:pPr marL="0" marR="0" lvl="0" indent="0" algn="l" defTabSz="914400" rtl="0" eaLnBrk="0" fontAlgn="base" latinLnBrk="0" hangingPunct="0">
+              <a:lnSpc>
+                <a:spcPct val="100000"/>
+              </a:lnSpc>
+              <a:spcBef>
+                <a:spcPct val="0"/>
+              </a:spcBef>
+              <a:spcAft>
+                <a:spcPct val="0"/>
+              </a:spcAft>
+              <a:buClrTx/>
+              <a:buSzTx/>
+              <a:buFontTx/>
+              <a:buNone/>
+              <a:tabLst/>
+            </a:pPr>
+            <a:r>
+              <a:rPr kumimoji="0" lang="en-US" altLang="en-US" sz="1800" b="0" i="0" u="none" strike="noStrike" cap="none" normalizeH="0" baseline="0" dirty="0">
+                <a:ln>
+                  <a:noFill/>
+                </a:ln>
+                <a:solidFill>
+                  <a:srgbClr val="222222"/>
+                </a:solidFill>
+                <a:effectLst/>
+                <a:latin typeface="Arial" panose="020B0604020202020204" pitchFamily="34" charset="0"/>
+              </a:rPr>
+              <a:t>I believe you when you say you have met women, that were some of the first, and bravest, in our career field. I was hoping that our group, which tries to be a mix of women and career levels and types, would attract more of you and your peers, but either the numbers aren't out there for us to attract (as your recounting suggests), or else the group is not doing something it should be doing (what, I do not know). Myself, I am 44. </a:t>
+            </a:r>
+          </a:p>
+          <a:p>
+            <a:pPr marL="0" marR="0" lvl="0" indent="0" algn="l" defTabSz="914400" rtl="0" eaLnBrk="0" fontAlgn="base" latinLnBrk="0" hangingPunct="0">
+              <a:lnSpc>
+                <a:spcPct val="100000"/>
+              </a:lnSpc>
+              <a:spcBef>
+                <a:spcPct val="0"/>
+              </a:spcBef>
+              <a:spcAft>
+                <a:spcPct val="0"/>
+              </a:spcAft>
+              <a:buClrTx/>
+              <a:buSzTx/>
+              <a:buFontTx/>
+              <a:buNone/>
+              <a:tabLst/>
+            </a:pPr>
+            <a:br>
+              <a:rPr kumimoji="0" lang="en-US" altLang="en-US" sz="1800" b="0" i="0" u="none" strike="noStrike" cap="none" normalizeH="0" baseline="0">
+                <a:ln>
+                  <a:noFill/>
+                </a:ln>
+                <a:solidFill>
+                  <a:srgbClr val="222222"/>
+                </a:solidFill>
+                <a:effectLst/>
+                <a:latin typeface="Arial" panose="020B0604020202020204" pitchFamily="34" charset="0"/>
+              </a:rPr>
+            </a:br>
+            <a:endParaRPr kumimoji="0" lang="en-US" altLang="en-US" sz="1800" b="0" i="0" u="none" strike="noStrike" cap="none" normalizeH="0" baseline="0">
+              <a:ln>
+                <a:noFill/>
+              </a:ln>
+              <a:solidFill>
+                <a:srgbClr val="222222"/>
+              </a:solidFill>
+              <a:effectLst/>
+              <a:latin typeface="Arial" panose="020B0604020202020204" pitchFamily="34" charset="0"/>
+            </a:endParaRPr>
+          </a:p>
+          <a:p>
+            <a:pPr marL="0" marR="0" lvl="0" indent="0" algn="l" defTabSz="914400" rtl="0" eaLnBrk="0" fontAlgn="base" latinLnBrk="0" hangingPunct="0">
+              <a:lnSpc>
+                <a:spcPct val="100000"/>
+              </a:lnSpc>
+              <a:spcBef>
+                <a:spcPct val="0"/>
+              </a:spcBef>
+              <a:spcAft>
+                <a:spcPct val="0"/>
+              </a:spcAft>
+              <a:buClrTx/>
+              <a:buSzTx/>
+              <a:buFontTx/>
+              <a:buNone/>
+              <a:tabLst/>
+            </a:pPr>
+            <a:r>
+              <a:rPr kumimoji="0" lang="en-US" altLang="en-US" sz="1800" b="0" i="0" u="none" strike="noStrike" cap="none" normalizeH="0" baseline="0" dirty="0">
+                <a:ln>
+                  <a:noFill/>
+                </a:ln>
+                <a:solidFill>
+                  <a:srgbClr val="222222"/>
+                </a:solidFill>
+                <a:effectLst/>
+                <a:latin typeface="Arial" panose="020B0604020202020204" pitchFamily="34" charset="0"/>
+              </a:rPr>
+              <a:t>Plainly: I believe everyone woman at the meeting last night would like to talk more like you do. More elegantly, you have much example to offer.  You have the warmest of invitations to become more involved and invite others who are enthusiastic about data in any way to join us.</a:t>
+            </a:r>
+          </a:p>
+          <a:p>
+            <a:pPr marL="0" marR="0" lvl="0" indent="0" algn="l" defTabSz="914400" rtl="0" eaLnBrk="0" fontAlgn="base" latinLnBrk="0" hangingPunct="0">
+              <a:lnSpc>
+                <a:spcPct val="100000"/>
+              </a:lnSpc>
+              <a:spcBef>
+                <a:spcPct val="0"/>
+              </a:spcBef>
+              <a:spcAft>
+                <a:spcPct val="0"/>
+              </a:spcAft>
+              <a:buClrTx/>
+              <a:buSzTx/>
+              <a:buFontTx/>
+              <a:buNone/>
+              <a:tabLst/>
+            </a:pPr>
+            <a:br>
+              <a:rPr kumimoji="0" lang="en-US" altLang="en-US" sz="1800" b="0" i="0" u="none" strike="noStrike" cap="none" normalizeH="0" baseline="0" dirty="0">
+                <a:ln>
+                  <a:noFill/>
+                </a:ln>
+                <a:solidFill>
+                  <a:srgbClr val="222222"/>
+                </a:solidFill>
+                <a:effectLst/>
+                <a:latin typeface="Arial" panose="020B0604020202020204" pitchFamily="34" charset="0"/>
+              </a:rPr>
+            </a:br>
+            <a:endParaRPr kumimoji="0" lang="en-US" altLang="en-US" sz="1800" b="0" i="0" u="none" strike="noStrike" cap="none" normalizeH="0" baseline="0" dirty="0">
+              <a:ln>
+                <a:noFill/>
+              </a:ln>
+              <a:solidFill>
+                <a:srgbClr val="222222"/>
+              </a:solidFill>
+              <a:effectLst/>
+              <a:latin typeface="Arial" panose="020B0604020202020204" pitchFamily="34" charset="0"/>
+            </a:endParaRPr>
+          </a:p>
+          <a:p>
+            <a:pPr marL="0" marR="0" lvl="0" indent="0" algn="l" defTabSz="914400" rtl="0" eaLnBrk="0" fontAlgn="base" latinLnBrk="0" hangingPunct="0">
+              <a:lnSpc>
+                <a:spcPct val="100000"/>
+              </a:lnSpc>
+              <a:spcBef>
+                <a:spcPct val="0"/>
+              </a:spcBef>
+              <a:spcAft>
+                <a:spcPct val="0"/>
+              </a:spcAft>
+              <a:buClrTx/>
+              <a:buSzTx/>
+              <a:buFontTx/>
+              <a:buNone/>
+              <a:tabLst/>
+            </a:pPr>
+            <a:r>
+              <a:rPr kumimoji="0" lang="en-US" altLang="en-US" sz="1800" b="0" i="0" u="none" strike="noStrike" cap="none" normalizeH="0" baseline="0" dirty="0">
+                <a:ln>
+                  <a:noFill/>
+                </a:ln>
+                <a:solidFill>
+                  <a:srgbClr val="222222"/>
+                </a:solidFill>
+                <a:effectLst/>
+                <a:latin typeface="Arial" panose="020B0604020202020204" pitchFamily="34" charset="0"/>
+              </a:rPr>
+              <a:t>Thanks </a:t>
+            </a:r>
+            <a:r>
+              <a:rPr kumimoji="0" lang="en-US" altLang="en-US" sz="1800" b="0" i="0" u="none" strike="noStrike" cap="none" normalizeH="0" baseline="0" dirty="0" err="1">
+                <a:ln>
+                  <a:noFill/>
+                </a:ln>
+                <a:solidFill>
+                  <a:srgbClr val="222222"/>
+                </a:solidFill>
+                <a:effectLst/>
+                <a:latin typeface="Arial" panose="020B0604020202020204" pitchFamily="34" charset="0"/>
+              </a:rPr>
+              <a:t>agai</a:t>
+            </a:r>
+            <a:endParaRPr kumimoji="0" lang="en-US" altLang="en-US" sz="1800" b="0" i="0" u="none" strike="noStrike" cap="none" normalizeH="0" baseline="0" dirty="0">
+              <a:ln>
+                <a:noFill/>
+              </a:ln>
+              <a:solidFill>
+                <a:schemeClr val="tx1"/>
+              </a:solidFill>
+              <a:effectLst/>
+              <a:latin typeface="Arial" panose="020B0604020202020204" pitchFamily="34" charset="0"/>
+            </a:endParaRPr>
+          </a:p>
+        </p:txBody>
+      </p:sp>
+    </p:spTree>
+    <p:extLst>
+      <p:ext uri="{BB962C8B-B14F-4D97-AF65-F5344CB8AC3E}">
+        <p14:creationId xmlns:p14="http://schemas.microsoft.com/office/powerpoint/2010/main" val="2153446811"/>
+      </p:ext>
+    </p:extLst>
+  </p:cSld>
+  <p:clrMapOvr>
+    <a:masterClrMapping/>
+  </p:clrMapOvr>
+</p:sld>
+</file>
+
 <file path=ppt/slides/slide2.xml><?xml version="1.0" encoding="utf-8"?>
 <p:sld xmlns:a="http://schemas.openxmlformats.org/drawingml/2006/main" xmlns:r="http://schemas.openxmlformats.org/officeDocument/2006/relationships" xmlns:p="http://schemas.openxmlformats.org/presentationml/2006/main">
   <p:cSld>
@@ -9991,7 +11567,7 @@
         <p:spPr/>
         <p:txBody>
           <a:bodyPr>
-            <a:normAutofit fontScale="92500" lnSpcReduction="10000"/>
+            <a:normAutofit fontScale="92500" lnSpcReduction="20000"/>
           </a:bodyPr>
           <a:lstStyle/>
           <a:p>
@@ -10014,7 +11590,7 @@
               <a:rPr lang="en-US" dirty="0">
                 <a:latin typeface="Optima" panose="02000503060000020004" pitchFamily="2" charset="0"/>
               </a:rPr>
-              <a:t>Maybe launch the Zoom meeting</a:t>
+              <a:t>Great people as they arrive</a:t>
             </a:r>
           </a:p>
           <a:p>
@@ -10024,9 +11600,12 @@
             </a:pPr>
             <a:r>
               <a:rPr lang="en-US" dirty="0">
+                <a:solidFill>
+                  <a:schemeClr val="accent1"/>
+                </a:solidFill>
                 <a:latin typeface="Optima" panose="02000503060000020004" pitchFamily="2" charset="0"/>
               </a:rPr>
-              <a:t>Great people as they arrive</a:t>
+              <a:t>Look around for new faces.</a:t>
             </a:r>
           </a:p>
           <a:p>
@@ -10038,7 +11617,19 @@
               <a:rPr lang="en-US" dirty="0">
                 <a:latin typeface="Optima" panose="02000503060000020004" pitchFamily="2" charset="0"/>
               </a:rPr>
-              <a:t>Kick off the meeting, asking for 3 voluntary readers of the mission, vision, and modus operandi</a:t>
+              <a:t>Kick off the meeting, </a:t>
+            </a:r>
+          </a:p>
+          <a:p>
+            <a:pPr>
+              <a:buFont typeface="Wingdings" pitchFamily="2" charset="2"/>
+              <a:buChar char="q"/>
+            </a:pPr>
+            <a:r>
+              <a:rPr lang="en-US" dirty="0">
+                <a:latin typeface="Optima" panose="02000503060000020004" pitchFamily="2" charset="0"/>
+              </a:rPr>
+              <a:t> If there are new faces, ask for 3 voluntary readers of the mission, vision, and modus operandi</a:t>
             </a:r>
           </a:p>
           <a:p>
@@ -10756,6 +12347,1492 @@
 <file path=ppt/slides/slide6.xml><?xml version="1.0" encoding="utf-8"?>
 <p:sld xmlns:a="http://schemas.openxmlformats.org/drawingml/2006/main" xmlns:r="http://schemas.openxmlformats.org/officeDocument/2006/relationships" xmlns:p="http://schemas.openxmlformats.org/presentationml/2006/main">
   <p:cSld>
+    <p:bg>
+      <p:bgRef idx="1001">
+        <a:schemeClr val="bg1"/>
+      </p:bgRef>
+    </p:bg>
+    <p:spTree>
+      <p:nvGrpSpPr>
+        <p:cNvPr id="1" name=""/>
+        <p:cNvGrpSpPr/>
+        <p:nvPr/>
+      </p:nvGrpSpPr>
+      <p:grpSpPr>
+        <a:xfrm>
+          <a:off x="0" y="0"/>
+          <a:ext cx="0" cy="0"/>
+          <a:chOff x="0" y="0"/>
+          <a:chExt cx="0" cy="0"/>
+        </a:xfrm>
+      </p:grpSpPr>
+      <p:sp>
+        <p:nvSpPr>
+          <p:cNvPr id="2" name="Title 1">
+            <a:extLst>
+              <a:ext uri="{FF2B5EF4-FFF2-40B4-BE49-F238E27FC236}">
+                <a16:creationId xmlns:a16="http://schemas.microsoft.com/office/drawing/2014/main" id="{A32FC399-8C30-F548-BAC5-7BFC8C71472A}"/>
+              </a:ext>
+            </a:extLst>
+          </p:cNvPr>
+          <p:cNvSpPr>
+            <a:spLocks noGrp="1"/>
+          </p:cNvSpPr>
+          <p:nvPr>
+            <p:ph type="title"/>
+          </p:nvPr>
+        </p:nvSpPr>
+        <p:spPr/>
+        <p:txBody>
+          <a:bodyPr/>
+          <a:lstStyle/>
+          <a:p>
+            <a:r>
+              <a:rPr lang="en-US" dirty="0">
+                <a:latin typeface="Optima" panose="02000503060000020004" pitchFamily="2" charset="0"/>
+              </a:rPr>
+              <a:t>Groups</a:t>
+            </a:r>
+          </a:p>
+        </p:txBody>
+      </p:sp>
+      <p:sp>
+        <p:nvSpPr>
+          <p:cNvPr id="9" name="Text Placeholder 8">
+            <a:extLst>
+              <a:ext uri="{FF2B5EF4-FFF2-40B4-BE49-F238E27FC236}">
+                <a16:creationId xmlns:a16="http://schemas.microsoft.com/office/drawing/2014/main" id="{E4B81E00-64C9-8541-AF97-554D68AE1D34}"/>
+              </a:ext>
+            </a:extLst>
+          </p:cNvPr>
+          <p:cNvSpPr>
+            <a:spLocks noGrp="1"/>
+          </p:cNvSpPr>
+          <p:nvPr>
+            <p:ph type="body" idx="1"/>
+          </p:nvPr>
+        </p:nvSpPr>
+        <p:spPr>
+          <a:xfrm>
+            <a:off x="839789" y="1681163"/>
+            <a:ext cx="2532062" cy="823912"/>
+          </a:xfrm>
+        </p:spPr>
+        <p:txBody>
+          <a:bodyPr/>
+          <a:lstStyle/>
+          <a:p>
+            <a:r>
+              <a:rPr lang="en-US" dirty="0"/>
+              <a:t>Group 1</a:t>
+            </a:r>
+          </a:p>
+        </p:txBody>
+      </p:sp>
+      <p:graphicFrame>
+        <p:nvGraphicFramePr>
+          <p:cNvPr id="13" name="Content Placeholder 12">
+            <a:extLst>
+              <a:ext uri="{FF2B5EF4-FFF2-40B4-BE49-F238E27FC236}">
+                <a16:creationId xmlns:a16="http://schemas.microsoft.com/office/drawing/2014/main" id="{06AF3AD4-3799-404D-8CB4-20619AE8C9EE}"/>
+              </a:ext>
+            </a:extLst>
+          </p:cNvPr>
+          <p:cNvGraphicFramePr>
+            <a:graphicFrameLocks noGrp="1"/>
+          </p:cNvGraphicFramePr>
+          <p:nvPr>
+            <p:ph sz="half" idx="2"/>
+            <p:extLst>
+              <p:ext uri="{D42A27DB-BD31-4B8C-83A1-F6EECF244321}">
+                <p14:modId xmlns:p14="http://schemas.microsoft.com/office/powerpoint/2010/main" val="3458473990"/>
+              </p:ext>
+            </p:extLst>
+          </p:nvPr>
+        </p:nvGraphicFramePr>
+        <p:xfrm>
+          <a:off x="836612" y="2660253"/>
+          <a:ext cx="3048000" cy="3002280"/>
+        </p:xfrm>
+        <a:graphic>
+          <a:graphicData uri="http://schemas.openxmlformats.org/drawingml/2006/table">
+            <a:tbl>
+              <a:tblPr/>
+              <a:tblGrid>
+                <a:gridCol w="3048000">
+                  <a:extLst>
+                    <a:ext uri="{9D8B030D-6E8A-4147-A177-3AD203B41FA5}">
+                      <a16:colId xmlns:a16="http://schemas.microsoft.com/office/drawing/2014/main" val="74234218"/>
+                    </a:ext>
+                  </a:extLst>
+                </a:gridCol>
+              </a:tblGrid>
+              <a:tr h="290215">
+                <a:tc>
+                  <a:txBody>
+                    <a:bodyPr/>
+                    <a:lstStyle/>
+                    <a:p>
+                      <a:pPr algn="l" fontAlgn="b"/>
+                      <a:r>
+                        <a:rPr lang="en-US" sz="2400" b="0" i="0" u="none" strike="noStrike">
+                          <a:solidFill>
+                            <a:srgbClr val="000000"/>
+                          </a:solidFill>
+                          <a:effectLst/>
+                          <a:latin typeface="Calibri" panose="020F0502020204030204" pitchFamily="34" charset="0"/>
+                        </a:rPr>
+                        <a:t>Ashton Burnette</a:t>
+                      </a:r>
+                    </a:p>
+                  </a:txBody>
+                  <a:tcPr marL="9525" marR="9525" marT="9525" marB="0" anchor="b">
+                    <a:lnL>
+                      <a:noFill/>
+                    </a:lnL>
+                    <a:lnR>
+                      <a:noFill/>
+                    </a:lnR>
+                    <a:lnT>
+                      <a:noFill/>
+                    </a:lnT>
+                    <a:lnB>
+                      <a:noFill/>
+                    </a:lnB>
+                  </a:tcPr>
+                </a:tc>
+                <a:extLst>
+                  <a:ext uri="{0D108BD9-81ED-4DB2-BD59-A6C34878D82A}">
+                    <a16:rowId xmlns:a16="http://schemas.microsoft.com/office/drawing/2014/main" val="1568659463"/>
+                  </a:ext>
+                </a:extLst>
+              </a:tr>
+              <a:tr h="290215">
+                <a:tc>
+                  <a:txBody>
+                    <a:bodyPr/>
+                    <a:lstStyle/>
+                    <a:p>
+                      <a:pPr algn="l" fontAlgn="b"/>
+                      <a:r>
+                        <a:rPr lang="en-US" sz="2400" b="0" i="0" u="none" strike="noStrike" dirty="0">
+                          <a:solidFill>
+                            <a:srgbClr val="000000"/>
+                          </a:solidFill>
+                          <a:effectLst/>
+                          <a:latin typeface="Calibri" panose="020F0502020204030204" pitchFamily="34" charset="0"/>
+                        </a:rPr>
+                        <a:t>Christy Sowell</a:t>
+                      </a:r>
+                    </a:p>
+                  </a:txBody>
+                  <a:tcPr marL="9525" marR="9525" marT="9525" marB="0" anchor="b">
+                    <a:lnL>
+                      <a:noFill/>
+                    </a:lnL>
+                    <a:lnR>
+                      <a:noFill/>
+                    </a:lnR>
+                    <a:lnT>
+                      <a:noFill/>
+                    </a:lnT>
+                    <a:lnB>
+                      <a:noFill/>
+                    </a:lnB>
+                  </a:tcPr>
+                </a:tc>
+                <a:extLst>
+                  <a:ext uri="{0D108BD9-81ED-4DB2-BD59-A6C34878D82A}">
+                    <a16:rowId xmlns:a16="http://schemas.microsoft.com/office/drawing/2014/main" val="1326513828"/>
+                  </a:ext>
+                </a:extLst>
+              </a:tr>
+              <a:tr h="290215">
+                <a:tc>
+                  <a:txBody>
+                    <a:bodyPr/>
+                    <a:lstStyle/>
+                    <a:p>
+                      <a:pPr algn="l" fontAlgn="b"/>
+                      <a:r>
+                        <a:rPr lang="en-US" sz="2400" b="0" i="0" u="none" strike="noStrike">
+                          <a:solidFill>
+                            <a:srgbClr val="000000"/>
+                          </a:solidFill>
+                          <a:effectLst/>
+                          <a:latin typeface="Calibri" panose="020F0502020204030204" pitchFamily="34" charset="0"/>
+                        </a:rPr>
+                        <a:t>colleen mccue</a:t>
+                      </a:r>
+                    </a:p>
+                  </a:txBody>
+                  <a:tcPr marL="9525" marR="9525" marT="9525" marB="0" anchor="b">
+                    <a:lnL>
+                      <a:noFill/>
+                    </a:lnL>
+                    <a:lnR>
+                      <a:noFill/>
+                    </a:lnR>
+                    <a:lnT>
+                      <a:noFill/>
+                    </a:lnT>
+                    <a:lnB>
+                      <a:noFill/>
+                    </a:lnB>
+                  </a:tcPr>
+                </a:tc>
+                <a:extLst>
+                  <a:ext uri="{0D108BD9-81ED-4DB2-BD59-A6C34878D82A}">
+                    <a16:rowId xmlns:a16="http://schemas.microsoft.com/office/drawing/2014/main" val="2004204084"/>
+                  </a:ext>
+                </a:extLst>
+              </a:tr>
+              <a:tr h="290215">
+                <a:tc>
+                  <a:txBody>
+                    <a:bodyPr/>
+                    <a:lstStyle/>
+                    <a:p>
+                      <a:pPr algn="l" fontAlgn="b"/>
+                      <a:r>
+                        <a:rPr lang="en-US" sz="2400" b="0" i="0" u="none" strike="noStrike">
+                          <a:solidFill>
+                            <a:srgbClr val="000000"/>
+                          </a:solidFill>
+                          <a:effectLst/>
+                          <a:latin typeface="Calibri" panose="020F0502020204030204" pitchFamily="34" charset="0"/>
+                        </a:rPr>
+                        <a:t>Cori</a:t>
+                      </a:r>
+                    </a:p>
+                  </a:txBody>
+                  <a:tcPr marL="9525" marR="9525" marT="9525" marB="0" anchor="b">
+                    <a:lnL>
+                      <a:noFill/>
+                    </a:lnL>
+                    <a:lnR>
+                      <a:noFill/>
+                    </a:lnR>
+                    <a:lnT>
+                      <a:noFill/>
+                    </a:lnT>
+                    <a:lnB>
+                      <a:noFill/>
+                    </a:lnB>
+                  </a:tcPr>
+                </a:tc>
+                <a:extLst>
+                  <a:ext uri="{0D108BD9-81ED-4DB2-BD59-A6C34878D82A}">
+                    <a16:rowId xmlns:a16="http://schemas.microsoft.com/office/drawing/2014/main" val="941446980"/>
+                  </a:ext>
+                </a:extLst>
+              </a:tr>
+              <a:tr h="290215">
+                <a:tc>
+                  <a:txBody>
+                    <a:bodyPr/>
+                    <a:lstStyle/>
+                    <a:p>
+                      <a:pPr algn="l" fontAlgn="b"/>
+                      <a:r>
+                        <a:rPr lang="en-US" sz="2400" b="0" i="0" u="none" strike="noStrike" dirty="0" err="1">
+                          <a:solidFill>
+                            <a:srgbClr val="7030A0"/>
+                          </a:solidFill>
+                          <a:effectLst/>
+                          <a:latin typeface="Calibri" panose="020F0502020204030204" pitchFamily="34" charset="0"/>
+                        </a:rPr>
+                        <a:t>Gordana</a:t>
+                      </a:r>
+                      <a:r>
+                        <a:rPr lang="en-US" sz="2400" b="0" i="0" u="none" strike="noStrike" dirty="0">
+                          <a:solidFill>
+                            <a:srgbClr val="7030A0"/>
+                          </a:solidFill>
+                          <a:effectLst/>
+                          <a:latin typeface="Calibri" panose="020F0502020204030204" pitchFamily="34" charset="0"/>
+                        </a:rPr>
+                        <a:t> </a:t>
+                      </a:r>
+                      <a:r>
+                        <a:rPr lang="en-US" sz="2400" b="0" i="0" u="none" strike="noStrike" dirty="0" err="1">
+                          <a:solidFill>
+                            <a:srgbClr val="7030A0"/>
+                          </a:solidFill>
+                          <a:effectLst/>
+                          <a:latin typeface="Calibri" panose="020F0502020204030204" pitchFamily="34" charset="0"/>
+                        </a:rPr>
+                        <a:t>Vujec</a:t>
+                      </a:r>
+                      <a:endParaRPr lang="en-US" sz="2400" b="0" i="0" u="none" strike="noStrike" dirty="0">
+                        <a:solidFill>
+                          <a:srgbClr val="7030A0"/>
+                        </a:solidFill>
+                        <a:effectLst/>
+                        <a:latin typeface="Calibri" panose="020F0502020204030204" pitchFamily="34" charset="0"/>
+                      </a:endParaRPr>
+                    </a:p>
+                  </a:txBody>
+                  <a:tcPr marL="9525" marR="9525" marT="9525" marB="0" anchor="b">
+                    <a:lnL>
+                      <a:noFill/>
+                    </a:lnL>
+                    <a:lnR>
+                      <a:noFill/>
+                    </a:lnR>
+                    <a:lnT>
+                      <a:noFill/>
+                    </a:lnT>
+                    <a:lnB>
+                      <a:noFill/>
+                    </a:lnB>
+                  </a:tcPr>
+                </a:tc>
+                <a:extLst>
+                  <a:ext uri="{0D108BD9-81ED-4DB2-BD59-A6C34878D82A}">
+                    <a16:rowId xmlns:a16="http://schemas.microsoft.com/office/drawing/2014/main" val="3289775056"/>
+                  </a:ext>
+                </a:extLst>
+              </a:tr>
+              <a:tr h="290215">
+                <a:tc>
+                  <a:txBody>
+                    <a:bodyPr/>
+                    <a:lstStyle/>
+                    <a:p>
+                      <a:pPr algn="l" fontAlgn="b"/>
+                      <a:r>
+                        <a:rPr lang="en-US" sz="2400" b="0" i="0" u="none" strike="noStrike">
+                          <a:solidFill>
+                            <a:srgbClr val="000000"/>
+                          </a:solidFill>
+                          <a:effectLst/>
+                          <a:latin typeface="Calibri" panose="020F0502020204030204" pitchFamily="34" charset="0"/>
+                        </a:rPr>
+                        <a:t>Heather Mccormick</a:t>
+                      </a:r>
+                    </a:p>
+                  </a:txBody>
+                  <a:tcPr marL="9525" marR="9525" marT="9525" marB="0" anchor="b">
+                    <a:lnL>
+                      <a:noFill/>
+                    </a:lnL>
+                    <a:lnR>
+                      <a:noFill/>
+                    </a:lnR>
+                    <a:lnT>
+                      <a:noFill/>
+                    </a:lnT>
+                    <a:lnB>
+                      <a:noFill/>
+                    </a:lnB>
+                  </a:tcPr>
+                </a:tc>
+                <a:extLst>
+                  <a:ext uri="{0D108BD9-81ED-4DB2-BD59-A6C34878D82A}">
+                    <a16:rowId xmlns:a16="http://schemas.microsoft.com/office/drawing/2014/main" val="878960036"/>
+                  </a:ext>
+                </a:extLst>
+              </a:tr>
+              <a:tr h="290215">
+                <a:tc>
+                  <a:txBody>
+                    <a:bodyPr/>
+                    <a:lstStyle/>
+                    <a:p>
+                      <a:pPr algn="l" fontAlgn="b"/>
+                      <a:r>
+                        <a:rPr lang="en-US" sz="2400" b="0" i="0" u="none" strike="noStrike">
+                          <a:solidFill>
+                            <a:srgbClr val="000000"/>
+                          </a:solidFill>
+                          <a:effectLst/>
+                          <a:latin typeface="Calibri" panose="020F0502020204030204" pitchFamily="34" charset="0"/>
+                        </a:rPr>
+                        <a:t>Hope M.</a:t>
+                      </a:r>
+                    </a:p>
+                  </a:txBody>
+                  <a:tcPr marL="9525" marR="9525" marT="9525" marB="0" anchor="b">
+                    <a:lnL>
+                      <a:noFill/>
+                    </a:lnL>
+                    <a:lnR>
+                      <a:noFill/>
+                    </a:lnR>
+                    <a:lnT>
+                      <a:noFill/>
+                    </a:lnT>
+                    <a:lnB>
+                      <a:noFill/>
+                    </a:lnB>
+                  </a:tcPr>
+                </a:tc>
+                <a:extLst>
+                  <a:ext uri="{0D108BD9-81ED-4DB2-BD59-A6C34878D82A}">
+                    <a16:rowId xmlns:a16="http://schemas.microsoft.com/office/drawing/2014/main" val="3530244330"/>
+                  </a:ext>
+                </a:extLst>
+              </a:tr>
+              <a:tr h="290215">
+                <a:tc>
+                  <a:txBody>
+                    <a:bodyPr/>
+                    <a:lstStyle/>
+                    <a:p>
+                      <a:pPr algn="l" fontAlgn="b"/>
+                      <a:r>
+                        <a:rPr lang="en-US" sz="2400" b="0" i="0" u="none" strike="noStrike" dirty="0">
+                          <a:solidFill>
+                            <a:srgbClr val="7030A0"/>
+                          </a:solidFill>
+                          <a:effectLst/>
+                          <a:latin typeface="Calibri" panose="020F0502020204030204" pitchFamily="34" charset="0"/>
+                        </a:rPr>
+                        <a:t>Jessica Archibald</a:t>
+                      </a:r>
+                    </a:p>
+                  </a:txBody>
+                  <a:tcPr marL="9525" marR="9525" marT="9525" marB="0" anchor="b">
+                    <a:lnL>
+                      <a:noFill/>
+                    </a:lnL>
+                    <a:lnR>
+                      <a:noFill/>
+                    </a:lnR>
+                    <a:lnT>
+                      <a:noFill/>
+                    </a:lnT>
+                    <a:lnB>
+                      <a:noFill/>
+                    </a:lnB>
+                  </a:tcPr>
+                </a:tc>
+                <a:extLst>
+                  <a:ext uri="{0D108BD9-81ED-4DB2-BD59-A6C34878D82A}">
+                    <a16:rowId xmlns:a16="http://schemas.microsoft.com/office/drawing/2014/main" val="617786966"/>
+                  </a:ext>
+                </a:extLst>
+              </a:tr>
+            </a:tbl>
+          </a:graphicData>
+        </a:graphic>
+      </p:graphicFrame>
+      <p:sp>
+        <p:nvSpPr>
+          <p:cNvPr id="11" name="Text Placeholder 10">
+            <a:extLst>
+              <a:ext uri="{FF2B5EF4-FFF2-40B4-BE49-F238E27FC236}">
+                <a16:creationId xmlns:a16="http://schemas.microsoft.com/office/drawing/2014/main" id="{0EB4B7E0-B14E-ED4A-B070-1E95DA92DB46}"/>
+              </a:ext>
+            </a:extLst>
+          </p:cNvPr>
+          <p:cNvSpPr>
+            <a:spLocks noGrp="1"/>
+          </p:cNvSpPr>
+          <p:nvPr>
+            <p:ph type="body" sz="quarter" idx="3"/>
+          </p:nvPr>
+        </p:nvSpPr>
+        <p:spPr>
+          <a:xfrm>
+            <a:off x="4457700" y="1806377"/>
+            <a:ext cx="1847850" cy="823912"/>
+          </a:xfrm>
+        </p:spPr>
+        <p:txBody>
+          <a:bodyPr/>
+          <a:lstStyle/>
+          <a:p>
+            <a:r>
+              <a:rPr lang="en-US" dirty="0"/>
+              <a:t>Group 2</a:t>
+            </a:r>
+          </a:p>
+        </p:txBody>
+      </p:sp>
+      <p:graphicFrame>
+        <p:nvGraphicFramePr>
+          <p:cNvPr id="14" name="Content Placeholder 13">
+            <a:extLst>
+              <a:ext uri="{FF2B5EF4-FFF2-40B4-BE49-F238E27FC236}">
+                <a16:creationId xmlns:a16="http://schemas.microsoft.com/office/drawing/2014/main" id="{96DC7DC8-5E35-3246-927A-F019DBE78941}"/>
+              </a:ext>
+            </a:extLst>
+          </p:cNvPr>
+          <p:cNvGraphicFramePr>
+            <a:graphicFrameLocks noGrp="1"/>
+          </p:cNvGraphicFramePr>
+          <p:nvPr>
+            <p:ph sz="quarter" idx="4"/>
+            <p:extLst>
+              <p:ext uri="{D42A27DB-BD31-4B8C-83A1-F6EECF244321}">
+                <p14:modId xmlns:p14="http://schemas.microsoft.com/office/powerpoint/2010/main" val="3402964293"/>
+              </p:ext>
+            </p:extLst>
+          </p:nvPr>
+        </p:nvGraphicFramePr>
+        <p:xfrm>
+          <a:off x="4457700" y="2745978"/>
+          <a:ext cx="3048000" cy="3002280"/>
+        </p:xfrm>
+        <a:graphic>
+          <a:graphicData uri="http://schemas.openxmlformats.org/drawingml/2006/table">
+            <a:tbl>
+              <a:tblPr/>
+              <a:tblGrid>
+                <a:gridCol w="3048000">
+                  <a:extLst>
+                    <a:ext uri="{9D8B030D-6E8A-4147-A177-3AD203B41FA5}">
+                      <a16:colId xmlns:a16="http://schemas.microsoft.com/office/drawing/2014/main" val="1536179266"/>
+                    </a:ext>
+                  </a:extLst>
+                </a:gridCol>
+              </a:tblGrid>
+              <a:tr h="203200">
+                <a:tc>
+                  <a:txBody>
+                    <a:bodyPr/>
+                    <a:lstStyle/>
+                    <a:p>
+                      <a:pPr algn="l" fontAlgn="b"/>
+                      <a:r>
+                        <a:rPr lang="en-US" sz="2400" b="0" i="0" u="none" strike="noStrike" dirty="0">
+                          <a:solidFill>
+                            <a:srgbClr val="7030A0"/>
+                          </a:solidFill>
+                          <a:effectLst/>
+                          <a:latin typeface="Calibri" panose="020F0502020204030204" pitchFamily="34" charset="0"/>
+                        </a:rPr>
+                        <a:t>Julia Kuznetsova</a:t>
+                      </a:r>
+                    </a:p>
+                  </a:txBody>
+                  <a:tcPr marL="9525" marR="9525" marT="9525" marB="0" anchor="b">
+                    <a:lnL>
+                      <a:noFill/>
+                    </a:lnL>
+                    <a:lnR>
+                      <a:noFill/>
+                    </a:lnR>
+                    <a:lnT>
+                      <a:noFill/>
+                    </a:lnT>
+                    <a:lnB>
+                      <a:noFill/>
+                    </a:lnB>
+                  </a:tcPr>
+                </a:tc>
+                <a:extLst>
+                  <a:ext uri="{0D108BD9-81ED-4DB2-BD59-A6C34878D82A}">
+                    <a16:rowId xmlns:a16="http://schemas.microsoft.com/office/drawing/2014/main" val="1010983017"/>
+                  </a:ext>
+                </a:extLst>
+              </a:tr>
+              <a:tr h="203200">
+                <a:tc>
+                  <a:txBody>
+                    <a:bodyPr/>
+                    <a:lstStyle/>
+                    <a:p>
+                      <a:pPr algn="l" fontAlgn="b"/>
+                      <a:r>
+                        <a:rPr lang="en-US" sz="2400" b="0" i="0" u="none" strike="noStrike" dirty="0">
+                          <a:solidFill>
+                            <a:srgbClr val="7030A0"/>
+                          </a:solidFill>
+                          <a:effectLst/>
+                          <a:latin typeface="Calibri" panose="020F0502020204030204" pitchFamily="34" charset="0"/>
+                        </a:rPr>
+                        <a:t>Kelly</a:t>
+                      </a:r>
+                    </a:p>
+                  </a:txBody>
+                  <a:tcPr marL="9525" marR="9525" marT="9525" marB="0" anchor="b">
+                    <a:lnL>
+                      <a:noFill/>
+                    </a:lnL>
+                    <a:lnR>
+                      <a:noFill/>
+                    </a:lnR>
+                    <a:lnT>
+                      <a:noFill/>
+                    </a:lnT>
+                    <a:lnB>
+                      <a:noFill/>
+                    </a:lnB>
+                  </a:tcPr>
+                </a:tc>
+                <a:extLst>
+                  <a:ext uri="{0D108BD9-81ED-4DB2-BD59-A6C34878D82A}">
+                    <a16:rowId xmlns:a16="http://schemas.microsoft.com/office/drawing/2014/main" val="1830862105"/>
+                  </a:ext>
+                </a:extLst>
+              </a:tr>
+              <a:tr h="203200">
+                <a:tc>
+                  <a:txBody>
+                    <a:bodyPr/>
+                    <a:lstStyle/>
+                    <a:p>
+                      <a:pPr algn="l" fontAlgn="b"/>
+                      <a:r>
+                        <a:rPr lang="en-US" sz="2400" b="0" i="0" u="none" strike="noStrike">
+                          <a:solidFill>
+                            <a:srgbClr val="000000"/>
+                          </a:solidFill>
+                          <a:effectLst/>
+                          <a:latin typeface="Calibri" panose="020F0502020204030204" pitchFamily="34" charset="0"/>
+                        </a:rPr>
+                        <a:t>Kelsey McDonald</a:t>
+                      </a:r>
+                    </a:p>
+                  </a:txBody>
+                  <a:tcPr marL="9525" marR="9525" marT="9525" marB="0" anchor="b">
+                    <a:lnL>
+                      <a:noFill/>
+                    </a:lnL>
+                    <a:lnR>
+                      <a:noFill/>
+                    </a:lnR>
+                    <a:lnT>
+                      <a:noFill/>
+                    </a:lnT>
+                    <a:lnB>
+                      <a:noFill/>
+                    </a:lnB>
+                  </a:tcPr>
+                </a:tc>
+                <a:extLst>
+                  <a:ext uri="{0D108BD9-81ED-4DB2-BD59-A6C34878D82A}">
+                    <a16:rowId xmlns:a16="http://schemas.microsoft.com/office/drawing/2014/main" val="268617558"/>
+                  </a:ext>
+                </a:extLst>
+              </a:tr>
+              <a:tr h="203200">
+                <a:tc>
+                  <a:txBody>
+                    <a:bodyPr/>
+                    <a:lstStyle/>
+                    <a:p>
+                      <a:pPr algn="l" fontAlgn="b"/>
+                      <a:r>
+                        <a:rPr lang="en-US" sz="2400" b="0" i="0" u="none" strike="noStrike">
+                          <a:solidFill>
+                            <a:srgbClr val="000000"/>
+                          </a:solidFill>
+                          <a:effectLst/>
+                          <a:latin typeface="Calibri" panose="020F0502020204030204" pitchFamily="34" charset="0"/>
+                        </a:rPr>
+                        <a:t>Lindsay B</a:t>
+                      </a:r>
+                    </a:p>
+                  </a:txBody>
+                  <a:tcPr marL="9525" marR="9525" marT="9525" marB="0" anchor="b">
+                    <a:lnL>
+                      <a:noFill/>
+                    </a:lnL>
+                    <a:lnR>
+                      <a:noFill/>
+                    </a:lnR>
+                    <a:lnT>
+                      <a:noFill/>
+                    </a:lnT>
+                    <a:lnB>
+                      <a:noFill/>
+                    </a:lnB>
+                  </a:tcPr>
+                </a:tc>
+                <a:extLst>
+                  <a:ext uri="{0D108BD9-81ED-4DB2-BD59-A6C34878D82A}">
+                    <a16:rowId xmlns:a16="http://schemas.microsoft.com/office/drawing/2014/main" val="1268176092"/>
+                  </a:ext>
+                </a:extLst>
+              </a:tr>
+              <a:tr h="203200">
+                <a:tc>
+                  <a:txBody>
+                    <a:bodyPr/>
+                    <a:lstStyle/>
+                    <a:p>
+                      <a:pPr algn="l" fontAlgn="b"/>
+                      <a:r>
+                        <a:rPr lang="en-US" sz="2400" b="0" i="0" u="none" strike="noStrike">
+                          <a:solidFill>
+                            <a:srgbClr val="000000"/>
+                          </a:solidFill>
+                          <a:effectLst/>
+                          <a:latin typeface="Calibri" panose="020F0502020204030204" pitchFamily="34" charset="0"/>
+                        </a:rPr>
+                        <a:t>Meriweather Adams</a:t>
+                      </a:r>
+                    </a:p>
+                  </a:txBody>
+                  <a:tcPr marL="9525" marR="9525" marT="9525" marB="0" anchor="b">
+                    <a:lnL>
+                      <a:noFill/>
+                    </a:lnL>
+                    <a:lnR>
+                      <a:noFill/>
+                    </a:lnR>
+                    <a:lnT>
+                      <a:noFill/>
+                    </a:lnT>
+                    <a:lnB>
+                      <a:noFill/>
+                    </a:lnB>
+                  </a:tcPr>
+                </a:tc>
+                <a:extLst>
+                  <a:ext uri="{0D108BD9-81ED-4DB2-BD59-A6C34878D82A}">
+                    <a16:rowId xmlns:a16="http://schemas.microsoft.com/office/drawing/2014/main" val="3361059419"/>
+                  </a:ext>
+                </a:extLst>
+              </a:tr>
+              <a:tr h="203200">
+                <a:tc>
+                  <a:txBody>
+                    <a:bodyPr/>
+                    <a:lstStyle/>
+                    <a:p>
+                      <a:pPr algn="l" fontAlgn="b"/>
+                      <a:r>
+                        <a:rPr lang="en-US" sz="2400" b="0" i="0" u="none" strike="noStrike">
+                          <a:solidFill>
+                            <a:srgbClr val="000000"/>
+                          </a:solidFill>
+                          <a:effectLst/>
+                          <a:latin typeface="Calibri" panose="020F0502020204030204" pitchFamily="34" charset="0"/>
+                        </a:rPr>
+                        <a:t>Mitana Chien</a:t>
+                      </a:r>
+                    </a:p>
+                  </a:txBody>
+                  <a:tcPr marL="9525" marR="9525" marT="9525" marB="0" anchor="b">
+                    <a:lnL>
+                      <a:noFill/>
+                    </a:lnL>
+                    <a:lnR>
+                      <a:noFill/>
+                    </a:lnR>
+                    <a:lnT>
+                      <a:noFill/>
+                    </a:lnT>
+                    <a:lnB>
+                      <a:noFill/>
+                    </a:lnB>
+                  </a:tcPr>
+                </a:tc>
+                <a:extLst>
+                  <a:ext uri="{0D108BD9-81ED-4DB2-BD59-A6C34878D82A}">
+                    <a16:rowId xmlns:a16="http://schemas.microsoft.com/office/drawing/2014/main" val="1875817408"/>
+                  </a:ext>
+                </a:extLst>
+              </a:tr>
+              <a:tr h="203200">
+                <a:tc>
+                  <a:txBody>
+                    <a:bodyPr/>
+                    <a:lstStyle/>
+                    <a:p>
+                      <a:pPr algn="l" fontAlgn="b"/>
+                      <a:r>
+                        <a:rPr lang="en-US" sz="2400" b="0" i="0" u="none" strike="noStrike">
+                          <a:solidFill>
+                            <a:srgbClr val="000000"/>
+                          </a:solidFill>
+                          <a:effectLst/>
+                          <a:latin typeface="Calibri" panose="020F0502020204030204" pitchFamily="34" charset="0"/>
+                        </a:rPr>
+                        <a:t>Ola Hamdan</a:t>
+                      </a:r>
+                    </a:p>
+                  </a:txBody>
+                  <a:tcPr marL="9525" marR="9525" marT="9525" marB="0" anchor="b">
+                    <a:lnL>
+                      <a:noFill/>
+                    </a:lnL>
+                    <a:lnR>
+                      <a:noFill/>
+                    </a:lnR>
+                    <a:lnT>
+                      <a:noFill/>
+                    </a:lnT>
+                    <a:lnB>
+                      <a:noFill/>
+                    </a:lnB>
+                  </a:tcPr>
+                </a:tc>
+                <a:extLst>
+                  <a:ext uri="{0D108BD9-81ED-4DB2-BD59-A6C34878D82A}">
+                    <a16:rowId xmlns:a16="http://schemas.microsoft.com/office/drawing/2014/main" val="608073417"/>
+                  </a:ext>
+                </a:extLst>
+              </a:tr>
+              <a:tr h="203200">
+                <a:tc>
+                  <a:txBody>
+                    <a:bodyPr/>
+                    <a:lstStyle/>
+                    <a:p>
+                      <a:pPr algn="l" fontAlgn="b"/>
+                      <a:r>
+                        <a:rPr lang="en-US" sz="2400" b="0" i="0" u="none" strike="noStrike" dirty="0">
+                          <a:solidFill>
+                            <a:srgbClr val="000000"/>
+                          </a:solidFill>
+                          <a:effectLst/>
+                          <a:latin typeface="Calibri" panose="020F0502020204030204" pitchFamily="34" charset="0"/>
+                        </a:rPr>
+                        <a:t>Paula</a:t>
+                      </a:r>
+                    </a:p>
+                  </a:txBody>
+                  <a:tcPr marL="9525" marR="9525" marT="9525" marB="0" anchor="b">
+                    <a:lnL>
+                      <a:noFill/>
+                    </a:lnL>
+                    <a:lnR>
+                      <a:noFill/>
+                    </a:lnR>
+                    <a:lnT>
+                      <a:noFill/>
+                    </a:lnT>
+                    <a:lnB>
+                      <a:noFill/>
+                    </a:lnB>
+                  </a:tcPr>
+                </a:tc>
+                <a:extLst>
+                  <a:ext uri="{0D108BD9-81ED-4DB2-BD59-A6C34878D82A}">
+                    <a16:rowId xmlns:a16="http://schemas.microsoft.com/office/drawing/2014/main" val="2671030421"/>
+                  </a:ext>
+                </a:extLst>
+              </a:tr>
+            </a:tbl>
+          </a:graphicData>
+        </a:graphic>
+      </p:graphicFrame>
+      <p:sp>
+        <p:nvSpPr>
+          <p:cNvPr id="15" name="Text Placeholder 10">
+            <a:extLst>
+              <a:ext uri="{FF2B5EF4-FFF2-40B4-BE49-F238E27FC236}">
+                <a16:creationId xmlns:a16="http://schemas.microsoft.com/office/drawing/2014/main" id="{185832CE-0D36-4743-B768-FC12B096BAB9}"/>
+              </a:ext>
+            </a:extLst>
+          </p:cNvPr>
+          <p:cNvSpPr txBox="1">
+            <a:spLocks/>
+          </p:cNvSpPr>
+          <p:nvPr/>
+        </p:nvSpPr>
+        <p:spPr>
+          <a:xfrm>
+            <a:off x="7896226" y="1681163"/>
+            <a:ext cx="1847850" cy="823912"/>
+          </a:xfrm>
+          <a:prstGeom prst="rect">
+            <a:avLst/>
+          </a:prstGeom>
+        </p:spPr>
+        <p:txBody>
+          <a:bodyPr vert="horz" lIns="91440" tIns="45720" rIns="91440" bIns="45720" rtlCol="0" anchor="b">
+            <a:normAutofit/>
+          </a:bodyPr>
+          <a:lstStyle>
+            <a:lvl1pPr marL="0" indent="0" algn="l" defTabSz="914400" rtl="0" eaLnBrk="1" latinLnBrk="0" hangingPunct="1">
+              <a:lnSpc>
+                <a:spcPct val="90000"/>
+              </a:lnSpc>
+              <a:spcBef>
+                <a:spcPts val="1000"/>
+              </a:spcBef>
+              <a:buFont typeface="Arial" panose="020B0604020202020204" pitchFamily="34" charset="0"/>
+              <a:buNone/>
+              <a:defRPr sz="2400" b="1" kern="1200">
+                <a:solidFill>
+                  <a:schemeClr val="tx1"/>
+                </a:solidFill>
+                <a:latin typeface="+mn-lt"/>
+                <a:ea typeface="+mn-ea"/>
+                <a:cs typeface="+mn-cs"/>
+              </a:defRPr>
+            </a:lvl1pPr>
+            <a:lvl2pPr marL="457200" indent="0" algn="l" defTabSz="914400" rtl="0" eaLnBrk="1" latinLnBrk="0" hangingPunct="1">
+              <a:lnSpc>
+                <a:spcPct val="90000"/>
+              </a:lnSpc>
+              <a:spcBef>
+                <a:spcPts val="500"/>
+              </a:spcBef>
+              <a:buFont typeface="Arial" panose="020B0604020202020204" pitchFamily="34" charset="0"/>
+              <a:buNone/>
+              <a:defRPr sz="2000" b="1" kern="1200">
+                <a:solidFill>
+                  <a:schemeClr val="tx1"/>
+                </a:solidFill>
+                <a:latin typeface="+mn-lt"/>
+                <a:ea typeface="+mn-ea"/>
+                <a:cs typeface="+mn-cs"/>
+              </a:defRPr>
+            </a:lvl2pPr>
+            <a:lvl3pPr marL="914400" indent="0" algn="l" defTabSz="914400" rtl="0" eaLnBrk="1" latinLnBrk="0" hangingPunct="1">
+              <a:lnSpc>
+                <a:spcPct val="90000"/>
+              </a:lnSpc>
+              <a:spcBef>
+                <a:spcPts val="500"/>
+              </a:spcBef>
+              <a:buFont typeface="Arial" panose="020B0604020202020204" pitchFamily="34" charset="0"/>
+              <a:buNone/>
+              <a:defRPr sz="1800" b="1" kern="1200">
+                <a:solidFill>
+                  <a:schemeClr val="tx1"/>
+                </a:solidFill>
+                <a:latin typeface="+mn-lt"/>
+                <a:ea typeface="+mn-ea"/>
+                <a:cs typeface="+mn-cs"/>
+              </a:defRPr>
+            </a:lvl3pPr>
+            <a:lvl4pPr marL="1371600" indent="0" algn="l" defTabSz="914400" rtl="0" eaLnBrk="1" latinLnBrk="0" hangingPunct="1">
+              <a:lnSpc>
+                <a:spcPct val="90000"/>
+              </a:lnSpc>
+              <a:spcBef>
+                <a:spcPts val="500"/>
+              </a:spcBef>
+              <a:buFont typeface="Arial" panose="020B0604020202020204" pitchFamily="34" charset="0"/>
+              <a:buNone/>
+              <a:defRPr sz="1600" b="1" kern="1200">
+                <a:solidFill>
+                  <a:schemeClr val="tx1"/>
+                </a:solidFill>
+                <a:latin typeface="+mn-lt"/>
+                <a:ea typeface="+mn-ea"/>
+                <a:cs typeface="+mn-cs"/>
+              </a:defRPr>
+            </a:lvl4pPr>
+            <a:lvl5pPr marL="1828800" indent="0" algn="l" defTabSz="914400" rtl="0" eaLnBrk="1" latinLnBrk="0" hangingPunct="1">
+              <a:lnSpc>
+                <a:spcPct val="90000"/>
+              </a:lnSpc>
+              <a:spcBef>
+                <a:spcPts val="500"/>
+              </a:spcBef>
+              <a:buFont typeface="Arial" panose="020B0604020202020204" pitchFamily="34" charset="0"/>
+              <a:buNone/>
+              <a:defRPr sz="1600" b="1" kern="1200">
+                <a:solidFill>
+                  <a:schemeClr val="tx1"/>
+                </a:solidFill>
+                <a:latin typeface="+mn-lt"/>
+                <a:ea typeface="+mn-ea"/>
+                <a:cs typeface="+mn-cs"/>
+              </a:defRPr>
+            </a:lvl5pPr>
+            <a:lvl6pPr marL="2286000" indent="0" algn="l" defTabSz="914400" rtl="0" eaLnBrk="1" latinLnBrk="0" hangingPunct="1">
+              <a:lnSpc>
+                <a:spcPct val="90000"/>
+              </a:lnSpc>
+              <a:spcBef>
+                <a:spcPts val="500"/>
+              </a:spcBef>
+              <a:buFont typeface="Arial" panose="020B0604020202020204" pitchFamily="34" charset="0"/>
+              <a:buNone/>
+              <a:defRPr sz="1600" b="1" kern="1200">
+                <a:solidFill>
+                  <a:schemeClr val="tx1"/>
+                </a:solidFill>
+                <a:latin typeface="+mn-lt"/>
+                <a:ea typeface="+mn-ea"/>
+                <a:cs typeface="+mn-cs"/>
+              </a:defRPr>
+            </a:lvl6pPr>
+            <a:lvl7pPr marL="2743200" indent="0" algn="l" defTabSz="914400" rtl="0" eaLnBrk="1" latinLnBrk="0" hangingPunct="1">
+              <a:lnSpc>
+                <a:spcPct val="90000"/>
+              </a:lnSpc>
+              <a:spcBef>
+                <a:spcPts val="500"/>
+              </a:spcBef>
+              <a:buFont typeface="Arial" panose="020B0604020202020204" pitchFamily="34" charset="0"/>
+              <a:buNone/>
+              <a:defRPr sz="1600" b="1" kern="1200">
+                <a:solidFill>
+                  <a:schemeClr val="tx1"/>
+                </a:solidFill>
+                <a:latin typeface="+mn-lt"/>
+                <a:ea typeface="+mn-ea"/>
+                <a:cs typeface="+mn-cs"/>
+              </a:defRPr>
+            </a:lvl7pPr>
+            <a:lvl8pPr marL="3200400" indent="0" algn="l" defTabSz="914400" rtl="0" eaLnBrk="1" latinLnBrk="0" hangingPunct="1">
+              <a:lnSpc>
+                <a:spcPct val="90000"/>
+              </a:lnSpc>
+              <a:spcBef>
+                <a:spcPts val="500"/>
+              </a:spcBef>
+              <a:buFont typeface="Arial" panose="020B0604020202020204" pitchFamily="34" charset="0"/>
+              <a:buNone/>
+              <a:defRPr sz="1600" b="1" kern="1200">
+                <a:solidFill>
+                  <a:schemeClr val="tx1"/>
+                </a:solidFill>
+                <a:latin typeface="+mn-lt"/>
+                <a:ea typeface="+mn-ea"/>
+                <a:cs typeface="+mn-cs"/>
+              </a:defRPr>
+            </a:lvl8pPr>
+            <a:lvl9pPr marL="3657600" indent="0" algn="l" defTabSz="914400" rtl="0" eaLnBrk="1" latinLnBrk="0" hangingPunct="1">
+              <a:lnSpc>
+                <a:spcPct val="90000"/>
+              </a:lnSpc>
+              <a:spcBef>
+                <a:spcPts val="500"/>
+              </a:spcBef>
+              <a:buFont typeface="Arial" panose="020B0604020202020204" pitchFamily="34" charset="0"/>
+              <a:buNone/>
+              <a:defRPr sz="1600" b="1" kern="1200">
+                <a:solidFill>
+                  <a:schemeClr val="tx1"/>
+                </a:solidFill>
+                <a:latin typeface="+mn-lt"/>
+                <a:ea typeface="+mn-ea"/>
+                <a:cs typeface="+mn-cs"/>
+              </a:defRPr>
+            </a:lvl9pPr>
+          </a:lstStyle>
+          <a:p>
+            <a:r>
+              <a:rPr lang="en-US" dirty="0"/>
+              <a:t>Group 3</a:t>
+            </a:r>
+          </a:p>
+        </p:txBody>
+      </p:sp>
+      <p:graphicFrame>
+        <p:nvGraphicFramePr>
+          <p:cNvPr id="16" name="Table 15">
+            <a:extLst>
+              <a:ext uri="{FF2B5EF4-FFF2-40B4-BE49-F238E27FC236}">
+                <a16:creationId xmlns:a16="http://schemas.microsoft.com/office/drawing/2014/main" id="{DB90858F-278E-AA4D-BAC4-00701128BBD3}"/>
+              </a:ext>
+            </a:extLst>
+          </p:cNvPr>
+          <p:cNvGraphicFramePr>
+            <a:graphicFrameLocks noGrp="1"/>
+          </p:cNvGraphicFramePr>
+          <p:nvPr>
+            <p:extLst>
+              <p:ext uri="{D42A27DB-BD31-4B8C-83A1-F6EECF244321}">
+                <p14:modId xmlns:p14="http://schemas.microsoft.com/office/powerpoint/2010/main" val="1986203673"/>
+              </p:ext>
+            </p:extLst>
+          </p:nvPr>
+        </p:nvGraphicFramePr>
+        <p:xfrm>
+          <a:off x="7896226" y="2660253"/>
+          <a:ext cx="3048000" cy="3368040"/>
+        </p:xfrm>
+        <a:graphic>
+          <a:graphicData uri="http://schemas.openxmlformats.org/drawingml/2006/table">
+            <a:tbl>
+              <a:tblPr/>
+              <a:tblGrid>
+                <a:gridCol w="3048000">
+                  <a:extLst>
+                    <a:ext uri="{9D8B030D-6E8A-4147-A177-3AD203B41FA5}">
+                      <a16:colId xmlns:a16="http://schemas.microsoft.com/office/drawing/2014/main" val="3203099286"/>
+                    </a:ext>
+                  </a:extLst>
+                </a:gridCol>
+              </a:tblGrid>
+              <a:tr h="203200">
+                <a:tc>
+                  <a:txBody>
+                    <a:bodyPr/>
+                    <a:lstStyle/>
+                    <a:p>
+                      <a:pPr algn="l" fontAlgn="b"/>
+                      <a:r>
+                        <a:rPr lang="en-US" sz="2400" b="0" i="0" u="none" strike="noStrike">
+                          <a:solidFill>
+                            <a:srgbClr val="000000"/>
+                          </a:solidFill>
+                          <a:effectLst/>
+                          <a:latin typeface="Calibri" panose="020F0502020204030204" pitchFamily="34" charset="0"/>
+                        </a:rPr>
+                        <a:t>Rebecca Sabol</a:t>
+                      </a:r>
+                    </a:p>
+                  </a:txBody>
+                  <a:tcPr marL="9525" marR="9525" marT="9525" marB="0" anchor="b">
+                    <a:lnL>
+                      <a:noFill/>
+                    </a:lnL>
+                    <a:lnR>
+                      <a:noFill/>
+                    </a:lnR>
+                    <a:lnT>
+                      <a:noFill/>
+                    </a:lnT>
+                    <a:lnB>
+                      <a:noFill/>
+                    </a:lnB>
+                  </a:tcPr>
+                </a:tc>
+                <a:extLst>
+                  <a:ext uri="{0D108BD9-81ED-4DB2-BD59-A6C34878D82A}">
+                    <a16:rowId xmlns:a16="http://schemas.microsoft.com/office/drawing/2014/main" val="2812608249"/>
+                  </a:ext>
+                </a:extLst>
+              </a:tr>
+              <a:tr h="203200">
+                <a:tc>
+                  <a:txBody>
+                    <a:bodyPr/>
+                    <a:lstStyle/>
+                    <a:p>
+                      <a:pPr algn="l" fontAlgn="b"/>
+                      <a:r>
+                        <a:rPr lang="en-US" sz="2400" b="0" i="0" u="none" strike="noStrike">
+                          <a:solidFill>
+                            <a:srgbClr val="000000"/>
+                          </a:solidFill>
+                          <a:effectLst/>
+                          <a:latin typeface="Calibri" panose="020F0502020204030204" pitchFamily="34" charset="0"/>
+                        </a:rPr>
+                        <a:t>Rebekah Callari-Kaczmarczyk</a:t>
+                      </a:r>
+                    </a:p>
+                  </a:txBody>
+                  <a:tcPr marL="9525" marR="9525" marT="9525" marB="0" anchor="b">
+                    <a:lnL>
+                      <a:noFill/>
+                    </a:lnL>
+                    <a:lnR>
+                      <a:noFill/>
+                    </a:lnR>
+                    <a:lnT>
+                      <a:noFill/>
+                    </a:lnT>
+                    <a:lnB>
+                      <a:noFill/>
+                    </a:lnB>
+                  </a:tcPr>
+                </a:tc>
+                <a:extLst>
+                  <a:ext uri="{0D108BD9-81ED-4DB2-BD59-A6C34878D82A}">
+                    <a16:rowId xmlns:a16="http://schemas.microsoft.com/office/drawing/2014/main" val="3403189669"/>
+                  </a:ext>
+                </a:extLst>
+              </a:tr>
+              <a:tr h="203200">
+                <a:tc>
+                  <a:txBody>
+                    <a:bodyPr/>
+                    <a:lstStyle/>
+                    <a:p>
+                      <a:pPr algn="l" fontAlgn="b"/>
+                      <a:r>
+                        <a:rPr lang="en-US" sz="2400" b="0" i="0" u="none" strike="noStrike" dirty="0">
+                          <a:solidFill>
+                            <a:srgbClr val="000000"/>
+                          </a:solidFill>
+                          <a:effectLst/>
+                          <a:latin typeface="Calibri" panose="020F0502020204030204" pitchFamily="34" charset="0"/>
+                        </a:rPr>
+                        <a:t>Rp </a:t>
+                      </a:r>
+                      <a:r>
+                        <a:rPr lang="en-US" sz="2400" b="0" i="0" u="none" strike="noStrike" dirty="0" err="1">
+                          <a:solidFill>
+                            <a:srgbClr val="000000"/>
+                          </a:solidFill>
+                          <a:effectLst/>
+                          <a:latin typeface="Calibri" panose="020F0502020204030204" pitchFamily="34" charset="0"/>
+                        </a:rPr>
+                        <a:t>Supriya</a:t>
+                      </a:r>
+                      <a:endParaRPr lang="en-US" sz="2400" b="0" i="0" u="none" strike="noStrike" dirty="0">
+                        <a:solidFill>
+                          <a:srgbClr val="000000"/>
+                        </a:solidFill>
+                        <a:effectLst/>
+                        <a:latin typeface="Calibri" panose="020F0502020204030204" pitchFamily="34" charset="0"/>
+                      </a:endParaRPr>
+                    </a:p>
+                  </a:txBody>
+                  <a:tcPr marL="9525" marR="9525" marT="9525" marB="0" anchor="b">
+                    <a:lnL>
+                      <a:noFill/>
+                    </a:lnL>
+                    <a:lnR>
+                      <a:noFill/>
+                    </a:lnR>
+                    <a:lnT>
+                      <a:noFill/>
+                    </a:lnT>
+                    <a:lnB>
+                      <a:noFill/>
+                    </a:lnB>
+                  </a:tcPr>
+                </a:tc>
+                <a:extLst>
+                  <a:ext uri="{0D108BD9-81ED-4DB2-BD59-A6C34878D82A}">
+                    <a16:rowId xmlns:a16="http://schemas.microsoft.com/office/drawing/2014/main" val="2889142694"/>
+                  </a:ext>
+                </a:extLst>
+              </a:tr>
+              <a:tr h="203200">
+                <a:tc>
+                  <a:txBody>
+                    <a:bodyPr/>
+                    <a:lstStyle/>
+                    <a:p>
+                      <a:pPr algn="l" fontAlgn="b"/>
+                      <a:r>
+                        <a:rPr lang="en-US" sz="2400" b="0" i="0" u="none" strike="noStrike">
+                          <a:solidFill>
+                            <a:srgbClr val="000000"/>
+                          </a:solidFill>
+                          <a:effectLst/>
+                          <a:latin typeface="Calibri" panose="020F0502020204030204" pitchFamily="34" charset="0"/>
+                        </a:rPr>
+                        <a:t>Sagar Das</a:t>
+                      </a:r>
+                    </a:p>
+                  </a:txBody>
+                  <a:tcPr marL="9525" marR="9525" marT="9525" marB="0" anchor="b">
+                    <a:lnL>
+                      <a:noFill/>
+                    </a:lnL>
+                    <a:lnR>
+                      <a:noFill/>
+                    </a:lnR>
+                    <a:lnT>
+                      <a:noFill/>
+                    </a:lnT>
+                    <a:lnB>
+                      <a:noFill/>
+                    </a:lnB>
+                  </a:tcPr>
+                </a:tc>
+                <a:extLst>
+                  <a:ext uri="{0D108BD9-81ED-4DB2-BD59-A6C34878D82A}">
+                    <a16:rowId xmlns:a16="http://schemas.microsoft.com/office/drawing/2014/main" val="3883861678"/>
+                  </a:ext>
+                </a:extLst>
+              </a:tr>
+              <a:tr h="203200">
+                <a:tc>
+                  <a:txBody>
+                    <a:bodyPr/>
+                    <a:lstStyle/>
+                    <a:p>
+                      <a:pPr algn="l" fontAlgn="b"/>
+                      <a:r>
+                        <a:rPr lang="en-US" sz="2400" b="0" i="0" u="none" strike="noStrike" dirty="0">
+                          <a:solidFill>
+                            <a:srgbClr val="7030A0"/>
+                          </a:solidFill>
+                          <a:effectLst/>
+                          <a:latin typeface="Calibri" panose="020F0502020204030204" pitchFamily="34" charset="0"/>
+                        </a:rPr>
+                        <a:t>Shannon</a:t>
+                      </a:r>
+                    </a:p>
+                  </a:txBody>
+                  <a:tcPr marL="9525" marR="9525" marT="9525" marB="0" anchor="b">
+                    <a:lnL>
+                      <a:noFill/>
+                    </a:lnL>
+                    <a:lnR>
+                      <a:noFill/>
+                    </a:lnR>
+                    <a:lnT>
+                      <a:noFill/>
+                    </a:lnT>
+                    <a:lnB>
+                      <a:noFill/>
+                    </a:lnB>
+                  </a:tcPr>
+                </a:tc>
+                <a:extLst>
+                  <a:ext uri="{0D108BD9-81ED-4DB2-BD59-A6C34878D82A}">
+                    <a16:rowId xmlns:a16="http://schemas.microsoft.com/office/drawing/2014/main" val="4142453402"/>
+                  </a:ext>
+                </a:extLst>
+              </a:tr>
+              <a:tr h="203200">
+                <a:tc>
+                  <a:txBody>
+                    <a:bodyPr/>
+                    <a:lstStyle/>
+                    <a:p>
+                      <a:pPr algn="l" fontAlgn="b"/>
+                      <a:r>
+                        <a:rPr lang="en-US" sz="2400" b="0" i="0" u="none" strike="noStrike">
+                          <a:solidFill>
+                            <a:srgbClr val="000000"/>
+                          </a:solidFill>
+                          <a:effectLst/>
+                          <a:latin typeface="Calibri" panose="020F0502020204030204" pitchFamily="34" charset="0"/>
+                        </a:rPr>
+                        <a:t>Soomi Cheong</a:t>
+                      </a:r>
+                    </a:p>
+                  </a:txBody>
+                  <a:tcPr marL="9525" marR="9525" marT="9525" marB="0" anchor="b">
+                    <a:lnL>
+                      <a:noFill/>
+                    </a:lnL>
+                    <a:lnR>
+                      <a:noFill/>
+                    </a:lnR>
+                    <a:lnT>
+                      <a:noFill/>
+                    </a:lnT>
+                    <a:lnB>
+                      <a:noFill/>
+                    </a:lnB>
+                  </a:tcPr>
+                </a:tc>
+                <a:extLst>
+                  <a:ext uri="{0D108BD9-81ED-4DB2-BD59-A6C34878D82A}">
+                    <a16:rowId xmlns:a16="http://schemas.microsoft.com/office/drawing/2014/main" val="4077262251"/>
+                  </a:ext>
+                </a:extLst>
+              </a:tr>
+              <a:tr h="203200">
+                <a:tc>
+                  <a:txBody>
+                    <a:bodyPr/>
+                    <a:lstStyle/>
+                    <a:p>
+                      <a:pPr algn="l" fontAlgn="b"/>
+                      <a:r>
+                        <a:rPr lang="en-US" sz="2400" b="0" i="0" u="none" strike="noStrike">
+                          <a:solidFill>
+                            <a:srgbClr val="000000"/>
+                          </a:solidFill>
+                          <a:effectLst/>
+                          <a:latin typeface="Calibri" panose="020F0502020204030204" pitchFamily="34" charset="0"/>
+                        </a:rPr>
+                        <a:t>soundarya</a:t>
+                      </a:r>
+                    </a:p>
+                  </a:txBody>
+                  <a:tcPr marL="9525" marR="9525" marT="9525" marB="0" anchor="b">
+                    <a:lnL>
+                      <a:noFill/>
+                    </a:lnL>
+                    <a:lnR>
+                      <a:noFill/>
+                    </a:lnR>
+                    <a:lnT>
+                      <a:noFill/>
+                    </a:lnT>
+                    <a:lnB>
+                      <a:noFill/>
+                    </a:lnB>
+                  </a:tcPr>
+                </a:tc>
+                <a:extLst>
+                  <a:ext uri="{0D108BD9-81ED-4DB2-BD59-A6C34878D82A}">
+                    <a16:rowId xmlns:a16="http://schemas.microsoft.com/office/drawing/2014/main" val="2605370761"/>
+                  </a:ext>
+                </a:extLst>
+              </a:tr>
+              <a:tr h="203200">
+                <a:tc>
+                  <a:txBody>
+                    <a:bodyPr/>
+                    <a:lstStyle/>
+                    <a:p>
+                      <a:pPr algn="l" fontAlgn="b"/>
+                      <a:r>
+                        <a:rPr lang="en-US" sz="2400" b="0" i="0" u="none" strike="noStrike" dirty="0" err="1">
+                          <a:solidFill>
+                            <a:srgbClr val="000000"/>
+                          </a:solidFill>
+                          <a:effectLst/>
+                          <a:latin typeface="Calibri" panose="020F0502020204030204" pitchFamily="34" charset="0"/>
+                        </a:rPr>
+                        <a:t>Tolga</a:t>
+                      </a:r>
+                      <a:r>
+                        <a:rPr lang="en-US" sz="2400" b="0" i="0" u="none" strike="noStrike" dirty="0">
+                          <a:solidFill>
+                            <a:srgbClr val="000000"/>
+                          </a:solidFill>
+                          <a:effectLst/>
+                          <a:latin typeface="Calibri" panose="020F0502020204030204" pitchFamily="34" charset="0"/>
+                        </a:rPr>
+                        <a:t> </a:t>
+                      </a:r>
+                      <a:r>
+                        <a:rPr lang="en-US" sz="2400" b="0" i="0" u="none" strike="noStrike" dirty="0" err="1">
+                          <a:solidFill>
+                            <a:srgbClr val="000000"/>
+                          </a:solidFill>
+                          <a:effectLst/>
+                          <a:latin typeface="Calibri" panose="020F0502020204030204" pitchFamily="34" charset="0"/>
+                        </a:rPr>
+                        <a:t>Akiner</a:t>
+                      </a:r>
+                      <a:endParaRPr lang="en-US" sz="2400" b="0" i="0" u="none" strike="noStrike" dirty="0">
+                        <a:solidFill>
+                          <a:srgbClr val="000000"/>
+                        </a:solidFill>
+                        <a:effectLst/>
+                        <a:latin typeface="Calibri" panose="020F0502020204030204" pitchFamily="34" charset="0"/>
+                      </a:endParaRPr>
+                    </a:p>
+                  </a:txBody>
+                  <a:tcPr marL="9525" marR="9525" marT="9525" marB="0" anchor="b">
+                    <a:lnL>
+                      <a:noFill/>
+                    </a:lnL>
+                    <a:lnR>
+                      <a:noFill/>
+                    </a:lnR>
+                    <a:lnT>
+                      <a:noFill/>
+                    </a:lnT>
+                    <a:lnB>
+                      <a:noFill/>
+                    </a:lnB>
+                  </a:tcPr>
+                </a:tc>
+                <a:extLst>
+                  <a:ext uri="{0D108BD9-81ED-4DB2-BD59-A6C34878D82A}">
+                    <a16:rowId xmlns:a16="http://schemas.microsoft.com/office/drawing/2014/main" val="443561687"/>
+                  </a:ext>
+                </a:extLst>
+              </a:tr>
+            </a:tbl>
+          </a:graphicData>
+        </a:graphic>
+      </p:graphicFrame>
+    </p:spTree>
+    <p:extLst>
+      <p:ext uri="{BB962C8B-B14F-4D97-AF65-F5344CB8AC3E}">
+        <p14:creationId xmlns:p14="http://schemas.microsoft.com/office/powerpoint/2010/main" val="2828036732"/>
+      </p:ext>
+    </p:extLst>
+  </p:cSld>
+  <p:clrMapOvr>
+    <a:overrideClrMapping bg1="lt1" tx1="dk1" bg2="lt2" tx2="dk2" accent1="accent1" accent2="accent2" accent3="accent3" accent4="accent4" accent5="accent5" accent6="accent6" hlink="hlink" folHlink="folHlink"/>
+  </p:clrMapOvr>
+</p:sld>
+</file>
+
+<file path=ppt/slides/slide7.xml><?xml version="1.0" encoding="utf-8"?>
+<p:sld xmlns:a="http://schemas.openxmlformats.org/drawingml/2006/main" xmlns:r="http://schemas.openxmlformats.org/officeDocument/2006/relationships" xmlns:p="http://schemas.openxmlformats.org/presentationml/2006/main">
+  <p:cSld>
     <p:spTree>
       <p:nvGrpSpPr>
         <p:cNvPr id="1" name=""/>
@@ -10867,7 +13944,7 @@
 </p:sld>
 </file>
 
-<file path=ppt/slides/slide7.xml><?xml version="1.0" encoding="utf-8"?>
+<file path=ppt/slides/slide8.xml><?xml version="1.0" encoding="utf-8"?>
 <p:sld xmlns:a="http://schemas.openxmlformats.org/drawingml/2006/main" xmlns:r="http://schemas.openxmlformats.org/officeDocument/2006/relationships" xmlns:p="http://schemas.openxmlformats.org/presentationml/2006/main">
   <p:cSld>
     <p:spTree>
@@ -10889,7 +13966,7 @@
           <p:cNvPr id="2" name="Title 1">
             <a:extLst>
               <a:ext uri="{FF2B5EF4-FFF2-40B4-BE49-F238E27FC236}">
-                <a16:creationId xmlns:a16="http://schemas.microsoft.com/office/drawing/2014/main" id="{822C4190-DAB6-0A47-87C5-806996757E4F}"/>
+                <a16:creationId xmlns:a16="http://schemas.microsoft.com/office/drawing/2014/main" id="{4BB88CDA-0CA5-AC46-8386-91DB96D24DAF}"/>
               </a:ext>
             </a:extLst>
           </p:cNvPr>
@@ -10900,40 +13977,10 @@
             <p:ph type="title"/>
           </p:nvPr>
         </p:nvSpPr>
-        <p:spPr/>
-        <p:txBody>
-          <a:bodyPr/>
-          <a:lstStyle/>
-          <a:p>
-            <a:r>
-              <a:rPr lang="en-US" dirty="0">
-                <a:latin typeface="Optima" panose="02000503060000020004" pitchFamily="2" charset="0"/>
-              </a:rPr>
-              <a:t>Officers</a:t>
-            </a:r>
-          </a:p>
-        </p:txBody>
-      </p:sp>
-      <p:sp>
-        <p:nvSpPr>
-          <p:cNvPr id="3" name="Content Placeholder 2">
-            <a:extLst>
-              <a:ext uri="{FF2B5EF4-FFF2-40B4-BE49-F238E27FC236}">
-                <a16:creationId xmlns:a16="http://schemas.microsoft.com/office/drawing/2014/main" id="{74060FC4-FA33-0246-B7A6-27752C3FE3A8}"/>
-              </a:ext>
-            </a:extLst>
-          </p:cNvPr>
-          <p:cNvSpPr>
-            <a:spLocks noGrp="1"/>
-          </p:cNvSpPr>
-          <p:nvPr>
-            <p:ph sz="half" idx="1"/>
-          </p:nvPr>
-        </p:nvSpPr>
         <p:spPr>
           <a:xfrm>
-            <a:off x="838199" y="1825625"/>
-            <a:ext cx="7598229" cy="4351338"/>
+            <a:off x="838200" y="365125"/>
+            <a:ext cx="10515600" cy="4340225"/>
           </a:xfrm>
         </p:spPr>
         <p:txBody>
@@ -10941,268 +13988,34 @@
           <a:lstStyle/>
           <a:p>
             <a:r>
-              <a:rPr lang="en-US" dirty="0">
+              <a:rPr lang="en-US" u="sng" dirty="0">
                 <a:latin typeface="Optima" panose="02000503060000020004" pitchFamily="2" charset="0"/>
               </a:rPr>
-              <a:t>Anna Kirkland Smith, President</a:t>
-            </a:r>
-          </a:p>
-          <a:p>
-            <a:r>
-              <a:rPr lang="en-US" dirty="0" err="1">
+              <a:t>Kelly’s Talk</a:t>
+            </a:r>
+            <a:br>
+              <a:rPr lang="en-US" u="sng" dirty="0">
                 <a:latin typeface="Optima" panose="02000503060000020004" pitchFamily="2" charset="0"/>
               </a:rPr>
-              <a:t>Jaronda</a:t>
-            </a:r>
-            <a:r>
-              <a:rPr lang="en-US" dirty="0">
+            </a:br>
+            <a:br>
+              <a:rPr lang="en-US" i="1" dirty="0">
                 <a:latin typeface="Optima" panose="02000503060000020004" pitchFamily="2" charset="0"/>
               </a:rPr>
-              <a:t> Ingram, Vice President</a:t>
-            </a:r>
-          </a:p>
-          <a:p>
-            <a:r>
-              <a:rPr lang="en-US" dirty="0">
+            </a:br>
+            <a:r>
+              <a:rPr lang="en-US" i="1" dirty="0">
                 <a:latin typeface="Optima" panose="02000503060000020004" pitchFamily="2" charset="0"/>
               </a:rPr>
-              <a:t>Janel </a:t>
-            </a:r>
-            <a:r>
-              <a:rPr lang="en-US" dirty="0" err="1">
-                <a:latin typeface="Optima" panose="02000503060000020004" pitchFamily="2" charset="0"/>
-              </a:rPr>
-              <a:t>Kinlaw</a:t>
-            </a:r>
-            <a:r>
-              <a:rPr lang="en-US" dirty="0">
-                <a:latin typeface="Optima" panose="02000503060000020004" pitchFamily="2" charset="0"/>
-              </a:rPr>
-              <a:t>, Treasurer</a:t>
-            </a:r>
-          </a:p>
-          <a:p>
-            <a:r>
-              <a:rPr lang="en-US" dirty="0">
-                <a:latin typeface="Optima" panose="02000503060000020004" pitchFamily="2" charset="0"/>
-              </a:rPr>
-              <a:t>Maria </a:t>
-            </a:r>
-            <a:r>
-              <a:rPr lang="en-US" dirty="0" err="1">
-                <a:latin typeface="Optima" panose="02000503060000020004" pitchFamily="2" charset="0"/>
-              </a:rPr>
-              <a:t>Matkovska</a:t>
-            </a:r>
-            <a:r>
-              <a:rPr lang="en-US" dirty="0">
-                <a:latin typeface="Optima" panose="02000503060000020004" pitchFamily="2" charset="0"/>
-              </a:rPr>
-              <a:t>, Secretary</a:t>
-            </a:r>
-          </a:p>
-          <a:p>
-            <a:r>
-              <a:rPr lang="en-US" dirty="0">
-                <a:latin typeface="Optima" panose="02000503060000020004" pitchFamily="2" charset="0"/>
-              </a:rPr>
-              <a:t>Shannon Kreps, Director of Moments</a:t>
-            </a:r>
-          </a:p>
-          <a:p>
-            <a:r>
-              <a:rPr lang="en-US" dirty="0">
-                <a:latin typeface="Optima" panose="02000503060000020004" pitchFamily="2" charset="0"/>
-              </a:rPr>
-              <a:t>Julia Kuznetsova, Director of Programs</a:t>
-            </a:r>
-          </a:p>
-          <a:p>
-            <a:endParaRPr lang="en-US" dirty="0">
-              <a:latin typeface="Optima" panose="02000503060000020004" pitchFamily="2" charset="0"/>
-            </a:endParaRPr>
-          </a:p>
-          <a:p>
-            <a:endParaRPr lang="en-US" dirty="0">
-              <a:latin typeface="Optima" panose="02000503060000020004" pitchFamily="2" charset="0"/>
-            </a:endParaRPr>
+              <a:t>More than Math: Bringing More Science, Less Fiction to Data Science Practice</a:t>
+            </a:r>
           </a:p>
         </p:txBody>
       </p:sp>
     </p:spTree>
     <p:extLst>
       <p:ext uri="{BB962C8B-B14F-4D97-AF65-F5344CB8AC3E}">
-        <p14:creationId xmlns:p14="http://schemas.microsoft.com/office/powerpoint/2010/main" val="3895708010"/>
-      </p:ext>
-    </p:extLst>
-  </p:cSld>
-  <p:clrMapOvr>
-    <a:masterClrMapping/>
-  </p:clrMapOvr>
-</p:sld>
-</file>
-
-<file path=ppt/slides/slide8.xml><?xml version="1.0" encoding="utf-8"?>
-<p:sld xmlns:a="http://schemas.openxmlformats.org/drawingml/2006/main" xmlns:r="http://schemas.openxmlformats.org/officeDocument/2006/relationships" xmlns:p="http://schemas.openxmlformats.org/presentationml/2006/main">
-  <p:cSld>
-    <p:spTree>
-      <p:nvGrpSpPr>
-        <p:cNvPr id="1" name=""/>
-        <p:cNvGrpSpPr/>
-        <p:nvPr/>
-      </p:nvGrpSpPr>
-      <p:grpSpPr>
-        <a:xfrm>
-          <a:off x="0" y="0"/>
-          <a:ext cx="0" cy="0"/>
-          <a:chOff x="0" y="0"/>
-          <a:chExt cx="0" cy="0"/>
-        </a:xfrm>
-      </p:grpSpPr>
-      <p:pic>
-        <p:nvPicPr>
-          <p:cNvPr id="11" name="Picture 10">
-            <a:extLst>
-              <a:ext uri="{FF2B5EF4-FFF2-40B4-BE49-F238E27FC236}">
-                <a16:creationId xmlns:a16="http://schemas.microsoft.com/office/drawing/2014/main" id="{827D9479-3FC6-5A4B-9E8B-5A6BAC994943}"/>
-              </a:ext>
-            </a:extLst>
-          </p:cNvPr>
-          <p:cNvPicPr>
-            <a:picLocks noChangeAspect="1"/>
-          </p:cNvPicPr>
-          <p:nvPr/>
-        </p:nvPicPr>
-        <p:blipFill>
-          <a:blip r:embed="rId2"/>
-          <a:stretch>
-            <a:fillRect/>
-          </a:stretch>
-        </p:blipFill>
-        <p:spPr>
-          <a:xfrm>
-            <a:off x="3191013" y="1972416"/>
-            <a:ext cx="4867137" cy="2358690"/>
-          </a:xfrm>
-          <a:prstGeom prst="rect">
-            <a:avLst/>
-          </a:prstGeom>
-        </p:spPr>
-      </p:pic>
-      <p:sp>
-        <p:nvSpPr>
-          <p:cNvPr id="12" name="Rectangle 11">
-            <a:extLst>
-              <a:ext uri="{FF2B5EF4-FFF2-40B4-BE49-F238E27FC236}">
-                <a16:creationId xmlns:a16="http://schemas.microsoft.com/office/drawing/2014/main" id="{B476C22E-DFCA-544D-8243-6121CA9B51F5}"/>
-              </a:ext>
-            </a:extLst>
-          </p:cNvPr>
-          <p:cNvSpPr/>
-          <p:nvPr/>
-        </p:nvSpPr>
-        <p:spPr>
-          <a:xfrm>
-            <a:off x="1" y="4331106"/>
-            <a:ext cx="12192000" cy="769441"/>
-          </a:xfrm>
-          <a:prstGeom prst="rect">
-            <a:avLst/>
-          </a:prstGeom>
-        </p:spPr>
-        <p:txBody>
-          <a:bodyPr wrap="square">
-            <a:spAutoFit/>
-          </a:bodyPr>
-          <a:lstStyle/>
-          <a:p>
-            <a:pPr algn="ctr">
-              <a:spcAft>
-                <a:spcPts val="1200"/>
-              </a:spcAft>
-            </a:pPr>
-            <a:r>
-              <a:rPr lang="en-US" sz="4400" b="1" dirty="0">
-                <a:solidFill>
-                  <a:schemeClr val="accent2">
-                    <a:lumMod val="75000"/>
-                  </a:schemeClr>
-                </a:solidFill>
-                <a:latin typeface="Optima" panose="02000503060000020004" pitchFamily="2" charset="0"/>
-                <a:ea typeface="Times New Roman" panose="02020603050405020304" pitchFamily="18" charset="0"/>
-                <a:cs typeface="Times New Roman" panose="02020603050405020304" pitchFamily="18" charset="0"/>
-              </a:rPr>
-              <a:t>Join us or start a chapter near you </a:t>
-            </a:r>
-            <a:r>
-              <a:rPr lang="en-US" sz="4400" b="1" dirty="0">
-                <a:solidFill>
-                  <a:schemeClr val="accent2">
-                    <a:lumMod val="60000"/>
-                    <a:lumOff val="40000"/>
-                  </a:schemeClr>
-                </a:solidFill>
-                <a:latin typeface="Optima" panose="02000503060000020004" pitchFamily="2" charset="0"/>
-                <a:ea typeface="Times New Roman" panose="02020603050405020304" pitchFamily="18" charset="0"/>
-                <a:cs typeface="Times New Roman" panose="02020603050405020304" pitchFamily="18" charset="0"/>
-              </a:rPr>
-              <a:t>for free</a:t>
-            </a:r>
-          </a:p>
-        </p:txBody>
-      </p:sp>
-      <p:sp>
-        <p:nvSpPr>
-          <p:cNvPr id="13" name="Rectangle 12">
-            <a:extLst>
-              <a:ext uri="{FF2B5EF4-FFF2-40B4-BE49-F238E27FC236}">
-                <a16:creationId xmlns:a16="http://schemas.microsoft.com/office/drawing/2014/main" id="{55312F76-39C7-534E-ACD8-3099CE454E34}"/>
-              </a:ext>
-            </a:extLst>
-          </p:cNvPr>
-          <p:cNvSpPr/>
-          <p:nvPr/>
-        </p:nvSpPr>
-        <p:spPr>
-          <a:xfrm>
-            <a:off x="0" y="1280399"/>
-            <a:ext cx="12192000" cy="769441"/>
-          </a:xfrm>
-          <a:prstGeom prst="rect">
-            <a:avLst/>
-          </a:prstGeom>
-        </p:spPr>
-        <p:txBody>
-          <a:bodyPr wrap="square">
-            <a:spAutoFit/>
-          </a:bodyPr>
-          <a:lstStyle/>
-          <a:p>
-            <a:pPr algn="ctr">
-              <a:spcAft>
-                <a:spcPts val="1200"/>
-              </a:spcAft>
-            </a:pPr>
-            <a:r>
-              <a:rPr lang="en-US" sz="4400" b="1" dirty="0">
-                <a:solidFill>
-                  <a:schemeClr val="accent2">
-                    <a:lumMod val="75000"/>
-                  </a:schemeClr>
-                </a:solidFill>
-                <a:latin typeface="Optima" panose="02000503060000020004" pitchFamily="2" charset="0"/>
-                <a:ea typeface="Times New Roman" panose="02020603050405020304" pitchFamily="18" charset="0"/>
-                <a:cs typeface="Times New Roman" panose="02020603050405020304" pitchFamily="18" charset="0"/>
-              </a:rPr>
-              <a:t>Create a world full of data by women with us</a:t>
-            </a:r>
-          </a:p>
-        </p:txBody>
-      </p:sp>
-    </p:spTree>
-    <p:extLst>
-      <p:ext uri="{BB962C8B-B14F-4D97-AF65-F5344CB8AC3E}">
-        <p14:creationId xmlns:p14="http://schemas.microsoft.com/office/powerpoint/2010/main" val="2966965463"/>
+        <p14:creationId xmlns:p14="http://schemas.microsoft.com/office/powerpoint/2010/main" val="2374887228"/>
       </p:ext>
     </p:extLst>
   </p:cSld>
@@ -11231,163 +14044,147 @@
       </p:grpSpPr>
       <p:sp>
         <p:nvSpPr>
-          <p:cNvPr id="6" name="Rectangle 5">
+          <p:cNvPr id="4" name="Title 3">
             <a:extLst>
               <a:ext uri="{FF2B5EF4-FFF2-40B4-BE49-F238E27FC236}">
-                <a16:creationId xmlns:a16="http://schemas.microsoft.com/office/drawing/2014/main" id="{7AC521A6-EA53-6249-9417-2379A244B351}"/>
+                <a16:creationId xmlns:a16="http://schemas.microsoft.com/office/drawing/2014/main" id="{F060A6E5-70E5-3648-B507-856A64888984}"/>
               </a:ext>
             </a:extLst>
           </p:cNvPr>
-          <p:cNvSpPr/>
-          <p:nvPr/>
+          <p:cNvSpPr>
+            <a:spLocks noGrp="1"/>
+          </p:cNvSpPr>
+          <p:nvPr>
+            <p:ph type="title"/>
+          </p:nvPr>
         </p:nvSpPr>
         <p:spPr>
           <a:xfrm>
-            <a:off x="6410726" y="837225"/>
-            <a:ext cx="5182829" cy="4524315"/>
+            <a:off x="4965430" y="629268"/>
+            <a:ext cx="6586491" cy="1286160"/>
+          </a:xfrm>
+        </p:spPr>
+        <p:txBody>
+          <a:bodyPr vert="horz" lIns="91440" tIns="45720" rIns="91440" bIns="45720" rtlCol="0" anchor="b">
+            <a:normAutofit/>
+          </a:bodyPr>
+          <a:lstStyle/>
+          <a:p>
+            <a:r>
+              <a:rPr lang="en-US"/>
+              <a:t>Lessons Learned</a:t>
+            </a:r>
+            <a:endParaRPr lang="en-US" dirty="0"/>
+          </a:p>
+        </p:txBody>
+      </p:sp>
+      <p:sp>
+        <p:nvSpPr>
+          <p:cNvPr id="6" name="Content Placeholder 5">
+            <a:extLst>
+              <a:ext uri="{FF2B5EF4-FFF2-40B4-BE49-F238E27FC236}">
+                <a16:creationId xmlns:a16="http://schemas.microsoft.com/office/drawing/2014/main" id="{DE128AE5-235F-504B-823A-A8C58605B643}"/>
+              </a:ext>
+            </a:extLst>
+          </p:cNvPr>
+          <p:cNvSpPr>
+            <a:spLocks noGrp="1"/>
+          </p:cNvSpPr>
+          <p:nvPr>
+            <p:ph sz="half" idx="2"/>
+          </p:nvPr>
+        </p:nvSpPr>
+        <p:spPr>
+          <a:xfrm>
+            <a:off x="4965431" y="2438400"/>
+            <a:ext cx="6586489" cy="3785419"/>
+          </a:xfrm>
+        </p:spPr>
+        <p:txBody>
+          <a:bodyPr vert="horz" lIns="91440" tIns="45720" rIns="91440" bIns="45720" rtlCol="0">
+            <a:noAutofit/>
+          </a:bodyPr>
+          <a:lstStyle/>
+          <a:p>
+            <a:r>
+              <a:rPr lang="en-US" sz="3200" dirty="0"/>
+              <a:t>Data science is more than math</a:t>
+            </a:r>
+          </a:p>
+          <a:p>
+            <a:r>
+              <a:rPr lang="en-US" sz="3200" dirty="0"/>
+              <a:t>And it’s transdisciplinary</a:t>
+            </a:r>
+          </a:p>
+          <a:p>
+            <a:r>
+              <a:rPr lang="en-US" sz="3200" dirty="0"/>
+              <a:t>The team sport</a:t>
+            </a:r>
+          </a:p>
+          <a:p>
+            <a:r>
+              <a:rPr lang="en-US" sz="3200" dirty="0"/>
+              <a:t>Peer review is a gift</a:t>
+            </a:r>
+          </a:p>
+          <a:p>
+            <a:r>
+              <a:rPr lang="en-US" sz="3200" dirty="0"/>
+              <a:t>KYC</a:t>
+            </a:r>
+          </a:p>
+          <a:p>
+            <a:r>
+              <a:rPr lang="en-US" sz="3200" dirty="0"/>
+              <a:t>“If I can’t explain it…”</a:t>
+            </a:r>
+          </a:p>
+          <a:p>
+            <a:r>
+              <a:rPr lang="en-US" sz="3200" dirty="0"/>
+              <a:t>“All models are wrong…”</a:t>
+            </a:r>
+          </a:p>
+        </p:txBody>
+      </p:sp>
+      <p:pic>
+        <p:nvPicPr>
+          <p:cNvPr id="8" name="Content Placeholder 7" descr="Table&#10;&#10;Description automatically generated with low confidence">
+            <a:extLst>
+              <a:ext uri="{FF2B5EF4-FFF2-40B4-BE49-F238E27FC236}">
+                <a16:creationId xmlns:a16="http://schemas.microsoft.com/office/drawing/2014/main" id="{9D8B3E28-FD73-B544-8DCB-6C13FF1B2807}"/>
+              </a:ext>
+            </a:extLst>
+          </p:cNvPr>
+          <p:cNvPicPr>
+            <a:picLocks noGrp="1" noChangeAspect="1"/>
+          </p:cNvPicPr>
+          <p:nvPr>
+            <p:ph sz="half" idx="1"/>
+          </p:nvPr>
+        </p:nvPicPr>
+        <p:blipFill rotWithShape="1">
+          <a:blip r:embed="rId2"/>
+          <a:srcRect l="12419" r="19987"/>
+          <a:stretch/>
+        </p:blipFill>
+        <p:spPr>
+          <a:xfrm>
+            <a:off x="20" y="10"/>
+            <a:ext cx="4635571" cy="6857990"/>
           </a:xfrm>
           <a:prstGeom prst="rect">
             <a:avLst/>
           </a:prstGeom>
-        </p:spPr>
-        <p:txBody>
-          <a:bodyPr wrap="none">
-            <a:spAutoFit/>
-          </a:bodyPr>
-          <a:lstStyle/>
-          <a:p>
-            <a:pPr>
-              <a:spcAft>
-                <a:spcPts val="1200"/>
-              </a:spcAft>
-            </a:pPr>
-            <a:r>
-              <a:rPr lang="en-US" sz="9600" dirty="0">
-                <a:solidFill>
-                  <a:srgbClr val="24292E"/>
-                </a:solidFill>
-                <a:latin typeface="Optima" panose="02000503060000020004" pitchFamily="2" charset="0"/>
-                <a:ea typeface="Times New Roman" panose="02020603050405020304" pitchFamily="18" charset="0"/>
-                <a:cs typeface="Times New Roman" panose="02020603050405020304" pitchFamily="18" charset="0"/>
-              </a:rPr>
-              <a:t>Data </a:t>
-            </a:r>
-            <a:br>
-              <a:rPr lang="en-US" sz="9600" dirty="0">
-                <a:solidFill>
-                  <a:srgbClr val="24292E"/>
-                </a:solidFill>
-                <a:latin typeface="Optima" panose="02000503060000020004" pitchFamily="2" charset="0"/>
-                <a:ea typeface="Times New Roman" panose="02020603050405020304" pitchFamily="18" charset="0"/>
-                <a:cs typeface="Times New Roman" panose="02020603050405020304" pitchFamily="18" charset="0"/>
-              </a:rPr>
-            </a:br>
-            <a:r>
-              <a:rPr lang="en-US" sz="9600" dirty="0">
-                <a:solidFill>
-                  <a:srgbClr val="24292E"/>
-                </a:solidFill>
-                <a:latin typeface="Optima" panose="02000503060000020004" pitchFamily="2" charset="0"/>
-                <a:ea typeface="Times New Roman" panose="02020603050405020304" pitchFamily="18" charset="0"/>
-                <a:cs typeface="Times New Roman" panose="02020603050405020304" pitchFamily="18" charset="0"/>
-              </a:rPr>
-              <a:t>Scientista</a:t>
-            </a:r>
-            <a:br>
-              <a:rPr lang="en-US" sz="9600" dirty="0">
-                <a:solidFill>
-                  <a:srgbClr val="24292E"/>
-                </a:solidFill>
-                <a:latin typeface="Optima" panose="02000503060000020004" pitchFamily="2" charset="0"/>
-                <a:ea typeface="Times New Roman" panose="02020603050405020304" pitchFamily="18" charset="0"/>
-                <a:cs typeface="Times New Roman" panose="02020603050405020304" pitchFamily="18" charset="0"/>
-              </a:rPr>
-            </a:br>
-            <a:r>
-              <a:rPr lang="en-US" sz="9600" dirty="0">
-                <a:solidFill>
-                  <a:srgbClr val="24292E"/>
-                </a:solidFill>
-                <a:latin typeface="Optima" panose="02000503060000020004" pitchFamily="2" charset="0"/>
-                <a:ea typeface="Times New Roman" panose="02020603050405020304" pitchFamily="18" charset="0"/>
-                <a:cs typeface="Times New Roman" panose="02020603050405020304" pitchFamily="18" charset="0"/>
-              </a:rPr>
-              <a:t>Society</a:t>
-            </a:r>
-          </a:p>
-        </p:txBody>
-      </p:sp>
-      <p:sp>
-        <p:nvSpPr>
-          <p:cNvPr id="12" name="TextBox 11">
-            <a:extLst>
-              <a:ext uri="{FF2B5EF4-FFF2-40B4-BE49-F238E27FC236}">
-                <a16:creationId xmlns:a16="http://schemas.microsoft.com/office/drawing/2014/main" id="{C2457959-888A-A749-8A8C-1780D33CCD8F}"/>
-              </a:ext>
-            </a:extLst>
-          </p:cNvPr>
-          <p:cNvSpPr txBox="1"/>
-          <p:nvPr/>
-        </p:nvSpPr>
-        <p:spPr>
-          <a:xfrm>
-            <a:off x="6496231" y="5220599"/>
-            <a:ext cx="2030549" cy="461665"/>
-          </a:xfrm>
-          <a:prstGeom prst="rect">
-            <a:avLst/>
-          </a:prstGeom>
-          <a:noFill/>
-        </p:spPr>
-        <p:txBody>
-          <a:bodyPr wrap="square" rtlCol="0">
-            <a:spAutoFit/>
-          </a:bodyPr>
-          <a:lstStyle/>
-          <a:p>
-            <a:r>
-              <a:rPr lang="en-US" sz="2400" dirty="0">
-                <a:latin typeface="Optima" panose="02000503060000020004" pitchFamily="2" charset="0"/>
-              </a:rPr>
-              <a:t>a 501(c)(3)</a:t>
-            </a:r>
-          </a:p>
-        </p:txBody>
-      </p:sp>
-      <p:pic>
-        <p:nvPicPr>
-          <p:cNvPr id="3" name="Picture 2">
-            <a:extLst>
-              <a:ext uri="{FF2B5EF4-FFF2-40B4-BE49-F238E27FC236}">
-                <a16:creationId xmlns:a16="http://schemas.microsoft.com/office/drawing/2014/main" id="{F34D16AC-3DA5-BA47-AF5D-4971C69EB498}"/>
-              </a:ext>
-            </a:extLst>
-          </p:cNvPr>
-          <p:cNvPicPr>
-            <a:picLocks noChangeAspect="1"/>
-          </p:cNvPicPr>
-          <p:nvPr/>
-        </p:nvPicPr>
-        <p:blipFill>
-          <a:blip r:embed="rId2"/>
-          <a:stretch>
-            <a:fillRect/>
-          </a:stretch>
-        </p:blipFill>
-        <p:spPr>
-          <a:xfrm>
-            <a:off x="982980" y="837225"/>
-            <a:ext cx="5427746" cy="5346404"/>
-          </a:xfrm>
-          <a:prstGeom prst="rect">
-            <a:avLst/>
-          </a:prstGeom>
+          <a:effectLst/>
         </p:spPr>
       </p:pic>
     </p:spTree>
     <p:extLst>
       <p:ext uri="{BB962C8B-B14F-4D97-AF65-F5344CB8AC3E}">
-        <p14:creationId xmlns:p14="http://schemas.microsoft.com/office/powerpoint/2010/main" val="3516300674"/>
+        <p14:creationId xmlns:p14="http://schemas.microsoft.com/office/powerpoint/2010/main" val="3230456895"/>
       </p:ext>
     </p:extLst>
   </p:cSld>
@@ -11699,4 +14496,47 @@
     </a:folHlink>
   </a:clrScheme>
 </a:themeOverride>
+</file>
+
+<file path=ppt/theme/themeOverride2.xml><?xml version="1.0" encoding="utf-8"?>
+<a:themeOverride xmlns:a="http://schemas.openxmlformats.org/drawingml/2006/main">
+  <a:clrScheme name="Office">
+    <a:dk1>
+      <a:sysClr val="windowText" lastClr="000000"/>
+    </a:dk1>
+    <a:lt1>
+      <a:sysClr val="window" lastClr="FFFFFF"/>
+    </a:lt1>
+    <a:dk2>
+      <a:srgbClr val="44546A"/>
+    </a:dk2>
+    <a:lt2>
+      <a:srgbClr val="E7E6E6"/>
+    </a:lt2>
+    <a:accent1>
+      <a:srgbClr val="4472C4"/>
+    </a:accent1>
+    <a:accent2>
+      <a:srgbClr val="ED7D31"/>
+    </a:accent2>
+    <a:accent3>
+      <a:srgbClr val="A5A5A5"/>
+    </a:accent3>
+    <a:accent4>
+      <a:srgbClr val="FFC000"/>
+    </a:accent4>
+    <a:accent5>
+      <a:srgbClr val="5B9BD5"/>
+    </a:accent5>
+    <a:accent6>
+      <a:srgbClr val="70AD47"/>
+    </a:accent6>
+    <a:hlink>
+      <a:srgbClr val="0563C1"/>
+    </a:hlink>
+    <a:folHlink>
+      <a:srgbClr val="954F72"/>
+    </a:folHlink>
+  </a:clrScheme>
+</a:themeOverride>
 </file>